--- a/uml/Lucene索引过程分享.pptx
+++ b/uml/Lucene索引过程分享.pptx
@@ -7,6 +7,15 @@
   <p:sldIdLst>
     <p:sldId id="256" r:id="rId2"/>
     <p:sldId id="257" r:id="rId3"/>
+    <p:sldId id="258" r:id="rId4"/>
+    <p:sldId id="259" r:id="rId5"/>
+    <p:sldId id="260" r:id="rId6"/>
+    <p:sldId id="261" r:id="rId7"/>
+    <p:sldId id="262" r:id="rId8"/>
+    <p:sldId id="263" r:id="rId9"/>
+    <p:sldId id="264" r:id="rId10"/>
+    <p:sldId id="265" r:id="rId11"/>
+    <p:sldId id="266" r:id="rId12"/>
   </p:sldIdLst>
   <p:sldSz cx="12192000" cy="6858000"/>
   <p:notesSz cx="6858000" cy="9144000"/>
@@ -105,6 +114,11 @@
       </a:defRPr>
     </a:lvl9pPr>
   </p:defaultTextStyle>
+  <p:extLst>
+    <p:ext uri="{EFAFB233-063F-42B5-8137-9DF3F51BA10A}">
+      <p15:sldGuideLst xmlns:p15="http://schemas.microsoft.com/office/powerpoint/2012/main"/>
+    </p:ext>
+  </p:extLst>
 </p:presentation>
 </file>
 
@@ -278,7 +292,7 @@
             <a:fld id="{87DE6118-2437-4B30-8E3C-4D2BE6020583}" type="datetimeFigureOut">
               <a:rPr lang="en-US" dirty="0"/>
               <a:pPr/>
-              <a:t>11/7/22</a:t>
+              <a:t>11/11/22</a:t>
             </a:fld>
             <a:endParaRPr lang="en-US" dirty="0"/>
           </a:p>
@@ -604,7 +618,7 @@
           <a:p>
             <a:fld id="{87DE6118-2437-4B30-8E3C-4D2BE6020583}" type="datetimeFigureOut">
               <a:rPr lang="en-US" dirty="0"/>
-              <a:t>11/7/22</a:t>
+              <a:t>11/11/22</a:t>
             </a:fld>
             <a:endParaRPr lang="en-US" dirty="0"/>
           </a:p>
@@ -779,7 +793,7 @@
           <a:p>
             <a:fld id="{87DE6118-2437-4B30-8E3C-4D2BE6020583}" type="datetimeFigureOut">
               <a:rPr lang="en-US" dirty="0"/>
-              <a:t>11/7/22</a:t>
+              <a:t>11/11/22</a:t>
             </a:fld>
             <a:endParaRPr lang="en-US" dirty="0"/>
           </a:p>
@@ -944,7 +958,7 @@
           <a:p>
             <a:fld id="{87DE6118-2437-4B30-8E3C-4D2BE6020583}" type="datetimeFigureOut">
               <a:rPr lang="en-US" dirty="0"/>
-              <a:t>11/7/22</a:t>
+              <a:t>11/11/22</a:t>
             </a:fld>
             <a:endParaRPr lang="en-US" dirty="0"/>
           </a:p>
@@ -1217,7 +1231,7 @@
             <a:fld id="{87DE6118-2437-4B30-8E3C-4D2BE6020583}" type="datetimeFigureOut">
               <a:rPr lang="en-US" dirty="0"/>
               <a:pPr/>
-              <a:t>11/7/22</a:t>
+              <a:t>11/11/22</a:t>
             </a:fld>
             <a:endParaRPr lang="en-US" dirty="0"/>
           </a:p>
@@ -1607,7 +1621,7 @@
           <a:p>
             <a:fld id="{87DE6118-2437-4B30-8E3C-4D2BE6020583}" type="datetimeFigureOut">
               <a:rPr lang="en-US" dirty="0"/>
-              <a:t>11/7/22</a:t>
+              <a:t>11/11/22</a:t>
             </a:fld>
             <a:endParaRPr lang="en-US" dirty="0"/>
           </a:p>
@@ -2079,7 +2093,7 @@
           <a:p>
             <a:fld id="{87DE6118-2437-4B30-8E3C-4D2BE6020583}" type="datetimeFigureOut">
               <a:rPr lang="en-US" dirty="0"/>
-              <a:t>11/7/22</a:t>
+              <a:t>11/11/22</a:t>
             </a:fld>
             <a:endParaRPr lang="en-US" dirty="0"/>
           </a:p>
@@ -2192,7 +2206,7 @@
           <a:p>
             <a:fld id="{87DE6118-2437-4B30-8E3C-4D2BE6020583}" type="datetimeFigureOut">
               <a:rPr lang="en-US" dirty="0"/>
-              <a:t>11/7/22</a:t>
+              <a:t>11/11/22</a:t>
             </a:fld>
             <a:endParaRPr lang="en-US" dirty="0"/>
           </a:p>
@@ -2282,7 +2296,7 @@
           <a:p>
             <a:fld id="{87DE6118-2437-4B30-8E3C-4D2BE6020583}" type="datetimeFigureOut">
               <a:rPr lang="en-US" dirty="0"/>
-              <a:t>11/7/22</a:t>
+              <a:t>11/11/22</a:t>
             </a:fld>
             <a:endParaRPr lang="en-US" dirty="0"/>
           </a:p>
@@ -2624,7 +2638,7 @@
             <a:fld id="{87DE6118-2437-4B30-8E3C-4D2BE6020583}" type="datetimeFigureOut">
               <a:rPr lang="en-US" dirty="0"/>
               <a:pPr/>
-              <a:t>11/7/22</a:t>
+              <a:t>11/11/22</a:t>
             </a:fld>
             <a:endParaRPr lang="en-US" dirty="0"/>
           </a:p>
@@ -3009,7 +3023,7 @@
             <a:fld id="{87DE6118-2437-4B30-8E3C-4D2BE6020583}" type="datetimeFigureOut">
               <a:rPr lang="en-US" dirty="0"/>
               <a:pPr/>
-              <a:t>11/7/22</a:t>
+              <a:t>11/11/22</a:t>
             </a:fld>
             <a:endParaRPr lang="en-US" dirty="0"/>
           </a:p>
@@ -3284,7 +3298,7 @@
             <a:fld id="{87DE6118-2437-4B30-8E3C-4D2BE6020583}" type="datetimeFigureOut">
               <a:rPr lang="en-US" dirty="0"/>
               <a:pPr/>
-              <a:t>11/7/22</a:t>
+              <a:t>11/11/22</a:t>
             </a:fld>
             <a:endParaRPr lang="en-US" dirty="0"/>
           </a:p>
@@ -3814,19 +3828,29 @@
           <a:lstStyle/>
           <a:p>
             <a:r>
-              <a:rPr lang="en-US" altLang="zh-CN" dirty="0">
-                <a:latin typeface="Andale Mono" panose="020B0509000000000004" pitchFamily="49" charset="0"/>
+              <a:rPr lang="en-US" sz="6000" cap="none" dirty="0" err="1">
+                <a:latin typeface="Calibri" panose="020F0502020204030204" pitchFamily="34" charset="0"/>
+                <a:cs typeface="Calibri" panose="020F0502020204030204" pitchFamily="34" charset="0"/>
               </a:rPr>
-              <a:t>Lucene</a:t>
-            </a:r>
-            <a:r>
-              <a:rPr lang="zh-CN" altLang="en-US" dirty="0">
-                <a:latin typeface="Andale Mono" panose="020B0509000000000004" pitchFamily="49" charset="0"/>
+              <a:t>L</a:t>
+            </a:r>
+            <a:r>
+              <a:rPr lang="en-US" altLang="zh-CN" sz="6000" cap="none" dirty="0" err="1">
+                <a:latin typeface="Calibri" panose="020F0502020204030204" pitchFamily="34" charset="0"/>
+                <a:cs typeface="Calibri" panose="020F0502020204030204" pitchFamily="34" charset="0"/>
+              </a:rPr>
+              <a:t>ucene</a:t>
+            </a:r>
+            <a:r>
+              <a:rPr lang="en-US" sz="6000" cap="none" dirty="0" err="1">
+                <a:latin typeface="Calibri" panose="020F0502020204030204" pitchFamily="34" charset="0"/>
+                <a:cs typeface="Calibri" panose="020F0502020204030204" pitchFamily="34" charset="0"/>
               </a:rPr>
               <a:t>索引过程分享</a:t>
             </a:r>
-            <a:endParaRPr lang="en-CN" dirty="0">
-              <a:latin typeface="Andale Mono" panose="020B0509000000000004" pitchFamily="49" charset="0"/>
+            <a:endParaRPr lang="en-CN" sz="6000" cap="none" dirty="0">
+              <a:latin typeface="Calibri" panose="020F0502020204030204" pitchFamily="34" charset="0"/>
+              <a:cs typeface="Calibri" panose="020F0502020204030204" pitchFamily="34" charset="0"/>
             </a:endParaRPr>
           </a:p>
         </p:txBody>
@@ -3852,7 +3876,35 @@
           <a:bodyPr/>
           <a:lstStyle/>
           <a:p>
-            <a:endParaRPr lang="en-CN"/>
+            <a:r>
+              <a:rPr lang="en-CN" dirty="0"/>
+              <a:t>OpenAPI</a:t>
+            </a:r>
+            <a:r>
+              <a:rPr lang="zh-CN" altLang="en-US" dirty="0"/>
+              <a:t> </a:t>
+            </a:r>
+            <a:r>
+              <a:rPr lang="en-US" altLang="zh-CN" dirty="0"/>
+              <a:t>-</a:t>
+            </a:r>
+            <a:r>
+              <a:rPr lang="zh-CN" altLang="en-US" dirty="0"/>
+              <a:t> </a:t>
+            </a:r>
+            <a:r>
+              <a:rPr lang="en-CN" dirty="0"/>
+              <a:t>Kolt</a:t>
+            </a:r>
+            <a:r>
+              <a:rPr lang="zh-CN" altLang="en-US" dirty="0"/>
+              <a:t> </a:t>
+            </a:r>
+            <a:r>
+              <a:rPr lang="en-US" altLang="zh-CN" dirty="0"/>
+              <a:t>Wang</a:t>
+            </a:r>
+            <a:endParaRPr lang="en-CN" dirty="0"/>
           </a:p>
         </p:txBody>
       </p:sp>
@@ -3860,6 +3912,153 @@
     <p:extLst>
       <p:ext uri="{BB962C8B-B14F-4D97-AF65-F5344CB8AC3E}">
         <p14:creationId xmlns:p14="http://schemas.microsoft.com/office/powerpoint/2010/main" val="2876761668"/>
+      </p:ext>
+    </p:extLst>
+  </p:cSld>
+  <p:clrMapOvr>
+    <a:masterClrMapping/>
+  </p:clrMapOvr>
+</p:sld>
+</file>
+
+<file path=ppt/slides/slide10.xml><?xml version="1.0" encoding="utf-8"?>
+<p:sld xmlns:a="http://schemas.openxmlformats.org/drawingml/2006/main" xmlns:r="http://schemas.openxmlformats.org/officeDocument/2006/relationships" xmlns:p="http://schemas.openxmlformats.org/presentationml/2006/main">
+  <p:cSld>
+    <p:spTree>
+      <p:nvGrpSpPr>
+        <p:cNvPr id="1" name=""/>
+        <p:cNvGrpSpPr/>
+        <p:nvPr/>
+      </p:nvGrpSpPr>
+      <p:grpSpPr>
+        <a:xfrm>
+          <a:off x="0" y="0"/>
+          <a:ext cx="0" cy="0"/>
+          <a:chOff x="0" y="0"/>
+          <a:chExt cx="0" cy="0"/>
+        </a:xfrm>
+      </p:grpSpPr>
+      <p:sp>
+        <p:nvSpPr>
+          <p:cNvPr id="2" name="Title 1">
+            <a:extLst>
+              <a:ext uri="{FF2B5EF4-FFF2-40B4-BE49-F238E27FC236}">
+                <a16:creationId xmlns:a16="http://schemas.microsoft.com/office/drawing/2014/main" id="{70843433-E35D-4D83-F5C8-E8B73062DB80}"/>
+              </a:ext>
+            </a:extLst>
+          </p:cNvPr>
+          <p:cNvSpPr>
+            <a:spLocks noGrp="1"/>
+          </p:cNvSpPr>
+          <p:nvPr>
+            <p:ph type="title"/>
+          </p:nvPr>
+        </p:nvSpPr>
+        <p:spPr/>
+        <p:txBody>
+          <a:bodyPr/>
+          <a:lstStyle/>
+          <a:p>
+            <a:r>
+              <a:rPr lang="en-CN" dirty="0"/>
+              <a:t>Q&amp;A</a:t>
+            </a:r>
+          </a:p>
+        </p:txBody>
+      </p:sp>
+      <p:sp>
+        <p:nvSpPr>
+          <p:cNvPr id="3" name="Content Placeholder 2">
+            <a:extLst>
+              <a:ext uri="{FF2B5EF4-FFF2-40B4-BE49-F238E27FC236}">
+                <a16:creationId xmlns:a16="http://schemas.microsoft.com/office/drawing/2014/main" id="{D4911B78-D471-3250-7407-A224838D7CBB}"/>
+              </a:ext>
+            </a:extLst>
+          </p:cNvPr>
+          <p:cNvSpPr>
+            <a:spLocks noGrp="1"/>
+          </p:cNvSpPr>
+          <p:nvPr>
+            <p:ph idx="1"/>
+          </p:nvPr>
+        </p:nvSpPr>
+        <p:spPr/>
+        <p:txBody>
+          <a:bodyPr/>
+          <a:lstStyle/>
+          <a:p>
+            <a:endParaRPr lang="en-CN" dirty="0"/>
+          </a:p>
+        </p:txBody>
+      </p:sp>
+    </p:spTree>
+    <p:extLst>
+      <p:ext uri="{BB962C8B-B14F-4D97-AF65-F5344CB8AC3E}">
+        <p14:creationId xmlns:p14="http://schemas.microsoft.com/office/powerpoint/2010/main" val="1365090610"/>
+      </p:ext>
+    </p:extLst>
+  </p:cSld>
+  <p:clrMapOvr>
+    <a:masterClrMapping/>
+  </p:clrMapOvr>
+</p:sld>
+</file>
+
+<file path=ppt/slides/slide11.xml><?xml version="1.0" encoding="utf-8"?>
+<p:sld xmlns:a="http://schemas.openxmlformats.org/drawingml/2006/main" xmlns:r="http://schemas.openxmlformats.org/officeDocument/2006/relationships" xmlns:p="http://schemas.openxmlformats.org/presentationml/2006/main">
+  <p:cSld>
+    <p:spTree>
+      <p:nvGrpSpPr>
+        <p:cNvPr id="1" name=""/>
+        <p:cNvGrpSpPr/>
+        <p:nvPr/>
+      </p:nvGrpSpPr>
+      <p:grpSpPr>
+        <a:xfrm>
+          <a:off x="0" y="0"/>
+          <a:ext cx="0" cy="0"/>
+          <a:chOff x="0" y="0"/>
+          <a:chExt cx="0" cy="0"/>
+        </a:xfrm>
+      </p:grpSpPr>
+      <p:sp>
+        <p:nvSpPr>
+          <p:cNvPr id="2" name="Title 1">
+            <a:extLst>
+              <a:ext uri="{FF2B5EF4-FFF2-40B4-BE49-F238E27FC236}">
+                <a16:creationId xmlns:a16="http://schemas.microsoft.com/office/drawing/2014/main" id="{0FAE169E-148A-2A81-1BAB-6FB2A0F5F520}"/>
+              </a:ext>
+            </a:extLst>
+          </p:cNvPr>
+          <p:cNvSpPr>
+            <a:spLocks noGrp="1"/>
+          </p:cNvSpPr>
+          <p:nvPr>
+            <p:ph type="title"/>
+          </p:nvPr>
+        </p:nvSpPr>
+        <p:spPr>
+          <a:xfrm>
+            <a:off x="1295400" y="3249538"/>
+            <a:ext cx="9601200" cy="1485900"/>
+          </a:xfrm>
+        </p:spPr>
+        <p:txBody>
+          <a:bodyPr/>
+          <a:lstStyle/>
+          <a:p>
+            <a:pPr algn="ctr"/>
+            <a:r>
+              <a:rPr lang="en-CN" dirty="0"/>
+              <a:t>Thanks</a:t>
+            </a:r>
+          </a:p>
+        </p:txBody>
+      </p:sp>
+    </p:spTree>
+    <p:extLst>
+      <p:ext uri="{BB962C8B-B14F-4D97-AF65-F5344CB8AC3E}">
+        <p14:creationId xmlns:p14="http://schemas.microsoft.com/office/powerpoint/2010/main" val="2530155024"/>
       </p:ext>
     </p:extLst>
   </p:cSld>
@@ -3908,9 +4107,10 @@
           <a:lstStyle/>
           <a:p>
             <a:r>
-              <a:rPr lang="en-CN" dirty="0"/>
-              <a:t>内容</a:t>
-            </a:r>
+              <a:rPr lang="en-US" dirty="0" err="1"/>
+              <a:t>大纲</a:t>
+            </a:r>
+            <a:endParaRPr lang="en-CN" dirty="0"/>
           </a:p>
         </p:txBody>
       </p:sp>
@@ -3946,37 +4146,26 @@
           </a:p>
           <a:p>
             <a:r>
-              <a:rPr lang="en-CN" dirty="0"/>
-              <a:t>概念</a:t>
-            </a:r>
-          </a:p>
-          <a:p>
-            <a:r>
-              <a:rPr lang="en-CN" dirty="0"/>
-              <a:t>工具类</a:t>
-            </a:r>
-            <a:r>
-              <a:rPr lang="zh-CN" altLang="en-US" dirty="0"/>
-              <a:t>：</a:t>
+              <a:rPr lang="en-US" dirty="0" err="1"/>
+              <a:t>背景知识</a:t>
+            </a:r>
+            <a:endParaRPr lang="en-CN" dirty="0"/>
+          </a:p>
+          <a:p>
+            <a:r>
+              <a:rPr lang="en-US" dirty="0" err="1"/>
+              <a:t>索引流程</a:t>
             </a:r>
             <a:r>
               <a:rPr lang="en-US" altLang="zh-CN" dirty="0" err="1"/>
-              <a:t>BitSet</a:t>
-            </a:r>
-            <a:r>
-              <a:rPr lang="zh-CN" altLang="en-US" dirty="0"/>
-              <a:t>，</a:t>
-            </a:r>
-            <a:r>
-              <a:rPr lang="en-US" altLang="zh-CN" dirty="0" err="1"/>
-              <a:t>BytePool</a:t>
+              <a:t>overall</a:t>
             </a:r>
             <a:endParaRPr lang="en-US" altLang="zh-CN" dirty="0"/>
           </a:p>
           <a:p>
             <a:r>
               <a:rPr lang="en-US" dirty="0" err="1"/>
-              <a:t>增删改</a:t>
+              <a:t>文档的增删改</a:t>
             </a:r>
             <a:endParaRPr lang="en-US" dirty="0"/>
           </a:p>
@@ -4015,6 +4204,901 @@
     <p:extLst>
       <p:ext uri="{BB962C8B-B14F-4D97-AF65-F5344CB8AC3E}">
         <p14:creationId xmlns:p14="http://schemas.microsoft.com/office/powerpoint/2010/main" val="3726586867"/>
+      </p:ext>
+    </p:extLst>
+  </p:cSld>
+  <p:clrMapOvr>
+    <a:masterClrMapping/>
+  </p:clrMapOvr>
+</p:sld>
+</file>
+
+<file path=ppt/slides/slide3.xml><?xml version="1.0" encoding="utf-8"?>
+<p:sld xmlns:a="http://schemas.openxmlformats.org/drawingml/2006/main" xmlns:r="http://schemas.openxmlformats.org/officeDocument/2006/relationships" xmlns:p="http://schemas.openxmlformats.org/presentationml/2006/main">
+  <p:cSld>
+    <p:spTree>
+      <p:nvGrpSpPr>
+        <p:cNvPr id="1" name=""/>
+        <p:cNvGrpSpPr/>
+        <p:nvPr/>
+      </p:nvGrpSpPr>
+      <p:grpSpPr>
+        <a:xfrm>
+          <a:off x="0" y="0"/>
+          <a:ext cx="0" cy="0"/>
+          <a:chOff x="0" y="0"/>
+          <a:chExt cx="0" cy="0"/>
+        </a:xfrm>
+      </p:grpSpPr>
+      <p:sp>
+        <p:nvSpPr>
+          <p:cNvPr id="2" name="Title 1">
+            <a:extLst>
+              <a:ext uri="{FF2B5EF4-FFF2-40B4-BE49-F238E27FC236}">
+                <a16:creationId xmlns:a16="http://schemas.microsoft.com/office/drawing/2014/main" id="{EBEBA1E9-F8E1-D458-D4B1-58788E73D203}"/>
+              </a:ext>
+            </a:extLst>
+          </p:cNvPr>
+          <p:cNvSpPr>
+            <a:spLocks noGrp="1"/>
+          </p:cNvSpPr>
+          <p:nvPr>
+            <p:ph type="title"/>
+          </p:nvPr>
+        </p:nvSpPr>
+        <p:spPr/>
+        <p:txBody>
+          <a:bodyPr/>
+          <a:lstStyle/>
+          <a:p>
+            <a:r>
+              <a:rPr lang="en-CN" dirty="0"/>
+              <a:t>Lucene和Elasticsearch</a:t>
+            </a:r>
+          </a:p>
+        </p:txBody>
+      </p:sp>
+      <p:sp>
+        <p:nvSpPr>
+          <p:cNvPr id="3" name="Content Placeholder 2">
+            <a:extLst>
+              <a:ext uri="{FF2B5EF4-FFF2-40B4-BE49-F238E27FC236}">
+                <a16:creationId xmlns:a16="http://schemas.microsoft.com/office/drawing/2014/main" id="{E8EA4267-3FF3-D19D-8FAE-2D6A0CE27ADF}"/>
+              </a:ext>
+            </a:extLst>
+          </p:cNvPr>
+          <p:cNvSpPr>
+            <a:spLocks noGrp="1"/>
+          </p:cNvSpPr>
+          <p:nvPr>
+            <p:ph idx="1"/>
+          </p:nvPr>
+        </p:nvSpPr>
+        <p:spPr/>
+        <p:txBody>
+          <a:bodyPr/>
+          <a:lstStyle/>
+          <a:p>
+            <a:r>
+              <a:rPr lang="en-US" dirty="0"/>
+              <a:t>L</a:t>
+            </a:r>
+            <a:r>
+              <a:rPr lang="en-CN" dirty="0"/>
+              <a:t>ucene架构</a:t>
+            </a:r>
+          </a:p>
+          <a:p>
+            <a:r>
+              <a:rPr lang="en-CN" dirty="0"/>
+              <a:t>Elasticsearch架构</a:t>
+            </a:r>
+          </a:p>
+          <a:p>
+            <a:r>
+              <a:rPr lang="en-CN" dirty="0"/>
+              <a:t>Lucene和Elasticsearch的关系</a:t>
+            </a:r>
+          </a:p>
+        </p:txBody>
+      </p:sp>
+    </p:spTree>
+    <p:extLst>
+      <p:ext uri="{BB962C8B-B14F-4D97-AF65-F5344CB8AC3E}">
+        <p14:creationId xmlns:p14="http://schemas.microsoft.com/office/powerpoint/2010/main" val="3961508964"/>
+      </p:ext>
+    </p:extLst>
+  </p:cSld>
+  <p:clrMapOvr>
+    <a:masterClrMapping/>
+  </p:clrMapOvr>
+</p:sld>
+</file>
+
+<file path=ppt/slides/slide4.xml><?xml version="1.0" encoding="utf-8"?>
+<p:sld xmlns:a="http://schemas.openxmlformats.org/drawingml/2006/main" xmlns:r="http://schemas.openxmlformats.org/officeDocument/2006/relationships" xmlns:p="http://schemas.openxmlformats.org/presentationml/2006/main">
+  <p:cSld>
+    <p:spTree>
+      <p:nvGrpSpPr>
+        <p:cNvPr id="1" name=""/>
+        <p:cNvGrpSpPr/>
+        <p:nvPr/>
+      </p:nvGrpSpPr>
+      <p:grpSpPr>
+        <a:xfrm>
+          <a:off x="0" y="0"/>
+          <a:ext cx="0" cy="0"/>
+          <a:chOff x="0" y="0"/>
+          <a:chExt cx="0" cy="0"/>
+        </a:xfrm>
+      </p:grpSpPr>
+      <p:sp>
+        <p:nvSpPr>
+          <p:cNvPr id="2" name="Title 1">
+            <a:extLst>
+              <a:ext uri="{FF2B5EF4-FFF2-40B4-BE49-F238E27FC236}">
+                <a16:creationId xmlns:a16="http://schemas.microsoft.com/office/drawing/2014/main" id="{4029C5E1-6E62-95B3-AFDC-903271B52473}"/>
+              </a:ext>
+            </a:extLst>
+          </p:cNvPr>
+          <p:cNvSpPr>
+            <a:spLocks noGrp="1"/>
+          </p:cNvSpPr>
+          <p:nvPr>
+            <p:ph type="title"/>
+          </p:nvPr>
+        </p:nvSpPr>
+        <p:spPr/>
+        <p:txBody>
+          <a:bodyPr/>
+          <a:lstStyle/>
+          <a:p>
+            <a:r>
+              <a:rPr lang="en-CN" dirty="0"/>
+              <a:t>背景知识</a:t>
+            </a:r>
+          </a:p>
+        </p:txBody>
+      </p:sp>
+      <p:sp>
+        <p:nvSpPr>
+          <p:cNvPr id="3" name="Content Placeholder 2">
+            <a:extLst>
+              <a:ext uri="{FF2B5EF4-FFF2-40B4-BE49-F238E27FC236}">
+                <a16:creationId xmlns:a16="http://schemas.microsoft.com/office/drawing/2014/main" id="{3809E06B-30EF-0D48-DD4B-431F15485433}"/>
+              </a:ext>
+            </a:extLst>
+          </p:cNvPr>
+          <p:cNvSpPr>
+            <a:spLocks noGrp="1"/>
+          </p:cNvSpPr>
+          <p:nvPr>
+            <p:ph idx="1"/>
+          </p:nvPr>
+        </p:nvSpPr>
+        <p:spPr/>
+        <p:txBody>
+          <a:bodyPr/>
+          <a:lstStyle/>
+          <a:p>
+            <a:r>
+              <a:rPr lang="en-CN" dirty="0"/>
+              <a:t>日志结构存储与面向页存储</a:t>
+            </a:r>
+          </a:p>
+          <a:p>
+            <a:r>
+              <a:rPr lang="en-CN" dirty="0"/>
+              <a:t>索引</a:t>
+            </a:r>
+            <a:r>
+              <a:rPr lang="zh-CN" altLang="en-US" dirty="0"/>
+              <a:t>，</a:t>
+            </a:r>
+            <a:r>
+              <a:rPr lang="en-US" dirty="0" err="1"/>
+              <a:t>段</a:t>
+            </a:r>
+            <a:r>
+              <a:rPr lang="zh-CN" altLang="en-US" dirty="0"/>
+              <a:t>，</a:t>
+            </a:r>
+            <a:r>
+              <a:rPr lang="en-US" dirty="0" err="1"/>
+              <a:t>文档</a:t>
+            </a:r>
+            <a:r>
+              <a:rPr lang="zh-CN" altLang="en-US" dirty="0"/>
+              <a:t>，</a:t>
+            </a:r>
+            <a:r>
+              <a:rPr lang="en-US" dirty="0" err="1"/>
+              <a:t>域</a:t>
+            </a:r>
+            <a:r>
+              <a:rPr lang="zh-CN" altLang="en-US" dirty="0"/>
+              <a:t>，</a:t>
+            </a:r>
+            <a:r>
+              <a:rPr lang="en-US" dirty="0" err="1"/>
+              <a:t>词项</a:t>
+            </a:r>
+            <a:endParaRPr lang="en-US" altLang="zh-CN" dirty="0"/>
+          </a:p>
+          <a:p>
+            <a:r>
+              <a:rPr lang="en-US" altLang="zh-CN" dirty="0"/>
+              <a:t>postings</a:t>
+            </a:r>
+            <a:r>
+              <a:rPr lang="zh-CN" altLang="en-US" dirty="0"/>
+              <a:t>，</a:t>
+            </a:r>
+            <a:r>
+              <a:rPr lang="en-US" altLang="zh-CN" dirty="0" err="1"/>
+              <a:t>termVector</a:t>
+            </a:r>
+            <a:r>
+              <a:rPr lang="zh-CN" altLang="en-US" dirty="0"/>
+              <a:t>，</a:t>
+            </a:r>
+            <a:r>
+              <a:rPr lang="en-US" altLang="zh-CN" dirty="0" err="1"/>
+              <a:t>storedField</a:t>
+            </a:r>
+            <a:r>
+              <a:rPr lang="zh-CN" altLang="en-US" dirty="0"/>
+              <a:t>，</a:t>
+            </a:r>
+            <a:r>
+              <a:rPr lang="en-US" altLang="zh-CN" dirty="0"/>
+              <a:t>norm</a:t>
+            </a:r>
+            <a:r>
+              <a:rPr lang="zh-CN" altLang="en-US" dirty="0"/>
+              <a:t>，</a:t>
+            </a:r>
+            <a:r>
+              <a:rPr lang="en-US" altLang="zh-CN" dirty="0" err="1"/>
+              <a:t>docValue</a:t>
+            </a:r>
+            <a:r>
+              <a:rPr lang="zh-CN" altLang="en-US" dirty="0"/>
+              <a:t>，</a:t>
+            </a:r>
+            <a:r>
+              <a:rPr lang="en-US" altLang="zh-CN" dirty="0"/>
+              <a:t>point</a:t>
+            </a:r>
+          </a:p>
+          <a:p>
+            <a:r>
+              <a:rPr lang="en-US" altLang="zh-CN" dirty="0"/>
+              <a:t>Roaring</a:t>
+            </a:r>
+            <a:r>
+              <a:rPr lang="zh-CN" altLang="en-US" dirty="0"/>
+              <a:t> </a:t>
+            </a:r>
+            <a:r>
+              <a:rPr lang="en-US" altLang="zh-CN" dirty="0"/>
+              <a:t>Bitmap</a:t>
+            </a:r>
+            <a:r>
+              <a:rPr lang="zh-CN" altLang="en-US" dirty="0"/>
+              <a:t>，</a:t>
+            </a:r>
+            <a:r>
+              <a:rPr lang="en-CN" dirty="0"/>
+              <a:t>差值存储</a:t>
+            </a:r>
+            <a:r>
+              <a:rPr lang="zh-CN" altLang="en-US" dirty="0"/>
+              <a:t>，</a:t>
+            </a:r>
+            <a:r>
+              <a:rPr lang="en-CN" dirty="0"/>
+              <a:t>跳表</a:t>
+            </a:r>
+            <a:r>
+              <a:rPr lang="zh-CN" altLang="en-US" dirty="0"/>
+              <a:t>，</a:t>
+            </a:r>
+            <a:r>
+              <a:rPr lang="en-US" altLang="zh-CN" dirty="0"/>
+              <a:t>FST</a:t>
+            </a:r>
+            <a:r>
+              <a:rPr lang="zh-CN" altLang="en-US" dirty="0"/>
+              <a:t>，</a:t>
+            </a:r>
+            <a:r>
+              <a:rPr lang="en-US" altLang="zh-CN" dirty="0" err="1"/>
+              <a:t>ByteRefHash</a:t>
+            </a:r>
+            <a:r>
+              <a:rPr lang="en-US" altLang="zh-CN" dirty="0"/>
+              <a:t>,</a:t>
+            </a:r>
+            <a:r>
+              <a:rPr lang="zh-CN" altLang="en-US" dirty="0"/>
+              <a:t> </a:t>
+            </a:r>
+            <a:r>
+              <a:rPr lang="en-US" altLang="zh-CN" dirty="0" err="1"/>
+              <a:t>ByteBlockPool</a:t>
+            </a:r>
+            <a:r>
+              <a:rPr lang="zh-CN" altLang="en-US" dirty="0"/>
+              <a:t>，</a:t>
+            </a:r>
+            <a:r>
+              <a:rPr lang="en-US" altLang="zh-CN" dirty="0"/>
+              <a:t>Directory,</a:t>
+            </a:r>
+            <a:r>
+              <a:rPr lang="zh-CN" altLang="en-US" dirty="0"/>
+              <a:t> </a:t>
+            </a:r>
+            <a:r>
+              <a:rPr lang="en-US" altLang="zh-CN" dirty="0" err="1"/>
+              <a:t>RamUsageEstimator</a:t>
+            </a:r>
+            <a:r>
+              <a:rPr lang="en-US" altLang="zh-CN" dirty="0"/>
+              <a:t>, </a:t>
+            </a:r>
+            <a:r>
+              <a:rPr lang="en-US" altLang="zh-CN" dirty="0" err="1"/>
+              <a:t>IndexedDISI</a:t>
+            </a:r>
+            <a:endParaRPr lang="en-US" altLang="zh-CN" dirty="0"/>
+          </a:p>
+          <a:p>
+            <a:r>
+              <a:rPr lang="en-CN" dirty="0"/>
+              <a:t>缓冲区高速缓存</a:t>
+            </a:r>
+            <a:r>
+              <a:rPr lang="en-US" altLang="zh-CN" dirty="0"/>
+              <a:t>/</a:t>
+            </a:r>
+            <a:r>
+              <a:rPr lang="en-CN" dirty="0"/>
+              <a:t>内核缓冲</a:t>
+            </a:r>
+            <a:r>
+              <a:rPr lang="en-US" altLang="zh-CN" dirty="0"/>
+              <a:t>/Page</a:t>
+            </a:r>
+            <a:r>
+              <a:rPr lang="zh-CN" altLang="en-US" dirty="0"/>
+              <a:t> </a:t>
+            </a:r>
+            <a:r>
+              <a:rPr lang="en-US" altLang="zh-CN" dirty="0"/>
+              <a:t>Cache</a:t>
+            </a:r>
+          </a:p>
+          <a:p>
+            <a:endParaRPr lang="en-US" altLang="zh-CN" dirty="0"/>
+          </a:p>
+          <a:p>
+            <a:endParaRPr lang="en-US" altLang="zh-CN" dirty="0"/>
+          </a:p>
+          <a:p>
+            <a:endParaRPr lang="en-CN" dirty="0"/>
+          </a:p>
+        </p:txBody>
+      </p:sp>
+    </p:spTree>
+    <p:extLst>
+      <p:ext uri="{BB962C8B-B14F-4D97-AF65-F5344CB8AC3E}">
+        <p14:creationId xmlns:p14="http://schemas.microsoft.com/office/powerpoint/2010/main" val="4272423723"/>
+      </p:ext>
+    </p:extLst>
+  </p:cSld>
+  <p:clrMapOvr>
+    <a:masterClrMapping/>
+  </p:clrMapOvr>
+</p:sld>
+</file>
+
+<file path=ppt/slides/slide5.xml><?xml version="1.0" encoding="utf-8"?>
+<p:sld xmlns:a="http://schemas.openxmlformats.org/drawingml/2006/main" xmlns:r="http://schemas.openxmlformats.org/officeDocument/2006/relationships" xmlns:p="http://schemas.openxmlformats.org/presentationml/2006/main">
+  <p:cSld>
+    <p:spTree>
+      <p:nvGrpSpPr>
+        <p:cNvPr id="1" name=""/>
+        <p:cNvGrpSpPr/>
+        <p:nvPr/>
+      </p:nvGrpSpPr>
+      <p:grpSpPr>
+        <a:xfrm>
+          <a:off x="0" y="0"/>
+          <a:ext cx="0" cy="0"/>
+          <a:chOff x="0" y="0"/>
+          <a:chExt cx="0" cy="0"/>
+        </a:xfrm>
+      </p:grpSpPr>
+      <p:sp>
+        <p:nvSpPr>
+          <p:cNvPr id="2" name="Title 1">
+            <a:extLst>
+              <a:ext uri="{FF2B5EF4-FFF2-40B4-BE49-F238E27FC236}">
+                <a16:creationId xmlns:a16="http://schemas.microsoft.com/office/drawing/2014/main" id="{7AAE0CA5-A092-2D71-F551-9E2C13A30028}"/>
+              </a:ext>
+            </a:extLst>
+          </p:cNvPr>
+          <p:cNvSpPr>
+            <a:spLocks noGrp="1"/>
+          </p:cNvSpPr>
+          <p:nvPr>
+            <p:ph type="title"/>
+          </p:nvPr>
+        </p:nvSpPr>
+        <p:spPr/>
+        <p:txBody>
+          <a:bodyPr/>
+          <a:lstStyle/>
+          <a:p>
+            <a:r>
+              <a:rPr lang="en-CN" dirty="0"/>
+              <a:t>索引流程Overall</a:t>
+            </a:r>
+          </a:p>
+        </p:txBody>
+      </p:sp>
+      <p:sp>
+        <p:nvSpPr>
+          <p:cNvPr id="3" name="Content Placeholder 2">
+            <a:extLst>
+              <a:ext uri="{FF2B5EF4-FFF2-40B4-BE49-F238E27FC236}">
+                <a16:creationId xmlns:a16="http://schemas.microsoft.com/office/drawing/2014/main" id="{6D554D43-AAAF-E8DB-1FDB-9D9F2C8D388C}"/>
+              </a:ext>
+            </a:extLst>
+          </p:cNvPr>
+          <p:cNvSpPr>
+            <a:spLocks noGrp="1"/>
+          </p:cNvSpPr>
+          <p:nvPr>
+            <p:ph idx="1"/>
+          </p:nvPr>
+        </p:nvSpPr>
+        <p:spPr/>
+        <p:txBody>
+          <a:bodyPr/>
+          <a:lstStyle/>
+          <a:p>
+            <a:r>
+              <a:rPr lang="en-CN" dirty="0"/>
+              <a:t>整体索引流程</a:t>
+            </a:r>
+          </a:p>
+          <a:p>
+            <a:r>
+              <a:rPr lang="en-CN" dirty="0"/>
+              <a:t>主要类</a:t>
+            </a:r>
+            <a:r>
+              <a:rPr lang="zh-CN" altLang="en-US" dirty="0"/>
+              <a:t>，</a:t>
+            </a:r>
+            <a:r>
+              <a:rPr lang="en-CN" dirty="0"/>
+              <a:t>类图</a:t>
+            </a:r>
+            <a:r>
+              <a:rPr lang="zh-CN" altLang="en-US" dirty="0"/>
+              <a:t>，</a:t>
+            </a:r>
+            <a:r>
+              <a:rPr lang="en-CN" dirty="0"/>
+              <a:t>时序图</a:t>
+            </a:r>
+          </a:p>
+        </p:txBody>
+      </p:sp>
+    </p:spTree>
+    <p:extLst>
+      <p:ext uri="{BB962C8B-B14F-4D97-AF65-F5344CB8AC3E}">
+        <p14:creationId xmlns:p14="http://schemas.microsoft.com/office/powerpoint/2010/main" val="2946477913"/>
+      </p:ext>
+    </p:extLst>
+  </p:cSld>
+  <p:clrMapOvr>
+    <a:masterClrMapping/>
+  </p:clrMapOvr>
+</p:sld>
+</file>
+
+<file path=ppt/slides/slide6.xml><?xml version="1.0" encoding="utf-8"?>
+<p:sld xmlns:a="http://schemas.openxmlformats.org/drawingml/2006/main" xmlns:r="http://schemas.openxmlformats.org/officeDocument/2006/relationships" xmlns:p="http://schemas.openxmlformats.org/presentationml/2006/main">
+  <p:cSld>
+    <p:spTree>
+      <p:nvGrpSpPr>
+        <p:cNvPr id="1" name=""/>
+        <p:cNvGrpSpPr/>
+        <p:nvPr/>
+      </p:nvGrpSpPr>
+      <p:grpSpPr>
+        <a:xfrm>
+          <a:off x="0" y="0"/>
+          <a:ext cx="0" cy="0"/>
+          <a:chOff x="0" y="0"/>
+          <a:chExt cx="0" cy="0"/>
+        </a:xfrm>
+      </p:grpSpPr>
+      <p:sp>
+        <p:nvSpPr>
+          <p:cNvPr id="2" name="Title 1">
+            <a:extLst>
+              <a:ext uri="{FF2B5EF4-FFF2-40B4-BE49-F238E27FC236}">
+                <a16:creationId xmlns:a16="http://schemas.microsoft.com/office/drawing/2014/main" id="{0A5B9273-BCDE-C13B-17D3-FDF93EC1031D}"/>
+              </a:ext>
+            </a:extLst>
+          </p:cNvPr>
+          <p:cNvSpPr>
+            <a:spLocks noGrp="1"/>
+          </p:cNvSpPr>
+          <p:nvPr>
+            <p:ph type="title"/>
+          </p:nvPr>
+        </p:nvSpPr>
+        <p:spPr/>
+        <p:txBody>
+          <a:bodyPr/>
+          <a:lstStyle/>
+          <a:p>
+            <a:r>
+              <a:rPr lang="en-CN" dirty="0"/>
+              <a:t>文档的增删改</a:t>
+            </a:r>
+          </a:p>
+        </p:txBody>
+      </p:sp>
+      <p:sp>
+        <p:nvSpPr>
+          <p:cNvPr id="3" name="Content Placeholder 2">
+            <a:extLst>
+              <a:ext uri="{FF2B5EF4-FFF2-40B4-BE49-F238E27FC236}">
+                <a16:creationId xmlns:a16="http://schemas.microsoft.com/office/drawing/2014/main" id="{1BE4D641-4B3A-A443-0655-63E811FC1F35}"/>
+              </a:ext>
+            </a:extLst>
+          </p:cNvPr>
+          <p:cNvSpPr>
+            <a:spLocks noGrp="1"/>
+          </p:cNvSpPr>
+          <p:nvPr>
+            <p:ph idx="1"/>
+          </p:nvPr>
+        </p:nvSpPr>
+        <p:spPr/>
+        <p:txBody>
+          <a:bodyPr/>
+          <a:lstStyle/>
+          <a:p>
+            <a:r>
+              <a:rPr lang="en-CN" dirty="0"/>
+              <a:t>接口</a:t>
+            </a:r>
+          </a:p>
+          <a:p>
+            <a:r>
+              <a:rPr lang="en-CN" dirty="0"/>
+              <a:t>增加</a:t>
+            </a:r>
+          </a:p>
+          <a:p>
+            <a:r>
+              <a:rPr lang="en-CN" dirty="0"/>
+              <a:t>删除</a:t>
+            </a:r>
+          </a:p>
+          <a:p>
+            <a:r>
+              <a:rPr lang="en-CN" dirty="0"/>
+              <a:t>更新</a:t>
+            </a:r>
+          </a:p>
+          <a:p>
+            <a:r>
+              <a:rPr lang="en-CN" dirty="0"/>
+              <a:t>对并发的处理</a:t>
+            </a:r>
+          </a:p>
+        </p:txBody>
+      </p:sp>
+    </p:spTree>
+    <p:extLst>
+      <p:ext uri="{BB962C8B-B14F-4D97-AF65-F5344CB8AC3E}">
+        <p14:creationId xmlns:p14="http://schemas.microsoft.com/office/powerpoint/2010/main" val="675062387"/>
+      </p:ext>
+    </p:extLst>
+  </p:cSld>
+  <p:clrMapOvr>
+    <a:masterClrMapping/>
+  </p:clrMapOvr>
+</p:sld>
+</file>
+
+<file path=ppt/slides/slide7.xml><?xml version="1.0" encoding="utf-8"?>
+<p:sld xmlns:a="http://schemas.openxmlformats.org/drawingml/2006/main" xmlns:r="http://schemas.openxmlformats.org/officeDocument/2006/relationships" xmlns:p="http://schemas.openxmlformats.org/presentationml/2006/main">
+  <p:cSld>
+    <p:spTree>
+      <p:nvGrpSpPr>
+        <p:cNvPr id="1" name=""/>
+        <p:cNvGrpSpPr/>
+        <p:nvPr/>
+      </p:nvGrpSpPr>
+      <p:grpSpPr>
+        <a:xfrm>
+          <a:off x="0" y="0"/>
+          <a:ext cx="0" cy="0"/>
+          <a:chOff x="0" y="0"/>
+          <a:chExt cx="0" cy="0"/>
+        </a:xfrm>
+      </p:grpSpPr>
+      <p:sp>
+        <p:nvSpPr>
+          <p:cNvPr id="2" name="Title 1">
+            <a:extLst>
+              <a:ext uri="{FF2B5EF4-FFF2-40B4-BE49-F238E27FC236}">
+                <a16:creationId xmlns:a16="http://schemas.microsoft.com/office/drawing/2014/main" id="{FF687820-FF18-3053-15FE-55BCEA685EF3}"/>
+              </a:ext>
+            </a:extLst>
+          </p:cNvPr>
+          <p:cNvSpPr>
+            <a:spLocks noGrp="1"/>
+          </p:cNvSpPr>
+          <p:nvPr>
+            <p:ph type="title"/>
+          </p:nvPr>
+        </p:nvSpPr>
+        <p:spPr/>
+        <p:txBody>
+          <a:bodyPr/>
+          <a:lstStyle/>
+          <a:p>
+            <a:r>
+              <a:rPr lang="en-CN" dirty="0"/>
+              <a:t>Flush</a:t>
+            </a:r>
+          </a:p>
+        </p:txBody>
+      </p:sp>
+      <p:sp>
+        <p:nvSpPr>
+          <p:cNvPr id="3" name="Content Placeholder 2">
+            <a:extLst>
+              <a:ext uri="{FF2B5EF4-FFF2-40B4-BE49-F238E27FC236}">
+                <a16:creationId xmlns:a16="http://schemas.microsoft.com/office/drawing/2014/main" id="{2E946DE1-F804-E053-564C-B27D349BD112}"/>
+              </a:ext>
+            </a:extLst>
+          </p:cNvPr>
+          <p:cNvSpPr>
+            <a:spLocks noGrp="1"/>
+          </p:cNvSpPr>
+          <p:nvPr>
+            <p:ph idx="1"/>
+          </p:nvPr>
+        </p:nvSpPr>
+        <p:spPr/>
+        <p:txBody>
+          <a:bodyPr/>
+          <a:lstStyle/>
+          <a:p>
+            <a:r>
+              <a:rPr lang="en-CN" dirty="0"/>
+              <a:t>目的</a:t>
+            </a:r>
+          </a:p>
+          <a:p>
+            <a:r>
+              <a:rPr lang="en-CN" dirty="0"/>
+              <a:t>自动flush</a:t>
+            </a:r>
+          </a:p>
+          <a:p>
+            <a:r>
+              <a:rPr lang="en-CN" dirty="0"/>
+              <a:t>主动flush</a:t>
+            </a:r>
+          </a:p>
+        </p:txBody>
+      </p:sp>
+    </p:spTree>
+    <p:extLst>
+      <p:ext uri="{BB962C8B-B14F-4D97-AF65-F5344CB8AC3E}">
+        <p14:creationId xmlns:p14="http://schemas.microsoft.com/office/powerpoint/2010/main" val="2905025543"/>
+      </p:ext>
+    </p:extLst>
+  </p:cSld>
+  <p:clrMapOvr>
+    <a:masterClrMapping/>
+  </p:clrMapOvr>
+</p:sld>
+</file>
+
+<file path=ppt/slides/slide8.xml><?xml version="1.0" encoding="utf-8"?>
+<p:sld xmlns:a="http://schemas.openxmlformats.org/drawingml/2006/main" xmlns:r="http://schemas.openxmlformats.org/officeDocument/2006/relationships" xmlns:p="http://schemas.openxmlformats.org/presentationml/2006/main">
+  <p:cSld>
+    <p:spTree>
+      <p:nvGrpSpPr>
+        <p:cNvPr id="1" name=""/>
+        <p:cNvGrpSpPr/>
+        <p:nvPr/>
+      </p:nvGrpSpPr>
+      <p:grpSpPr>
+        <a:xfrm>
+          <a:off x="0" y="0"/>
+          <a:ext cx="0" cy="0"/>
+          <a:chOff x="0" y="0"/>
+          <a:chExt cx="0" cy="0"/>
+        </a:xfrm>
+      </p:grpSpPr>
+      <p:sp>
+        <p:nvSpPr>
+          <p:cNvPr id="2" name="Title 1">
+            <a:extLst>
+              <a:ext uri="{FF2B5EF4-FFF2-40B4-BE49-F238E27FC236}">
+                <a16:creationId xmlns:a16="http://schemas.microsoft.com/office/drawing/2014/main" id="{E030BB32-A08F-3526-113E-854A0C2F711C}"/>
+              </a:ext>
+            </a:extLst>
+          </p:cNvPr>
+          <p:cNvSpPr>
+            <a:spLocks noGrp="1"/>
+          </p:cNvSpPr>
+          <p:nvPr>
+            <p:ph type="title"/>
+          </p:nvPr>
+        </p:nvSpPr>
+        <p:spPr/>
+        <p:txBody>
+          <a:bodyPr/>
+          <a:lstStyle/>
+          <a:p>
+            <a:r>
+              <a:rPr lang="en-CN" dirty="0"/>
+              <a:t>Commit</a:t>
+            </a:r>
+          </a:p>
+        </p:txBody>
+      </p:sp>
+      <p:sp>
+        <p:nvSpPr>
+          <p:cNvPr id="3" name="Content Placeholder 2">
+            <a:extLst>
+              <a:ext uri="{FF2B5EF4-FFF2-40B4-BE49-F238E27FC236}">
+                <a16:creationId xmlns:a16="http://schemas.microsoft.com/office/drawing/2014/main" id="{86924E64-F0C6-FA0B-AA6E-78C22E25F687}"/>
+              </a:ext>
+            </a:extLst>
+          </p:cNvPr>
+          <p:cNvSpPr>
+            <a:spLocks noGrp="1"/>
+          </p:cNvSpPr>
+          <p:nvPr>
+            <p:ph idx="1"/>
+          </p:nvPr>
+        </p:nvSpPr>
+        <p:spPr/>
+        <p:txBody>
+          <a:bodyPr/>
+          <a:lstStyle/>
+          <a:p>
+            <a:r>
+              <a:rPr lang="en-CN" dirty="0"/>
+              <a:t>目的</a:t>
+            </a:r>
+          </a:p>
+        </p:txBody>
+      </p:sp>
+    </p:spTree>
+    <p:extLst>
+      <p:ext uri="{BB962C8B-B14F-4D97-AF65-F5344CB8AC3E}">
+        <p14:creationId xmlns:p14="http://schemas.microsoft.com/office/powerpoint/2010/main" val="894406781"/>
+      </p:ext>
+    </p:extLst>
+  </p:cSld>
+  <p:clrMapOvr>
+    <a:masterClrMapping/>
+  </p:clrMapOvr>
+</p:sld>
+</file>
+
+<file path=ppt/slides/slide9.xml><?xml version="1.0" encoding="utf-8"?>
+<p:sld xmlns:a="http://schemas.openxmlformats.org/drawingml/2006/main" xmlns:r="http://schemas.openxmlformats.org/officeDocument/2006/relationships" xmlns:p="http://schemas.openxmlformats.org/presentationml/2006/main">
+  <p:cSld>
+    <p:spTree>
+      <p:nvGrpSpPr>
+        <p:cNvPr id="1" name=""/>
+        <p:cNvGrpSpPr/>
+        <p:nvPr/>
+      </p:nvGrpSpPr>
+      <p:grpSpPr>
+        <a:xfrm>
+          <a:off x="0" y="0"/>
+          <a:ext cx="0" cy="0"/>
+          <a:chOff x="0" y="0"/>
+          <a:chExt cx="0" cy="0"/>
+        </a:xfrm>
+      </p:grpSpPr>
+      <p:sp>
+        <p:nvSpPr>
+          <p:cNvPr id="2" name="Title 1">
+            <a:extLst>
+              <a:ext uri="{FF2B5EF4-FFF2-40B4-BE49-F238E27FC236}">
+                <a16:creationId xmlns:a16="http://schemas.microsoft.com/office/drawing/2014/main" id="{A272B085-3DD3-0715-DDB0-3C49066C2915}"/>
+              </a:ext>
+            </a:extLst>
+          </p:cNvPr>
+          <p:cNvSpPr>
+            <a:spLocks noGrp="1"/>
+          </p:cNvSpPr>
+          <p:nvPr>
+            <p:ph type="title"/>
+          </p:nvPr>
+        </p:nvSpPr>
+        <p:spPr/>
+        <p:txBody>
+          <a:bodyPr/>
+          <a:lstStyle/>
+          <a:p>
+            <a:r>
+              <a:rPr lang="en-CN" dirty="0"/>
+              <a:t>Merge</a:t>
+            </a:r>
+          </a:p>
+        </p:txBody>
+      </p:sp>
+      <p:sp>
+        <p:nvSpPr>
+          <p:cNvPr id="3" name="Content Placeholder 2">
+            <a:extLst>
+              <a:ext uri="{FF2B5EF4-FFF2-40B4-BE49-F238E27FC236}">
+                <a16:creationId xmlns:a16="http://schemas.microsoft.com/office/drawing/2014/main" id="{4C8B0EEE-73C5-A948-9129-C46D33AAC3B7}"/>
+              </a:ext>
+            </a:extLst>
+          </p:cNvPr>
+          <p:cNvSpPr>
+            <a:spLocks noGrp="1"/>
+          </p:cNvSpPr>
+          <p:nvPr>
+            <p:ph idx="1"/>
+          </p:nvPr>
+        </p:nvSpPr>
+        <p:spPr/>
+        <p:txBody>
+          <a:bodyPr/>
+          <a:lstStyle/>
+          <a:p>
+            <a:r>
+              <a:rPr lang="en-CN" dirty="0"/>
+              <a:t>目的</a:t>
+            </a:r>
+          </a:p>
+          <a:p>
+            <a:r>
+              <a:rPr lang="en-CN" dirty="0"/>
+              <a:t>Merge</a:t>
+            </a:r>
+            <a:r>
+              <a:rPr lang="en-US" altLang="zh-CN" dirty="0"/>
+              <a:t>Policy</a:t>
+            </a:r>
+          </a:p>
+          <a:p>
+            <a:r>
+              <a:rPr lang="en-CN" dirty="0"/>
+              <a:t>并发处理</a:t>
+            </a:r>
+          </a:p>
+        </p:txBody>
+      </p:sp>
+    </p:spTree>
+    <p:extLst>
+      <p:ext uri="{BB962C8B-B14F-4D97-AF65-F5344CB8AC3E}">
+        <p14:creationId xmlns:p14="http://schemas.microsoft.com/office/powerpoint/2010/main" val="2928418882"/>
       </p:ext>
     </p:extLst>
   </p:cSld>
@@ -4065,18 +5149,18 @@
         <a:srgbClr val="957A99"/>
       </a:folHlink>
     </a:clrScheme>
-    <a:fontScheme name="Crop">
+    <a:fontScheme name="Calibri">
       <a:majorFont>
-        <a:latin typeface="Franklin Gothic Book" panose="020B0503020102020204"/>
+        <a:latin typeface="Calibri" panose="020F0502020204030204"/>
         <a:ea typeface=""/>
         <a:cs typeface=""/>
         <a:font script="Jpan" typeface="メイリオ"/>
-        <a:font script="Hang" typeface="돋움"/>
-        <a:font script="Hans" typeface="华文楷体"/>
-        <a:font script="Hant" typeface="微軟正黑體"/>
-        <a:font script="Arab" typeface="Tahoma"/>
-        <a:font script="Hebr" typeface="Aharoni"/>
-        <a:font script="Thai" typeface="LilyUPC"/>
+        <a:font script="Hang" typeface="맑은 고딕"/>
+        <a:font script="Hans" typeface="宋体"/>
+        <a:font script="Hant" typeface="新細明體"/>
+        <a:font script="Arab" typeface="Arial"/>
+        <a:font script="Hebr" typeface="Arial"/>
+        <a:font script="Thai" typeface="Cordia New"/>
         <a:font script="Ethi" typeface="Nyala"/>
         <a:font script="Beng" typeface="Vrinda"/>
         <a:font script="Gujr" typeface="Shruti"/>
@@ -4102,16 +5186,16 @@
         <a:font script="Geor" typeface="Sylfaen"/>
       </a:majorFont>
       <a:minorFont>
-        <a:latin typeface="Franklin Gothic Book" panose="020B0503020102020204"/>
+        <a:latin typeface="Calibri" panose="020F0502020204030204"/>
         <a:ea typeface=""/>
         <a:cs typeface=""/>
         <a:font script="Jpan" typeface="メイリオ"/>
-        <a:font script="Hang" typeface="돋움"/>
-        <a:font script="Hans" typeface="华文楷体"/>
-        <a:font script="Hant" typeface="微軟正黑體"/>
-        <a:font script="Arab" typeface="Tahoma"/>
-        <a:font script="Hebr" typeface="Aharoni"/>
-        <a:font script="Thai" typeface="LilyUPC"/>
+        <a:font script="Hang" typeface="맑은 고딕"/>
+        <a:font script="Hans" typeface="宋体"/>
+        <a:font script="Hant" typeface="新細明體"/>
+        <a:font script="Arab" typeface="Arial"/>
+        <a:font script="Hebr" typeface="Arial"/>
+        <a:font script="Thai" typeface="Cordia New"/>
         <a:font script="Ethi" typeface="Nyala"/>
         <a:font script="Beng" typeface="Vrinda"/>
         <a:font script="Gujr" typeface="Shruti"/>

--- a/uml/Lucene索引过程分享.pptx
+++ b/uml/Lucene索引过程分享.pptx
@@ -4,18 +4,26 @@
   <p:sldMasterIdLst>
     <p:sldMasterId id="2147483648" r:id="rId1"/>
   </p:sldMasterIdLst>
+  <p:notesMasterIdLst>
+    <p:notesMasterId r:id="rId18"/>
+  </p:notesMasterIdLst>
   <p:sldIdLst>
     <p:sldId id="256" r:id="rId2"/>
     <p:sldId id="257" r:id="rId3"/>
     <p:sldId id="258" r:id="rId4"/>
     <p:sldId id="259" r:id="rId5"/>
-    <p:sldId id="260" r:id="rId6"/>
-    <p:sldId id="261" r:id="rId7"/>
-    <p:sldId id="262" r:id="rId8"/>
-    <p:sldId id="263" r:id="rId9"/>
-    <p:sldId id="264" r:id="rId10"/>
-    <p:sldId id="265" r:id="rId11"/>
-    <p:sldId id="266" r:id="rId12"/>
+    <p:sldId id="267" r:id="rId6"/>
+    <p:sldId id="268" r:id="rId7"/>
+    <p:sldId id="269" r:id="rId8"/>
+    <p:sldId id="270" r:id="rId9"/>
+    <p:sldId id="271" r:id="rId10"/>
+    <p:sldId id="260" r:id="rId11"/>
+    <p:sldId id="261" r:id="rId12"/>
+    <p:sldId id="262" r:id="rId13"/>
+    <p:sldId id="263" r:id="rId14"/>
+    <p:sldId id="264" r:id="rId15"/>
+    <p:sldId id="265" r:id="rId16"/>
+    <p:sldId id="266" r:id="rId17"/>
   </p:sldIdLst>
   <p:sldSz cx="12192000" cy="6858000"/>
   <p:notesSz cx="6858000" cy="9144000"/>
@@ -122,6 +130,970 @@
 </p:presentation>
 </file>
 
+<file path=ppt/notesMasters/notesMaster1.xml><?xml version="1.0" encoding="utf-8"?>
+<p:notesMaster xmlns:a="http://schemas.openxmlformats.org/drawingml/2006/main" xmlns:r="http://schemas.openxmlformats.org/officeDocument/2006/relationships" xmlns:p="http://schemas.openxmlformats.org/presentationml/2006/main">
+  <p:cSld>
+    <p:bg>
+      <p:bgRef idx="1001">
+        <a:schemeClr val="bg1"/>
+      </p:bgRef>
+    </p:bg>
+    <p:spTree>
+      <p:nvGrpSpPr>
+        <p:cNvPr id="1" name=""/>
+        <p:cNvGrpSpPr/>
+        <p:nvPr/>
+      </p:nvGrpSpPr>
+      <p:grpSpPr>
+        <a:xfrm>
+          <a:off x="0" y="0"/>
+          <a:ext cx="0" cy="0"/>
+          <a:chOff x="0" y="0"/>
+          <a:chExt cx="0" cy="0"/>
+        </a:xfrm>
+      </p:grpSpPr>
+      <p:sp>
+        <p:nvSpPr>
+          <p:cNvPr id="2" name="Header Placeholder 1"/>
+          <p:cNvSpPr>
+            <a:spLocks noGrp="1"/>
+          </p:cNvSpPr>
+          <p:nvPr>
+            <p:ph type="hdr" sz="quarter"/>
+          </p:nvPr>
+        </p:nvSpPr>
+        <p:spPr>
+          <a:xfrm>
+            <a:off x="0" y="0"/>
+            <a:ext cx="2971800" cy="458788"/>
+          </a:xfrm>
+          <a:prstGeom prst="rect">
+            <a:avLst/>
+          </a:prstGeom>
+        </p:spPr>
+        <p:txBody>
+          <a:bodyPr vert="horz" lIns="91440" tIns="45720" rIns="91440" bIns="45720" rtlCol="0"/>
+          <a:lstStyle>
+            <a:lvl1pPr algn="l">
+              <a:defRPr sz="1200"/>
+            </a:lvl1pPr>
+          </a:lstStyle>
+          <a:p>
+            <a:endParaRPr lang="en-CN"/>
+          </a:p>
+        </p:txBody>
+      </p:sp>
+      <p:sp>
+        <p:nvSpPr>
+          <p:cNvPr id="3" name="Date Placeholder 2"/>
+          <p:cNvSpPr>
+            <a:spLocks noGrp="1"/>
+          </p:cNvSpPr>
+          <p:nvPr>
+            <p:ph type="dt" idx="1"/>
+          </p:nvPr>
+        </p:nvSpPr>
+        <p:spPr>
+          <a:xfrm>
+            <a:off x="3884613" y="0"/>
+            <a:ext cx="2971800" cy="458788"/>
+          </a:xfrm>
+          <a:prstGeom prst="rect">
+            <a:avLst/>
+          </a:prstGeom>
+        </p:spPr>
+        <p:txBody>
+          <a:bodyPr vert="horz" lIns="91440" tIns="45720" rIns="91440" bIns="45720" rtlCol="0"/>
+          <a:lstStyle>
+            <a:lvl1pPr algn="r">
+              <a:defRPr sz="1200"/>
+            </a:lvl1pPr>
+          </a:lstStyle>
+          <a:p>
+            <a:fld id="{7CA0E14D-F519-3544-B5E7-79FD93BAEAAF}" type="datetimeFigureOut">
+              <a:rPr lang="en-CN" smtClean="0"/>
+              <a:t>2022/11/14</a:t>
+            </a:fld>
+            <a:endParaRPr lang="en-CN"/>
+          </a:p>
+        </p:txBody>
+      </p:sp>
+      <p:sp>
+        <p:nvSpPr>
+          <p:cNvPr id="4" name="Slide Image Placeholder 3"/>
+          <p:cNvSpPr>
+            <a:spLocks noGrp="1" noRot="1" noChangeAspect="1"/>
+          </p:cNvSpPr>
+          <p:nvPr>
+            <p:ph type="sldImg" idx="2"/>
+          </p:nvPr>
+        </p:nvSpPr>
+        <p:spPr>
+          <a:xfrm>
+            <a:off x="685800" y="1143000"/>
+            <a:ext cx="5486400" cy="3086100"/>
+          </a:xfrm>
+          <a:prstGeom prst="rect">
+            <a:avLst/>
+          </a:prstGeom>
+          <a:noFill/>
+          <a:ln w="12700">
+            <a:solidFill>
+              <a:prstClr val="black"/>
+            </a:solidFill>
+          </a:ln>
+        </p:spPr>
+        <p:txBody>
+          <a:bodyPr vert="horz" lIns="91440" tIns="45720" rIns="91440" bIns="45720" rtlCol="0" anchor="ctr"/>
+          <a:lstStyle/>
+          <a:p>
+            <a:endParaRPr lang="en-CN"/>
+          </a:p>
+        </p:txBody>
+      </p:sp>
+      <p:sp>
+        <p:nvSpPr>
+          <p:cNvPr id="5" name="Notes Placeholder 4"/>
+          <p:cNvSpPr>
+            <a:spLocks noGrp="1"/>
+          </p:cNvSpPr>
+          <p:nvPr>
+            <p:ph type="body" sz="quarter" idx="3"/>
+          </p:nvPr>
+        </p:nvSpPr>
+        <p:spPr>
+          <a:xfrm>
+            <a:off x="685800" y="4400550"/>
+            <a:ext cx="5486400" cy="3600450"/>
+          </a:xfrm>
+          <a:prstGeom prst="rect">
+            <a:avLst/>
+          </a:prstGeom>
+        </p:spPr>
+        <p:txBody>
+          <a:bodyPr vert="horz" lIns="91440" tIns="45720" rIns="91440" bIns="45720" rtlCol="0"/>
+          <a:lstStyle/>
+          <a:p>
+            <a:pPr lvl="0"/>
+            <a:r>
+              <a:rPr lang="en-US"/>
+              <a:t>Click to edit Master text styles</a:t>
+            </a:r>
+          </a:p>
+          <a:p>
+            <a:pPr lvl="1"/>
+            <a:r>
+              <a:rPr lang="en-US"/>
+              <a:t>Second level</a:t>
+            </a:r>
+          </a:p>
+          <a:p>
+            <a:pPr lvl="2"/>
+            <a:r>
+              <a:rPr lang="en-US"/>
+              <a:t>Third level</a:t>
+            </a:r>
+          </a:p>
+          <a:p>
+            <a:pPr lvl="3"/>
+            <a:r>
+              <a:rPr lang="en-US"/>
+              <a:t>Fourth level</a:t>
+            </a:r>
+          </a:p>
+          <a:p>
+            <a:pPr lvl="4"/>
+            <a:r>
+              <a:rPr lang="en-US"/>
+              <a:t>Fifth level</a:t>
+            </a:r>
+            <a:endParaRPr lang="en-CN"/>
+          </a:p>
+        </p:txBody>
+      </p:sp>
+      <p:sp>
+        <p:nvSpPr>
+          <p:cNvPr id="6" name="Footer Placeholder 5"/>
+          <p:cNvSpPr>
+            <a:spLocks noGrp="1"/>
+          </p:cNvSpPr>
+          <p:nvPr>
+            <p:ph type="ftr" sz="quarter" idx="4"/>
+          </p:nvPr>
+        </p:nvSpPr>
+        <p:spPr>
+          <a:xfrm>
+            <a:off x="0" y="8685213"/>
+            <a:ext cx="2971800" cy="458787"/>
+          </a:xfrm>
+          <a:prstGeom prst="rect">
+            <a:avLst/>
+          </a:prstGeom>
+        </p:spPr>
+        <p:txBody>
+          <a:bodyPr vert="horz" lIns="91440" tIns="45720" rIns="91440" bIns="45720" rtlCol="0" anchor="b"/>
+          <a:lstStyle>
+            <a:lvl1pPr algn="l">
+              <a:defRPr sz="1200"/>
+            </a:lvl1pPr>
+          </a:lstStyle>
+          <a:p>
+            <a:endParaRPr lang="en-CN"/>
+          </a:p>
+        </p:txBody>
+      </p:sp>
+      <p:sp>
+        <p:nvSpPr>
+          <p:cNvPr id="7" name="Slide Number Placeholder 6"/>
+          <p:cNvSpPr>
+            <a:spLocks noGrp="1"/>
+          </p:cNvSpPr>
+          <p:nvPr>
+            <p:ph type="sldNum" sz="quarter" idx="5"/>
+          </p:nvPr>
+        </p:nvSpPr>
+        <p:spPr>
+          <a:xfrm>
+            <a:off x="3884613" y="8685213"/>
+            <a:ext cx="2971800" cy="458787"/>
+          </a:xfrm>
+          <a:prstGeom prst="rect">
+            <a:avLst/>
+          </a:prstGeom>
+        </p:spPr>
+        <p:txBody>
+          <a:bodyPr vert="horz" lIns="91440" tIns="45720" rIns="91440" bIns="45720" rtlCol="0" anchor="b"/>
+          <a:lstStyle>
+            <a:lvl1pPr algn="r">
+              <a:defRPr sz="1200"/>
+            </a:lvl1pPr>
+          </a:lstStyle>
+          <a:p>
+            <a:fld id="{32A05868-2452-2649-BB1E-7708127F8C37}" type="slidenum">
+              <a:rPr lang="en-CN" smtClean="0"/>
+              <a:t>‹#›</a:t>
+            </a:fld>
+            <a:endParaRPr lang="en-CN"/>
+          </a:p>
+        </p:txBody>
+      </p:sp>
+    </p:spTree>
+    <p:extLst>
+      <p:ext uri="{BB962C8B-B14F-4D97-AF65-F5344CB8AC3E}">
+        <p14:creationId xmlns:p14="http://schemas.microsoft.com/office/powerpoint/2010/main" val="2344758270"/>
+      </p:ext>
+    </p:extLst>
+  </p:cSld>
+  <p:clrMap bg1="lt1" tx1="dk1" bg2="lt2" tx2="dk2" accent1="accent1" accent2="accent2" accent3="accent3" accent4="accent4" accent5="accent5" accent6="accent6" hlink="hlink" folHlink="folHlink"/>
+  <p:notesStyle>
+    <a:lvl1pPr marL="0" algn="l" defTabSz="914400" rtl="0" eaLnBrk="1" latinLnBrk="0" hangingPunct="1">
+      <a:defRPr sz="1200" kern="1200">
+        <a:solidFill>
+          <a:schemeClr val="tx1"/>
+        </a:solidFill>
+        <a:latin typeface="+mn-lt"/>
+        <a:ea typeface="+mn-ea"/>
+        <a:cs typeface="+mn-cs"/>
+      </a:defRPr>
+    </a:lvl1pPr>
+    <a:lvl2pPr marL="457200" algn="l" defTabSz="914400" rtl="0" eaLnBrk="1" latinLnBrk="0" hangingPunct="1">
+      <a:defRPr sz="1200" kern="1200">
+        <a:solidFill>
+          <a:schemeClr val="tx1"/>
+        </a:solidFill>
+        <a:latin typeface="+mn-lt"/>
+        <a:ea typeface="+mn-ea"/>
+        <a:cs typeface="+mn-cs"/>
+      </a:defRPr>
+    </a:lvl2pPr>
+    <a:lvl3pPr marL="914400" algn="l" defTabSz="914400" rtl="0" eaLnBrk="1" latinLnBrk="0" hangingPunct="1">
+      <a:defRPr sz="1200" kern="1200">
+        <a:solidFill>
+          <a:schemeClr val="tx1"/>
+        </a:solidFill>
+        <a:latin typeface="+mn-lt"/>
+        <a:ea typeface="+mn-ea"/>
+        <a:cs typeface="+mn-cs"/>
+      </a:defRPr>
+    </a:lvl3pPr>
+    <a:lvl4pPr marL="1371600" algn="l" defTabSz="914400" rtl="0" eaLnBrk="1" latinLnBrk="0" hangingPunct="1">
+      <a:defRPr sz="1200" kern="1200">
+        <a:solidFill>
+          <a:schemeClr val="tx1"/>
+        </a:solidFill>
+        <a:latin typeface="+mn-lt"/>
+        <a:ea typeface="+mn-ea"/>
+        <a:cs typeface="+mn-cs"/>
+      </a:defRPr>
+    </a:lvl4pPr>
+    <a:lvl5pPr marL="1828800" algn="l" defTabSz="914400" rtl="0" eaLnBrk="1" latinLnBrk="0" hangingPunct="1">
+      <a:defRPr sz="1200" kern="1200">
+        <a:solidFill>
+          <a:schemeClr val="tx1"/>
+        </a:solidFill>
+        <a:latin typeface="+mn-lt"/>
+        <a:ea typeface="+mn-ea"/>
+        <a:cs typeface="+mn-cs"/>
+      </a:defRPr>
+    </a:lvl5pPr>
+    <a:lvl6pPr marL="2286000" algn="l" defTabSz="914400" rtl="0" eaLnBrk="1" latinLnBrk="0" hangingPunct="1">
+      <a:defRPr sz="1200" kern="1200">
+        <a:solidFill>
+          <a:schemeClr val="tx1"/>
+        </a:solidFill>
+        <a:latin typeface="+mn-lt"/>
+        <a:ea typeface="+mn-ea"/>
+        <a:cs typeface="+mn-cs"/>
+      </a:defRPr>
+    </a:lvl6pPr>
+    <a:lvl7pPr marL="2743200" algn="l" defTabSz="914400" rtl="0" eaLnBrk="1" latinLnBrk="0" hangingPunct="1">
+      <a:defRPr sz="1200" kern="1200">
+        <a:solidFill>
+          <a:schemeClr val="tx1"/>
+        </a:solidFill>
+        <a:latin typeface="+mn-lt"/>
+        <a:ea typeface="+mn-ea"/>
+        <a:cs typeface="+mn-cs"/>
+      </a:defRPr>
+    </a:lvl7pPr>
+    <a:lvl8pPr marL="3200400" algn="l" defTabSz="914400" rtl="0" eaLnBrk="1" latinLnBrk="0" hangingPunct="1">
+      <a:defRPr sz="1200" kern="1200">
+        <a:solidFill>
+          <a:schemeClr val="tx1"/>
+        </a:solidFill>
+        <a:latin typeface="+mn-lt"/>
+        <a:ea typeface="+mn-ea"/>
+        <a:cs typeface="+mn-cs"/>
+      </a:defRPr>
+    </a:lvl8pPr>
+    <a:lvl9pPr marL="3657600" algn="l" defTabSz="914400" rtl="0" eaLnBrk="1" latinLnBrk="0" hangingPunct="1">
+      <a:defRPr sz="1200" kern="1200">
+        <a:solidFill>
+          <a:schemeClr val="tx1"/>
+        </a:solidFill>
+        <a:latin typeface="+mn-lt"/>
+        <a:ea typeface="+mn-ea"/>
+        <a:cs typeface="+mn-cs"/>
+      </a:defRPr>
+    </a:lvl9pPr>
+  </p:notesStyle>
+</p:notesMaster>
+</file>
+
+<file path=ppt/notesSlides/notesSlide1.xml><?xml version="1.0" encoding="utf-8"?>
+<p:notes xmlns:a="http://schemas.openxmlformats.org/drawingml/2006/main" xmlns:r="http://schemas.openxmlformats.org/officeDocument/2006/relationships" xmlns:p="http://schemas.openxmlformats.org/presentationml/2006/main">
+  <p:cSld>
+    <p:spTree>
+      <p:nvGrpSpPr>
+        <p:cNvPr id="1" name=""/>
+        <p:cNvGrpSpPr/>
+        <p:nvPr/>
+      </p:nvGrpSpPr>
+      <p:grpSpPr>
+        <a:xfrm>
+          <a:off x="0" y="0"/>
+          <a:ext cx="0" cy="0"/>
+          <a:chOff x="0" y="0"/>
+          <a:chExt cx="0" cy="0"/>
+        </a:xfrm>
+      </p:grpSpPr>
+      <p:sp>
+        <p:nvSpPr>
+          <p:cNvPr id="2" name="Slide Image Placeholder 1"/>
+          <p:cNvSpPr>
+            <a:spLocks noGrp="1" noRot="1" noChangeAspect="1"/>
+          </p:cNvSpPr>
+          <p:nvPr>
+            <p:ph type="sldImg"/>
+          </p:nvPr>
+        </p:nvSpPr>
+        <p:spPr/>
+      </p:sp>
+      <p:sp>
+        <p:nvSpPr>
+          <p:cNvPr id="3" name="Notes Placeholder 2"/>
+          <p:cNvSpPr>
+            <a:spLocks noGrp="1"/>
+          </p:cNvSpPr>
+          <p:nvPr>
+            <p:ph type="body" idx="1"/>
+          </p:nvPr>
+        </p:nvSpPr>
+        <p:spPr/>
+        <p:txBody>
+          <a:bodyPr/>
+          <a:lstStyle/>
+          <a:p>
+            <a:pPr marL="228600" marR="0" lvl="0" indent="-228600" algn="l" defTabSz="914400" rtl="0" eaLnBrk="1" fontAlgn="auto" latinLnBrk="0" hangingPunct="1">
+              <a:lnSpc>
+                <a:spcPct val="100000"/>
+              </a:lnSpc>
+              <a:spcBef>
+                <a:spcPts val="0"/>
+              </a:spcBef>
+              <a:spcAft>
+                <a:spcPts val="0"/>
+              </a:spcAft>
+              <a:buClrTx/>
+              <a:buSzTx/>
+              <a:buFontTx/>
+              <a:buAutoNum type="arabicPeriod"/>
+              <a:tabLst/>
+              <a:defRPr/>
+            </a:pPr>
+            <a:r>
+              <a:rPr lang="en-US" b="0" dirty="0" err="1">
+                <a:solidFill>
+                  <a:srgbClr val="D4D4D4"/>
+                </a:solidFill>
+                <a:effectLst/>
+                <a:latin typeface="Menlo" panose="020B0609030804020204" pitchFamily="49" charset="0"/>
+              </a:rPr>
+              <a:t>内存</a:t>
+            </a:r>
+            <a:r>
+              <a:rPr lang="zh-CN" altLang="en-US" b="0" dirty="0">
+                <a:solidFill>
+                  <a:srgbClr val="D4D4D4"/>
+                </a:solidFill>
+                <a:effectLst/>
+                <a:latin typeface="Menlo" panose="020B0609030804020204" pitchFamily="49" charset="0"/>
+              </a:rPr>
+              <a:t> </a:t>
+            </a:r>
+            <a:r>
+              <a:rPr lang="en-US" altLang="zh-CN" b="0" dirty="0">
+                <a:solidFill>
+                  <a:srgbClr val="D4D4D4"/>
+                </a:solidFill>
+                <a:effectLst/>
+                <a:latin typeface="Menlo" panose="020B0609030804020204" pitchFamily="49" charset="0"/>
+              </a:rPr>
+              <a:t>&gt;</a:t>
+            </a:r>
+            <a:r>
+              <a:rPr lang="zh-CN" altLang="en-US" b="0" dirty="0">
+                <a:solidFill>
+                  <a:srgbClr val="D4D4D4"/>
+                </a:solidFill>
+                <a:effectLst/>
+                <a:latin typeface="Menlo" panose="020B0609030804020204" pitchFamily="49" charset="0"/>
+              </a:rPr>
+              <a:t> </a:t>
+            </a:r>
+            <a:r>
+              <a:rPr lang="en-US" b="0" dirty="0" err="1">
+                <a:solidFill>
+                  <a:srgbClr val="D4D4D4"/>
+                </a:solidFill>
+                <a:effectLst/>
+                <a:latin typeface="Menlo" panose="020B0609030804020204" pitchFamily="49" charset="0"/>
+              </a:rPr>
+              <a:t>磁盘</a:t>
+            </a:r>
+            <a:r>
+              <a:rPr lang="zh-CN" altLang="en-US" b="0" dirty="0">
+                <a:solidFill>
+                  <a:srgbClr val="D4D4D4"/>
+                </a:solidFill>
+                <a:effectLst/>
+                <a:latin typeface="Menlo" panose="020B0609030804020204" pitchFamily="49" charset="0"/>
+              </a:rPr>
+              <a:t> </a:t>
+            </a:r>
+            <a:r>
+              <a:rPr lang="en-US" altLang="zh-CN" b="0" dirty="0">
+                <a:solidFill>
+                  <a:srgbClr val="D4D4D4"/>
+                </a:solidFill>
+                <a:effectLst/>
+                <a:latin typeface="Menlo" panose="020B0609030804020204" pitchFamily="49" charset="0"/>
+              </a:rPr>
+              <a:t>&gt;</a:t>
+            </a:r>
+            <a:r>
+              <a:rPr lang="zh-CN" altLang="en-US" b="0" dirty="0">
+                <a:solidFill>
+                  <a:srgbClr val="D4D4D4"/>
+                </a:solidFill>
+                <a:effectLst/>
+                <a:latin typeface="Menlo" panose="020B0609030804020204" pitchFamily="49" charset="0"/>
+              </a:rPr>
+              <a:t> 固态硬盘：差</a:t>
+            </a:r>
+            <a:r>
+              <a:rPr lang="en-US" altLang="zh-CN" b="0" dirty="0">
+                <a:solidFill>
+                  <a:srgbClr val="D4D4D4"/>
+                </a:solidFill>
+                <a:effectLst/>
+                <a:latin typeface="Menlo" panose="020B0609030804020204" pitchFamily="49" charset="0"/>
+              </a:rPr>
+              <a:t>2</a:t>
+            </a:r>
+            <a:r>
+              <a:rPr lang="zh-CN" altLang="en-US" b="0" dirty="0">
+                <a:solidFill>
+                  <a:srgbClr val="D4D4D4"/>
+                </a:solidFill>
+                <a:effectLst/>
+                <a:latin typeface="Menlo" panose="020B0609030804020204" pitchFamily="49" charset="0"/>
+              </a:rPr>
+              <a:t>个数量级</a:t>
+            </a:r>
+            <a:endParaRPr lang="en-US" b="0" dirty="0">
+              <a:solidFill>
+                <a:srgbClr val="D4D4D4"/>
+              </a:solidFill>
+              <a:effectLst/>
+              <a:latin typeface="Menlo" panose="020B0609030804020204" pitchFamily="49" charset="0"/>
+            </a:endParaRPr>
+          </a:p>
+          <a:p>
+            <a:pPr marL="228600" marR="0" lvl="0" indent="-228600" algn="l" defTabSz="914400" rtl="0" eaLnBrk="1" fontAlgn="auto" latinLnBrk="0" hangingPunct="1">
+              <a:lnSpc>
+                <a:spcPct val="100000"/>
+              </a:lnSpc>
+              <a:spcBef>
+                <a:spcPts val="0"/>
+              </a:spcBef>
+              <a:spcAft>
+                <a:spcPts val="0"/>
+              </a:spcAft>
+              <a:buClrTx/>
+              <a:buSzTx/>
+              <a:buFontTx/>
+              <a:buAutoNum type="arabicPeriod"/>
+              <a:tabLst/>
+              <a:defRPr/>
+            </a:pPr>
+            <a:r>
+              <a:rPr lang="en-US" b="0" dirty="0">
+                <a:solidFill>
+                  <a:srgbClr val="D4D4D4"/>
+                </a:solidFill>
+                <a:effectLst/>
+                <a:latin typeface="Menlo" panose="020B0609030804020204" pitchFamily="49" charset="0"/>
+              </a:rPr>
+              <a:t>read()</a:t>
+            </a:r>
+            <a:r>
+              <a:rPr lang="zh-CN" altLang="en-US" b="0" dirty="0">
+                <a:solidFill>
+                  <a:srgbClr val="D4D4D4"/>
+                </a:solidFill>
+                <a:effectLst/>
+                <a:latin typeface="Menlo" panose="020B0609030804020204" pitchFamily="49" charset="0"/>
+              </a:rPr>
+              <a:t>和 </a:t>
+            </a:r>
+            <a:r>
+              <a:rPr lang="en-US" b="0" dirty="0">
+                <a:solidFill>
+                  <a:srgbClr val="D4D4D4"/>
+                </a:solidFill>
+                <a:effectLst/>
+                <a:latin typeface="Menlo" panose="020B0609030804020204" pitchFamily="49" charset="0"/>
+              </a:rPr>
+              <a:t>write()</a:t>
+            </a:r>
+            <a:r>
+              <a:rPr lang="zh-CN" altLang="en-US" b="0" dirty="0">
+                <a:solidFill>
+                  <a:srgbClr val="D4D4D4"/>
+                </a:solidFill>
+                <a:effectLst/>
+                <a:latin typeface="Menlo" panose="020B0609030804020204" pitchFamily="49" charset="0"/>
+              </a:rPr>
+              <a:t>系统调用在操作磁盘文件时不会直接发起磁盘访问，而是仅仅在用户空间与缓冲区与内核缓冲区高速缓存</a:t>
+            </a:r>
+            <a:r>
+              <a:rPr lang="en-US" altLang="zh-CN" b="0" dirty="0">
+                <a:solidFill>
+                  <a:srgbClr val="D4D4D4"/>
+                </a:solidFill>
+                <a:effectLst/>
+                <a:latin typeface="Menlo" panose="020B0609030804020204" pitchFamily="49" charset="0"/>
+              </a:rPr>
+              <a:t>(</a:t>
+            </a:r>
+            <a:r>
+              <a:rPr lang="en-US" b="0" dirty="0">
+                <a:solidFill>
+                  <a:srgbClr val="D4D4D4"/>
+                </a:solidFill>
+                <a:effectLst/>
+                <a:latin typeface="Menlo" panose="020B0609030804020204" pitchFamily="49" charset="0"/>
+              </a:rPr>
+              <a:t>kernel buffer cache)</a:t>
+            </a:r>
+            <a:r>
+              <a:rPr lang="zh-CN" altLang="en-US" b="0" dirty="0">
+                <a:solidFill>
+                  <a:srgbClr val="D4D4D4"/>
+                </a:solidFill>
+                <a:effectLst/>
+                <a:latin typeface="Menlo" panose="020B0609030804020204" pitchFamily="49" charset="0"/>
+              </a:rPr>
+              <a:t>之间复制数据。</a:t>
+            </a:r>
+            <a:endParaRPr lang="en-US" altLang="zh-CN" b="0" dirty="0">
+              <a:solidFill>
+                <a:srgbClr val="D4D4D4"/>
+              </a:solidFill>
+              <a:effectLst/>
+              <a:latin typeface="Menlo" panose="020B0609030804020204" pitchFamily="49" charset="0"/>
+            </a:endParaRPr>
+          </a:p>
+          <a:p>
+            <a:pPr marL="228600" marR="0" lvl="0" indent="-228600" algn="l" defTabSz="914400" rtl="0" eaLnBrk="1" fontAlgn="auto" latinLnBrk="0" hangingPunct="1">
+              <a:lnSpc>
+                <a:spcPct val="100000"/>
+              </a:lnSpc>
+              <a:spcBef>
+                <a:spcPts val="0"/>
+              </a:spcBef>
+              <a:spcAft>
+                <a:spcPts val="0"/>
+              </a:spcAft>
+              <a:buClrTx/>
+              <a:buSzTx/>
+              <a:buFontTx/>
+              <a:buAutoNum type="arabicPeriod"/>
+              <a:tabLst/>
+              <a:defRPr/>
+            </a:pPr>
+            <a:r>
+              <a:rPr lang="en-US" altLang="zh-CN" b="0" dirty="0">
+                <a:solidFill>
+                  <a:srgbClr val="D4D4D4"/>
+                </a:solidFill>
+                <a:effectLst/>
+                <a:latin typeface="Menlo" panose="020B0609030804020204" pitchFamily="49" charset="0"/>
+              </a:rPr>
+              <a:t>Page</a:t>
+            </a:r>
+            <a:r>
+              <a:rPr lang="zh-CN" altLang="en-US" b="0" dirty="0">
+                <a:solidFill>
+                  <a:srgbClr val="D4D4D4"/>
+                </a:solidFill>
+                <a:effectLst/>
+                <a:latin typeface="Menlo" panose="020B0609030804020204" pitchFamily="49" charset="0"/>
+              </a:rPr>
+              <a:t> </a:t>
+            </a:r>
+            <a:r>
+              <a:rPr lang="en-US" altLang="zh-CN" b="0" dirty="0">
+                <a:solidFill>
+                  <a:srgbClr val="D4D4D4"/>
+                </a:solidFill>
+                <a:effectLst/>
+                <a:latin typeface="Menlo" panose="020B0609030804020204" pitchFamily="49" charset="0"/>
+              </a:rPr>
+              <a:t>Cache</a:t>
+            </a:r>
+            <a:r>
+              <a:rPr lang="zh-CN" altLang="en-US" b="0" dirty="0">
+                <a:solidFill>
+                  <a:srgbClr val="D4D4D4"/>
+                </a:solidFill>
+                <a:effectLst/>
+                <a:latin typeface="Menlo" panose="020B0609030804020204" pitchFamily="49" charset="0"/>
+              </a:rPr>
+              <a:t>优化：</a:t>
+            </a:r>
+            <a:r>
+              <a:rPr lang="zh-CN" altLang="en-US" sz="1800" dirty="0">
+                <a:effectLst/>
+                <a:latin typeface="SimSun" panose="02010600030101010101" pitchFamily="2" charset="-122"/>
+                <a:ea typeface="SimSun" panose="02010600030101010101" pitchFamily="2" charset="-122"/>
+              </a:rPr>
+              <a:t>按顺序预读取，在成簇</a:t>
+            </a:r>
+            <a:r>
+              <a:rPr lang="en-US" altLang="zh-CN" sz="1800" dirty="0">
+                <a:effectLst/>
+                <a:latin typeface="SimSun" panose="02010600030101010101" pitchFamily="2" charset="-122"/>
+                <a:ea typeface="SimSun" panose="02010600030101010101" pitchFamily="2" charset="-122"/>
+              </a:rPr>
+              <a:t>(</a:t>
+            </a:r>
+            <a:r>
+              <a:rPr lang="en-US" sz="1800" dirty="0">
+                <a:effectLst/>
+                <a:latin typeface="TimesNewRomanPSMT"/>
+              </a:rPr>
+              <a:t>clusters</a:t>
+            </a:r>
+            <a:r>
+              <a:rPr lang="en-US" sz="1800" dirty="0">
+                <a:effectLst/>
+                <a:latin typeface="SimSun" panose="02010600030101010101" pitchFamily="2" charset="-122"/>
+                <a:ea typeface="SimSun" panose="02010600030101010101" pitchFamily="2" charset="-122"/>
+              </a:rPr>
+              <a:t>)</a:t>
+            </a:r>
+            <a:r>
+              <a:rPr lang="zh-CN" altLang="en-US" sz="1800" dirty="0">
+                <a:effectLst/>
+                <a:latin typeface="SimSun" panose="02010600030101010101" pitchFamily="2" charset="-122"/>
+                <a:ea typeface="SimSun" panose="02010600030101010101" pitchFamily="2" charset="-122"/>
+              </a:rPr>
+              <a:t>磁盘块上执行 </a:t>
+            </a:r>
+            <a:r>
+              <a:rPr lang="en-US" sz="1800" dirty="0">
+                <a:effectLst/>
+                <a:latin typeface="TimesNewRomanPSMT"/>
+              </a:rPr>
+              <a:t>I/O</a:t>
+            </a:r>
+            <a:r>
+              <a:rPr lang="en-US" sz="1800" dirty="0">
+                <a:effectLst/>
+                <a:latin typeface="SimSun" panose="02010600030101010101" pitchFamily="2" charset="-122"/>
+                <a:ea typeface="SimSun" panose="02010600030101010101" pitchFamily="2" charset="-122"/>
+              </a:rPr>
+              <a:t>，</a:t>
+            </a:r>
+            <a:r>
+              <a:rPr lang="zh-CN" altLang="en-US" sz="1800" dirty="0">
+                <a:effectLst/>
+                <a:latin typeface="SimSun" panose="02010600030101010101" pitchFamily="2" charset="-122"/>
+                <a:ea typeface="SimSun" panose="02010600030101010101" pitchFamily="2" charset="-122"/>
+              </a:rPr>
+              <a:t>允许访问同一文件的多个进程共享高速缓存的缓冲区 </a:t>
+            </a:r>
+            <a:endParaRPr lang="en-US" altLang="zh-CN" sz="1800" b="0" dirty="0">
+              <a:solidFill>
+                <a:schemeClr val="tx1"/>
+              </a:solidFill>
+              <a:effectLst/>
+              <a:latin typeface="SimSun" panose="02010600030101010101" pitchFamily="2" charset="-122"/>
+              <a:ea typeface="SimSun" panose="02010600030101010101" pitchFamily="2" charset="-122"/>
+            </a:endParaRPr>
+          </a:p>
+          <a:p>
+            <a:pPr marL="228600" marR="0" lvl="0" indent="-228600" algn="l" defTabSz="914400" rtl="0" eaLnBrk="1" fontAlgn="auto" latinLnBrk="0" hangingPunct="1">
+              <a:lnSpc>
+                <a:spcPct val="100000"/>
+              </a:lnSpc>
+              <a:spcBef>
+                <a:spcPts val="0"/>
+              </a:spcBef>
+              <a:spcAft>
+                <a:spcPts val="0"/>
+              </a:spcAft>
+              <a:buClrTx/>
+              <a:buSzTx/>
+              <a:buFontTx/>
+              <a:buAutoNum type="arabicPeriod"/>
+              <a:tabLst/>
+              <a:defRPr/>
+            </a:pPr>
+            <a:r>
+              <a:rPr lang="en-US" altLang="zh-CN" sz="1800" b="0" dirty="0">
+                <a:solidFill>
+                  <a:srgbClr val="D4D4D4"/>
+                </a:solidFill>
+                <a:effectLst/>
+                <a:latin typeface="SimSun" panose="02010600030101010101" pitchFamily="2" charset="-122"/>
+                <a:ea typeface="SimSun" panose="02010600030101010101" pitchFamily="2" charset="-122"/>
+              </a:rPr>
+              <a:t>Direct</a:t>
+            </a:r>
+            <a:r>
+              <a:rPr lang="zh-CN" altLang="en-US" sz="1800" b="0" dirty="0">
+                <a:solidFill>
+                  <a:srgbClr val="D4D4D4"/>
+                </a:solidFill>
+                <a:effectLst/>
+                <a:latin typeface="SimSun" panose="02010600030101010101" pitchFamily="2" charset="-122"/>
+                <a:ea typeface="SimSun" panose="02010600030101010101" pitchFamily="2" charset="-122"/>
+              </a:rPr>
+              <a:t> </a:t>
+            </a:r>
+            <a:r>
+              <a:rPr lang="en-US" altLang="zh-CN" sz="1800" b="0" dirty="0">
+                <a:solidFill>
+                  <a:srgbClr val="D4D4D4"/>
+                </a:solidFill>
+                <a:effectLst/>
+                <a:latin typeface="SimSun" panose="02010600030101010101" pitchFamily="2" charset="-122"/>
+                <a:ea typeface="SimSun" panose="02010600030101010101" pitchFamily="2" charset="-122"/>
+              </a:rPr>
+              <a:t>IO</a:t>
+            </a:r>
+            <a:r>
+              <a:rPr lang="zh-CN" altLang="en-US" sz="1800" b="0" dirty="0">
+                <a:solidFill>
+                  <a:srgbClr val="D4D4D4"/>
+                </a:solidFill>
+                <a:effectLst/>
+                <a:latin typeface="SimSun" panose="02010600030101010101" pitchFamily="2" charset="-122"/>
+                <a:ea typeface="SimSun" panose="02010600030101010101" pitchFamily="2" charset="-122"/>
+              </a:rPr>
+              <a:t>：</a:t>
+            </a:r>
+            <a:r>
+              <a:rPr lang="zh-CN" altLang="en-US" sz="1800" dirty="0">
+                <a:effectLst/>
+                <a:latin typeface="SimSun" panose="02010600030101010101" pitchFamily="2" charset="-122"/>
+                <a:ea typeface="SimSun" panose="02010600030101010101" pitchFamily="2" charset="-122"/>
+              </a:rPr>
+              <a:t>在执行磁盘 </a:t>
+            </a:r>
+            <a:r>
+              <a:rPr lang="en-US" sz="1800" dirty="0">
+                <a:effectLst/>
+                <a:latin typeface="TimesNewRomanPSMT"/>
+              </a:rPr>
+              <a:t>I/O </a:t>
+            </a:r>
+            <a:r>
+              <a:rPr lang="zh-CN" altLang="en-US" sz="1800" dirty="0">
+                <a:effectLst/>
+                <a:latin typeface="SimSun" panose="02010600030101010101" pitchFamily="2" charset="-122"/>
+                <a:ea typeface="SimSun" panose="02010600030101010101" pitchFamily="2" charset="-122"/>
+              </a:rPr>
+              <a:t>时绕过</a:t>
+            </a:r>
+            <a:r>
+              <a:rPr lang="en-US" altLang="zh-CN" sz="1800" dirty="0">
+                <a:effectLst/>
+                <a:latin typeface="SimSun" panose="02010600030101010101" pitchFamily="2" charset="-122"/>
+                <a:ea typeface="SimSun" panose="02010600030101010101" pitchFamily="2" charset="-122"/>
+              </a:rPr>
+              <a:t>page</a:t>
+            </a:r>
+            <a:r>
+              <a:rPr lang="zh-CN" altLang="en-US" sz="1800" dirty="0">
+                <a:effectLst/>
+                <a:latin typeface="SimSun" panose="02010600030101010101" pitchFamily="2" charset="-122"/>
+                <a:ea typeface="SimSun" panose="02010600030101010101" pitchFamily="2" charset="-122"/>
+              </a:rPr>
+              <a:t> </a:t>
+            </a:r>
+            <a:r>
+              <a:rPr lang="en-US" altLang="zh-CN" sz="1800" dirty="0">
+                <a:effectLst/>
+                <a:latin typeface="SimSun" panose="02010600030101010101" pitchFamily="2" charset="-122"/>
+                <a:ea typeface="SimSun" panose="02010600030101010101" pitchFamily="2" charset="-122"/>
+              </a:rPr>
+              <a:t>cache</a:t>
+            </a:r>
+            <a:r>
+              <a:rPr lang="zh-CN" altLang="en-US" sz="1800" dirty="0">
+                <a:effectLst/>
+                <a:latin typeface="SimSun" panose="02010600030101010101" pitchFamily="2" charset="-122"/>
+                <a:ea typeface="SimSun" panose="02010600030101010101" pitchFamily="2" charset="-122"/>
+              </a:rPr>
+              <a:t>，从用户空间直接将数据传递到文件或磁盘设备。 一般数据库系统使用，比如</a:t>
+            </a:r>
+            <a:r>
+              <a:rPr lang="en-US" altLang="zh-CN" sz="1800" dirty="0" err="1">
+                <a:effectLst/>
+                <a:latin typeface="SimSun" panose="02010600030101010101" pitchFamily="2" charset="-122"/>
+                <a:ea typeface="SimSun" panose="02010600030101010101" pitchFamily="2" charset="-122"/>
+              </a:rPr>
+              <a:t>innodb</a:t>
+            </a:r>
+            <a:r>
+              <a:rPr lang="zh-CN" altLang="en-US" sz="1800" dirty="0">
+                <a:effectLst/>
+                <a:latin typeface="SimSun" panose="02010600030101010101" pitchFamily="2" charset="-122"/>
+                <a:ea typeface="SimSun" panose="02010600030101010101" pitchFamily="2" charset="-122"/>
+              </a:rPr>
+              <a:t>存储引擎实现了自己的缓冲池，且有专门的线程刷新脏页，所以在刷新脏页时可以配置直接写磁盘文件。</a:t>
+            </a:r>
+            <a:endParaRPr lang="en-US" altLang="zh-CN" sz="1800" b="0" dirty="0">
+              <a:solidFill>
+                <a:srgbClr val="D4D4D4"/>
+              </a:solidFill>
+              <a:effectLst/>
+              <a:latin typeface="SimSun" panose="02010600030101010101" pitchFamily="2" charset="-122"/>
+              <a:ea typeface="SimSun" panose="02010600030101010101" pitchFamily="2" charset="-122"/>
+            </a:endParaRPr>
+          </a:p>
+          <a:p>
+            <a:pPr marL="228600" marR="0" lvl="0" indent="-228600" algn="l" defTabSz="914400" rtl="0" eaLnBrk="1" fontAlgn="auto" latinLnBrk="0" hangingPunct="1">
+              <a:lnSpc>
+                <a:spcPct val="100000"/>
+              </a:lnSpc>
+              <a:spcBef>
+                <a:spcPts val="0"/>
+              </a:spcBef>
+              <a:spcAft>
+                <a:spcPts val="0"/>
+              </a:spcAft>
+              <a:buClrTx/>
+              <a:buSzTx/>
+              <a:buFontTx/>
+              <a:buAutoNum type="arabicPeriod"/>
+              <a:tabLst/>
+              <a:defRPr/>
+            </a:pPr>
+            <a:r>
+              <a:rPr lang="en-US" altLang="zh-CN" sz="1800" b="0" dirty="0" err="1">
+                <a:solidFill>
+                  <a:srgbClr val="D4D4D4"/>
+                </a:solidFill>
+                <a:effectLst/>
+                <a:latin typeface="SimSun" panose="02010600030101010101" pitchFamily="2" charset="-122"/>
+                <a:ea typeface="SimSun" panose="02010600030101010101" pitchFamily="2" charset="-122"/>
+              </a:rPr>
+              <a:t>Mmap</a:t>
+            </a:r>
+            <a:endParaRPr lang="zh-CN" altLang="en-US" b="0" dirty="0">
+              <a:solidFill>
+                <a:srgbClr val="D4D4D4"/>
+              </a:solidFill>
+              <a:effectLst/>
+              <a:latin typeface="Menlo" panose="020B0609030804020204" pitchFamily="49" charset="0"/>
+            </a:endParaRPr>
+          </a:p>
+          <a:p>
+            <a:endParaRPr lang="en-CN" dirty="0"/>
+          </a:p>
+        </p:txBody>
+      </p:sp>
+      <p:sp>
+        <p:nvSpPr>
+          <p:cNvPr id="4" name="Slide Number Placeholder 3"/>
+          <p:cNvSpPr>
+            <a:spLocks noGrp="1"/>
+          </p:cNvSpPr>
+          <p:nvPr>
+            <p:ph type="sldNum" sz="quarter" idx="5"/>
+          </p:nvPr>
+        </p:nvSpPr>
+        <p:spPr/>
+        <p:txBody>
+          <a:bodyPr/>
+          <a:lstStyle/>
+          <a:p>
+            <a:fld id="{32A05868-2452-2649-BB1E-7708127F8C37}" type="slidenum">
+              <a:rPr lang="en-CN" smtClean="0"/>
+              <a:t>9</a:t>
+            </a:fld>
+            <a:endParaRPr lang="en-CN"/>
+          </a:p>
+        </p:txBody>
+      </p:sp>
+    </p:spTree>
+    <p:extLst>
+      <p:ext uri="{BB962C8B-B14F-4D97-AF65-F5344CB8AC3E}">
+        <p14:creationId xmlns:p14="http://schemas.microsoft.com/office/powerpoint/2010/main" val="3739565572"/>
+      </p:ext>
+    </p:extLst>
+  </p:cSld>
+  <p:clrMapOvr>
+    <a:masterClrMapping/>
+  </p:clrMapOvr>
+</p:notes>
+</file>
+
 <file path=ppt/slideLayouts/slideLayout1.xml><?xml version="1.0" encoding="utf-8"?>
 <p:sldLayout xmlns:a="http://schemas.openxmlformats.org/drawingml/2006/main" xmlns:r="http://schemas.openxmlformats.org/officeDocument/2006/relationships" xmlns:p="http://schemas.openxmlformats.org/presentationml/2006/main" showMasterSp="0" type="title" preserve="1">
   <p:cSld name="Title Slide">
@@ -292,7 +1264,7 @@
             <a:fld id="{87DE6118-2437-4B30-8E3C-4D2BE6020583}" type="datetimeFigureOut">
               <a:rPr lang="en-US" dirty="0"/>
               <a:pPr/>
-              <a:t>11/11/22</a:t>
+              <a:t>11/14/22</a:t>
             </a:fld>
             <a:endParaRPr lang="en-US" dirty="0"/>
           </a:p>
@@ -618,7 +1590,7 @@
           <a:p>
             <a:fld id="{87DE6118-2437-4B30-8E3C-4D2BE6020583}" type="datetimeFigureOut">
               <a:rPr lang="en-US" dirty="0"/>
-              <a:t>11/11/22</a:t>
+              <a:t>11/14/22</a:t>
             </a:fld>
             <a:endParaRPr lang="en-US" dirty="0"/>
           </a:p>
@@ -793,7 +1765,7 @@
           <a:p>
             <a:fld id="{87DE6118-2437-4B30-8E3C-4D2BE6020583}" type="datetimeFigureOut">
               <a:rPr lang="en-US" dirty="0"/>
-              <a:t>11/11/22</a:t>
+              <a:t>11/14/22</a:t>
             </a:fld>
             <a:endParaRPr lang="en-US" dirty="0"/>
           </a:p>
@@ -958,7 +1930,7 @@
           <a:p>
             <a:fld id="{87DE6118-2437-4B30-8E3C-4D2BE6020583}" type="datetimeFigureOut">
               <a:rPr lang="en-US" dirty="0"/>
-              <a:t>11/11/22</a:t>
+              <a:t>11/14/22</a:t>
             </a:fld>
             <a:endParaRPr lang="en-US" dirty="0"/>
           </a:p>
@@ -1231,7 +2203,7 @@
             <a:fld id="{87DE6118-2437-4B30-8E3C-4D2BE6020583}" type="datetimeFigureOut">
               <a:rPr lang="en-US" dirty="0"/>
               <a:pPr/>
-              <a:t>11/11/22</a:t>
+              <a:t>11/14/22</a:t>
             </a:fld>
             <a:endParaRPr lang="en-US" dirty="0"/>
           </a:p>
@@ -1621,7 +2593,7 @@
           <a:p>
             <a:fld id="{87DE6118-2437-4B30-8E3C-4D2BE6020583}" type="datetimeFigureOut">
               <a:rPr lang="en-US" dirty="0"/>
-              <a:t>11/11/22</a:t>
+              <a:t>11/14/22</a:t>
             </a:fld>
             <a:endParaRPr lang="en-US" dirty="0"/>
           </a:p>
@@ -2093,7 +3065,7 @@
           <a:p>
             <a:fld id="{87DE6118-2437-4B30-8E3C-4D2BE6020583}" type="datetimeFigureOut">
               <a:rPr lang="en-US" dirty="0"/>
-              <a:t>11/11/22</a:t>
+              <a:t>11/14/22</a:t>
             </a:fld>
             <a:endParaRPr lang="en-US" dirty="0"/>
           </a:p>
@@ -2206,7 +3178,7 @@
           <a:p>
             <a:fld id="{87DE6118-2437-4B30-8E3C-4D2BE6020583}" type="datetimeFigureOut">
               <a:rPr lang="en-US" dirty="0"/>
-              <a:t>11/11/22</a:t>
+              <a:t>11/14/22</a:t>
             </a:fld>
             <a:endParaRPr lang="en-US" dirty="0"/>
           </a:p>
@@ -2296,7 +3268,7 @@
           <a:p>
             <a:fld id="{87DE6118-2437-4B30-8E3C-4D2BE6020583}" type="datetimeFigureOut">
               <a:rPr lang="en-US" dirty="0"/>
-              <a:t>11/11/22</a:t>
+              <a:t>11/14/22</a:t>
             </a:fld>
             <a:endParaRPr lang="en-US" dirty="0"/>
           </a:p>
@@ -2638,7 +3610,7 @@
             <a:fld id="{87DE6118-2437-4B30-8E3C-4D2BE6020583}" type="datetimeFigureOut">
               <a:rPr lang="en-US" dirty="0"/>
               <a:pPr/>
-              <a:t>11/11/22</a:t>
+              <a:t>11/14/22</a:t>
             </a:fld>
             <a:endParaRPr lang="en-US" dirty="0"/>
           </a:p>
@@ -3023,7 +3995,7 @@
             <a:fld id="{87DE6118-2437-4B30-8E3C-4D2BE6020583}" type="datetimeFigureOut">
               <a:rPr lang="en-US" dirty="0"/>
               <a:pPr/>
-              <a:t>11/11/22</a:t>
+              <a:t>11/14/22</a:t>
             </a:fld>
             <a:endParaRPr lang="en-US" dirty="0"/>
           </a:p>
@@ -3298,7 +4270,7 @@
             <a:fld id="{87DE6118-2437-4B30-8E3C-4D2BE6020583}" type="datetimeFigureOut">
               <a:rPr lang="en-US" dirty="0"/>
               <a:pPr/>
-              <a:t>11/11/22</a:t>
+              <a:t>11/14/22</a:t>
             </a:fld>
             <a:endParaRPr lang="en-US" dirty="0"/>
           </a:p>
@@ -3943,6 +4915,570 @@
           <p:cNvPr id="2" name="Title 1">
             <a:extLst>
               <a:ext uri="{FF2B5EF4-FFF2-40B4-BE49-F238E27FC236}">
+                <a16:creationId xmlns:a16="http://schemas.microsoft.com/office/drawing/2014/main" id="{7AAE0CA5-A092-2D71-F551-9E2C13A30028}"/>
+              </a:ext>
+            </a:extLst>
+          </p:cNvPr>
+          <p:cNvSpPr>
+            <a:spLocks noGrp="1"/>
+          </p:cNvSpPr>
+          <p:nvPr>
+            <p:ph type="title"/>
+          </p:nvPr>
+        </p:nvSpPr>
+        <p:spPr/>
+        <p:txBody>
+          <a:bodyPr/>
+          <a:lstStyle/>
+          <a:p>
+            <a:r>
+              <a:rPr lang="en-US" dirty="0" err="1"/>
+              <a:t>三</a:t>
+            </a:r>
+            <a:r>
+              <a:rPr lang="en-US" altLang="zh-CN" dirty="0"/>
+              <a:t>.</a:t>
+            </a:r>
+            <a:r>
+              <a:rPr lang="zh-CN" altLang="en-US" dirty="0"/>
+              <a:t> </a:t>
+            </a:r>
+            <a:r>
+              <a:rPr lang="en-CN" dirty="0"/>
+              <a:t>索引流程Overall</a:t>
+            </a:r>
+          </a:p>
+        </p:txBody>
+      </p:sp>
+      <p:sp>
+        <p:nvSpPr>
+          <p:cNvPr id="3" name="Content Placeholder 2">
+            <a:extLst>
+              <a:ext uri="{FF2B5EF4-FFF2-40B4-BE49-F238E27FC236}">
+                <a16:creationId xmlns:a16="http://schemas.microsoft.com/office/drawing/2014/main" id="{6D554D43-AAAF-E8DB-1FDB-9D9F2C8D388C}"/>
+              </a:ext>
+            </a:extLst>
+          </p:cNvPr>
+          <p:cNvSpPr>
+            <a:spLocks noGrp="1"/>
+          </p:cNvSpPr>
+          <p:nvPr>
+            <p:ph idx="1"/>
+          </p:nvPr>
+        </p:nvSpPr>
+        <p:spPr/>
+        <p:txBody>
+          <a:bodyPr/>
+          <a:lstStyle/>
+          <a:p>
+            <a:r>
+              <a:rPr lang="en-CN" dirty="0"/>
+              <a:t>整体索引流程</a:t>
+            </a:r>
+          </a:p>
+          <a:p>
+            <a:r>
+              <a:rPr lang="en-CN" dirty="0"/>
+              <a:t>主要类</a:t>
+            </a:r>
+            <a:r>
+              <a:rPr lang="zh-CN" altLang="en-US" dirty="0"/>
+              <a:t>，</a:t>
+            </a:r>
+            <a:r>
+              <a:rPr lang="en-CN" dirty="0"/>
+              <a:t>类图</a:t>
+            </a:r>
+            <a:r>
+              <a:rPr lang="zh-CN" altLang="en-US" dirty="0"/>
+              <a:t>，</a:t>
+            </a:r>
+            <a:r>
+              <a:rPr lang="en-CN" dirty="0"/>
+              <a:t>时序图</a:t>
+            </a:r>
+          </a:p>
+        </p:txBody>
+      </p:sp>
+    </p:spTree>
+    <p:extLst>
+      <p:ext uri="{BB962C8B-B14F-4D97-AF65-F5344CB8AC3E}">
+        <p14:creationId xmlns:p14="http://schemas.microsoft.com/office/powerpoint/2010/main" val="2946477913"/>
+      </p:ext>
+    </p:extLst>
+  </p:cSld>
+  <p:clrMapOvr>
+    <a:masterClrMapping/>
+  </p:clrMapOvr>
+</p:sld>
+</file>
+
+<file path=ppt/slides/slide11.xml><?xml version="1.0" encoding="utf-8"?>
+<p:sld xmlns:a="http://schemas.openxmlformats.org/drawingml/2006/main" xmlns:r="http://schemas.openxmlformats.org/officeDocument/2006/relationships" xmlns:p="http://schemas.openxmlformats.org/presentationml/2006/main">
+  <p:cSld>
+    <p:spTree>
+      <p:nvGrpSpPr>
+        <p:cNvPr id="1" name=""/>
+        <p:cNvGrpSpPr/>
+        <p:nvPr/>
+      </p:nvGrpSpPr>
+      <p:grpSpPr>
+        <a:xfrm>
+          <a:off x="0" y="0"/>
+          <a:ext cx="0" cy="0"/>
+          <a:chOff x="0" y="0"/>
+          <a:chExt cx="0" cy="0"/>
+        </a:xfrm>
+      </p:grpSpPr>
+      <p:sp>
+        <p:nvSpPr>
+          <p:cNvPr id="2" name="Title 1">
+            <a:extLst>
+              <a:ext uri="{FF2B5EF4-FFF2-40B4-BE49-F238E27FC236}">
+                <a16:creationId xmlns:a16="http://schemas.microsoft.com/office/drawing/2014/main" id="{0A5B9273-BCDE-C13B-17D3-FDF93EC1031D}"/>
+              </a:ext>
+            </a:extLst>
+          </p:cNvPr>
+          <p:cNvSpPr>
+            <a:spLocks noGrp="1"/>
+          </p:cNvSpPr>
+          <p:nvPr>
+            <p:ph type="title"/>
+          </p:nvPr>
+        </p:nvSpPr>
+        <p:spPr/>
+        <p:txBody>
+          <a:bodyPr/>
+          <a:lstStyle/>
+          <a:p>
+            <a:r>
+              <a:rPr lang="en-US" dirty="0" err="1"/>
+              <a:t>四</a:t>
+            </a:r>
+            <a:r>
+              <a:rPr lang="en-US" altLang="zh-CN" dirty="0"/>
+              <a:t>.</a:t>
+            </a:r>
+            <a:r>
+              <a:rPr lang="zh-CN" altLang="en-US" dirty="0"/>
+              <a:t> </a:t>
+            </a:r>
+            <a:r>
+              <a:rPr lang="en-CN" dirty="0"/>
+              <a:t>文档的增删改</a:t>
+            </a:r>
+          </a:p>
+        </p:txBody>
+      </p:sp>
+      <p:sp>
+        <p:nvSpPr>
+          <p:cNvPr id="3" name="Content Placeholder 2">
+            <a:extLst>
+              <a:ext uri="{FF2B5EF4-FFF2-40B4-BE49-F238E27FC236}">
+                <a16:creationId xmlns:a16="http://schemas.microsoft.com/office/drawing/2014/main" id="{1BE4D641-4B3A-A443-0655-63E811FC1F35}"/>
+              </a:ext>
+            </a:extLst>
+          </p:cNvPr>
+          <p:cNvSpPr>
+            <a:spLocks noGrp="1"/>
+          </p:cNvSpPr>
+          <p:nvPr>
+            <p:ph idx="1"/>
+          </p:nvPr>
+        </p:nvSpPr>
+        <p:spPr/>
+        <p:txBody>
+          <a:bodyPr/>
+          <a:lstStyle/>
+          <a:p>
+            <a:r>
+              <a:rPr lang="en-CN" dirty="0"/>
+              <a:t>接口</a:t>
+            </a:r>
+          </a:p>
+          <a:p>
+            <a:r>
+              <a:rPr lang="en-CN" dirty="0"/>
+              <a:t>增加</a:t>
+            </a:r>
+          </a:p>
+          <a:p>
+            <a:r>
+              <a:rPr lang="en-CN" dirty="0"/>
+              <a:t>删除</a:t>
+            </a:r>
+          </a:p>
+          <a:p>
+            <a:r>
+              <a:rPr lang="en-CN" dirty="0"/>
+              <a:t>更新</a:t>
+            </a:r>
+          </a:p>
+          <a:p>
+            <a:r>
+              <a:rPr lang="en-CN" dirty="0"/>
+              <a:t>对并发的处理</a:t>
+            </a:r>
+          </a:p>
+        </p:txBody>
+      </p:sp>
+    </p:spTree>
+    <p:extLst>
+      <p:ext uri="{BB962C8B-B14F-4D97-AF65-F5344CB8AC3E}">
+        <p14:creationId xmlns:p14="http://schemas.microsoft.com/office/powerpoint/2010/main" val="675062387"/>
+      </p:ext>
+    </p:extLst>
+  </p:cSld>
+  <p:clrMapOvr>
+    <a:masterClrMapping/>
+  </p:clrMapOvr>
+</p:sld>
+</file>
+
+<file path=ppt/slides/slide12.xml><?xml version="1.0" encoding="utf-8"?>
+<p:sld xmlns:a="http://schemas.openxmlformats.org/drawingml/2006/main" xmlns:r="http://schemas.openxmlformats.org/officeDocument/2006/relationships" xmlns:p="http://schemas.openxmlformats.org/presentationml/2006/main">
+  <p:cSld>
+    <p:spTree>
+      <p:nvGrpSpPr>
+        <p:cNvPr id="1" name=""/>
+        <p:cNvGrpSpPr/>
+        <p:nvPr/>
+      </p:nvGrpSpPr>
+      <p:grpSpPr>
+        <a:xfrm>
+          <a:off x="0" y="0"/>
+          <a:ext cx="0" cy="0"/>
+          <a:chOff x="0" y="0"/>
+          <a:chExt cx="0" cy="0"/>
+        </a:xfrm>
+      </p:grpSpPr>
+      <p:sp>
+        <p:nvSpPr>
+          <p:cNvPr id="2" name="Title 1">
+            <a:extLst>
+              <a:ext uri="{FF2B5EF4-FFF2-40B4-BE49-F238E27FC236}">
+                <a16:creationId xmlns:a16="http://schemas.microsoft.com/office/drawing/2014/main" id="{FF687820-FF18-3053-15FE-55BCEA685EF3}"/>
+              </a:ext>
+            </a:extLst>
+          </p:cNvPr>
+          <p:cNvSpPr>
+            <a:spLocks noGrp="1"/>
+          </p:cNvSpPr>
+          <p:nvPr>
+            <p:ph type="title"/>
+          </p:nvPr>
+        </p:nvSpPr>
+        <p:spPr/>
+        <p:txBody>
+          <a:bodyPr/>
+          <a:lstStyle/>
+          <a:p>
+            <a:r>
+              <a:rPr lang="en-US" dirty="0" err="1"/>
+              <a:t>五</a:t>
+            </a:r>
+            <a:r>
+              <a:rPr lang="en-US" altLang="zh-CN" dirty="0"/>
+              <a:t>.</a:t>
+            </a:r>
+            <a:r>
+              <a:rPr lang="zh-CN" altLang="en-US" dirty="0"/>
+              <a:t> </a:t>
+            </a:r>
+            <a:r>
+              <a:rPr lang="en-CN" dirty="0"/>
+              <a:t>Flush</a:t>
+            </a:r>
+          </a:p>
+        </p:txBody>
+      </p:sp>
+      <p:sp>
+        <p:nvSpPr>
+          <p:cNvPr id="3" name="Content Placeholder 2">
+            <a:extLst>
+              <a:ext uri="{FF2B5EF4-FFF2-40B4-BE49-F238E27FC236}">
+                <a16:creationId xmlns:a16="http://schemas.microsoft.com/office/drawing/2014/main" id="{2E946DE1-F804-E053-564C-B27D349BD112}"/>
+              </a:ext>
+            </a:extLst>
+          </p:cNvPr>
+          <p:cNvSpPr>
+            <a:spLocks noGrp="1"/>
+          </p:cNvSpPr>
+          <p:nvPr>
+            <p:ph idx="1"/>
+          </p:nvPr>
+        </p:nvSpPr>
+        <p:spPr/>
+        <p:txBody>
+          <a:bodyPr/>
+          <a:lstStyle/>
+          <a:p>
+            <a:r>
+              <a:rPr lang="en-CN" dirty="0"/>
+              <a:t>目的</a:t>
+            </a:r>
+          </a:p>
+          <a:p>
+            <a:r>
+              <a:rPr lang="en-CN" dirty="0"/>
+              <a:t>自动flush</a:t>
+            </a:r>
+          </a:p>
+          <a:p>
+            <a:r>
+              <a:rPr lang="en-CN" dirty="0"/>
+              <a:t>主动flush</a:t>
+            </a:r>
+          </a:p>
+        </p:txBody>
+      </p:sp>
+    </p:spTree>
+    <p:extLst>
+      <p:ext uri="{BB962C8B-B14F-4D97-AF65-F5344CB8AC3E}">
+        <p14:creationId xmlns:p14="http://schemas.microsoft.com/office/powerpoint/2010/main" val="2905025543"/>
+      </p:ext>
+    </p:extLst>
+  </p:cSld>
+  <p:clrMapOvr>
+    <a:masterClrMapping/>
+  </p:clrMapOvr>
+</p:sld>
+</file>
+
+<file path=ppt/slides/slide13.xml><?xml version="1.0" encoding="utf-8"?>
+<p:sld xmlns:a="http://schemas.openxmlformats.org/drawingml/2006/main" xmlns:r="http://schemas.openxmlformats.org/officeDocument/2006/relationships" xmlns:p="http://schemas.openxmlformats.org/presentationml/2006/main">
+  <p:cSld>
+    <p:spTree>
+      <p:nvGrpSpPr>
+        <p:cNvPr id="1" name=""/>
+        <p:cNvGrpSpPr/>
+        <p:nvPr/>
+      </p:nvGrpSpPr>
+      <p:grpSpPr>
+        <a:xfrm>
+          <a:off x="0" y="0"/>
+          <a:ext cx="0" cy="0"/>
+          <a:chOff x="0" y="0"/>
+          <a:chExt cx="0" cy="0"/>
+        </a:xfrm>
+      </p:grpSpPr>
+      <p:sp>
+        <p:nvSpPr>
+          <p:cNvPr id="2" name="Title 1">
+            <a:extLst>
+              <a:ext uri="{FF2B5EF4-FFF2-40B4-BE49-F238E27FC236}">
+                <a16:creationId xmlns:a16="http://schemas.microsoft.com/office/drawing/2014/main" id="{E030BB32-A08F-3526-113E-854A0C2F711C}"/>
+              </a:ext>
+            </a:extLst>
+          </p:cNvPr>
+          <p:cNvSpPr>
+            <a:spLocks noGrp="1"/>
+          </p:cNvSpPr>
+          <p:nvPr>
+            <p:ph type="title"/>
+          </p:nvPr>
+        </p:nvSpPr>
+        <p:spPr/>
+        <p:txBody>
+          <a:bodyPr/>
+          <a:lstStyle/>
+          <a:p>
+            <a:r>
+              <a:rPr lang="en-US" dirty="0" err="1"/>
+              <a:t>六</a:t>
+            </a:r>
+            <a:r>
+              <a:rPr lang="en-US" altLang="zh-CN" dirty="0"/>
+              <a:t>.</a:t>
+            </a:r>
+            <a:r>
+              <a:rPr lang="zh-CN" altLang="en-US" dirty="0"/>
+              <a:t> </a:t>
+            </a:r>
+            <a:r>
+              <a:rPr lang="en-CN" dirty="0"/>
+              <a:t>Commit</a:t>
+            </a:r>
+          </a:p>
+        </p:txBody>
+      </p:sp>
+      <p:sp>
+        <p:nvSpPr>
+          <p:cNvPr id="3" name="Content Placeholder 2">
+            <a:extLst>
+              <a:ext uri="{FF2B5EF4-FFF2-40B4-BE49-F238E27FC236}">
+                <a16:creationId xmlns:a16="http://schemas.microsoft.com/office/drawing/2014/main" id="{86924E64-F0C6-FA0B-AA6E-78C22E25F687}"/>
+              </a:ext>
+            </a:extLst>
+          </p:cNvPr>
+          <p:cNvSpPr>
+            <a:spLocks noGrp="1"/>
+          </p:cNvSpPr>
+          <p:nvPr>
+            <p:ph idx="1"/>
+          </p:nvPr>
+        </p:nvSpPr>
+        <p:spPr/>
+        <p:txBody>
+          <a:bodyPr/>
+          <a:lstStyle/>
+          <a:p>
+            <a:r>
+              <a:rPr lang="en-CN" dirty="0"/>
+              <a:t>目的</a:t>
+            </a:r>
+          </a:p>
+        </p:txBody>
+      </p:sp>
+    </p:spTree>
+    <p:extLst>
+      <p:ext uri="{BB962C8B-B14F-4D97-AF65-F5344CB8AC3E}">
+        <p14:creationId xmlns:p14="http://schemas.microsoft.com/office/powerpoint/2010/main" val="894406781"/>
+      </p:ext>
+    </p:extLst>
+  </p:cSld>
+  <p:clrMapOvr>
+    <a:masterClrMapping/>
+  </p:clrMapOvr>
+</p:sld>
+</file>
+
+<file path=ppt/slides/slide14.xml><?xml version="1.0" encoding="utf-8"?>
+<p:sld xmlns:a="http://schemas.openxmlformats.org/drawingml/2006/main" xmlns:r="http://schemas.openxmlformats.org/officeDocument/2006/relationships" xmlns:p="http://schemas.openxmlformats.org/presentationml/2006/main">
+  <p:cSld>
+    <p:spTree>
+      <p:nvGrpSpPr>
+        <p:cNvPr id="1" name=""/>
+        <p:cNvGrpSpPr/>
+        <p:nvPr/>
+      </p:nvGrpSpPr>
+      <p:grpSpPr>
+        <a:xfrm>
+          <a:off x="0" y="0"/>
+          <a:ext cx="0" cy="0"/>
+          <a:chOff x="0" y="0"/>
+          <a:chExt cx="0" cy="0"/>
+        </a:xfrm>
+      </p:grpSpPr>
+      <p:sp>
+        <p:nvSpPr>
+          <p:cNvPr id="2" name="Title 1">
+            <a:extLst>
+              <a:ext uri="{FF2B5EF4-FFF2-40B4-BE49-F238E27FC236}">
+                <a16:creationId xmlns:a16="http://schemas.microsoft.com/office/drawing/2014/main" id="{A272B085-3DD3-0715-DDB0-3C49066C2915}"/>
+              </a:ext>
+            </a:extLst>
+          </p:cNvPr>
+          <p:cNvSpPr>
+            <a:spLocks noGrp="1"/>
+          </p:cNvSpPr>
+          <p:nvPr>
+            <p:ph type="title"/>
+          </p:nvPr>
+        </p:nvSpPr>
+        <p:spPr/>
+        <p:txBody>
+          <a:bodyPr/>
+          <a:lstStyle/>
+          <a:p>
+            <a:r>
+              <a:rPr lang="en-CN" dirty="0"/>
+              <a:t>七</a:t>
+            </a:r>
+            <a:r>
+              <a:rPr lang="en-US" altLang="zh-CN" dirty="0"/>
+              <a:t>.</a:t>
+            </a:r>
+            <a:r>
+              <a:rPr lang="zh-CN" altLang="en-US" dirty="0"/>
+              <a:t> </a:t>
+            </a:r>
+            <a:r>
+              <a:rPr lang="en-CN" dirty="0"/>
+              <a:t>Merge</a:t>
+            </a:r>
+          </a:p>
+        </p:txBody>
+      </p:sp>
+      <p:sp>
+        <p:nvSpPr>
+          <p:cNvPr id="3" name="Content Placeholder 2">
+            <a:extLst>
+              <a:ext uri="{FF2B5EF4-FFF2-40B4-BE49-F238E27FC236}">
+                <a16:creationId xmlns:a16="http://schemas.microsoft.com/office/drawing/2014/main" id="{4C8B0EEE-73C5-A948-9129-C46D33AAC3B7}"/>
+              </a:ext>
+            </a:extLst>
+          </p:cNvPr>
+          <p:cNvSpPr>
+            <a:spLocks noGrp="1"/>
+          </p:cNvSpPr>
+          <p:nvPr>
+            <p:ph idx="1"/>
+          </p:nvPr>
+        </p:nvSpPr>
+        <p:spPr/>
+        <p:txBody>
+          <a:bodyPr/>
+          <a:lstStyle/>
+          <a:p>
+            <a:r>
+              <a:rPr lang="en-CN" dirty="0"/>
+              <a:t>目的</a:t>
+            </a:r>
+          </a:p>
+          <a:p>
+            <a:r>
+              <a:rPr lang="en-CN" dirty="0"/>
+              <a:t>Merge</a:t>
+            </a:r>
+            <a:r>
+              <a:rPr lang="en-US" altLang="zh-CN" dirty="0"/>
+              <a:t>Policy</a:t>
+            </a:r>
+          </a:p>
+          <a:p>
+            <a:r>
+              <a:rPr lang="en-CN" dirty="0"/>
+              <a:t>并发处理</a:t>
+            </a:r>
+          </a:p>
+        </p:txBody>
+      </p:sp>
+    </p:spTree>
+    <p:extLst>
+      <p:ext uri="{BB962C8B-B14F-4D97-AF65-F5344CB8AC3E}">
+        <p14:creationId xmlns:p14="http://schemas.microsoft.com/office/powerpoint/2010/main" val="2928418882"/>
+      </p:ext>
+    </p:extLst>
+  </p:cSld>
+  <p:clrMapOvr>
+    <a:masterClrMapping/>
+  </p:clrMapOvr>
+</p:sld>
+</file>
+
+<file path=ppt/slides/slide15.xml><?xml version="1.0" encoding="utf-8"?>
+<p:sld xmlns:a="http://schemas.openxmlformats.org/drawingml/2006/main" xmlns:r="http://schemas.openxmlformats.org/officeDocument/2006/relationships" xmlns:p="http://schemas.openxmlformats.org/presentationml/2006/main">
+  <p:cSld>
+    <p:spTree>
+      <p:nvGrpSpPr>
+        <p:cNvPr id="1" name=""/>
+        <p:cNvGrpSpPr/>
+        <p:nvPr/>
+      </p:nvGrpSpPr>
+      <p:grpSpPr>
+        <a:xfrm>
+          <a:off x="0" y="0"/>
+          <a:ext cx="0" cy="0"/>
+          <a:chOff x="0" y="0"/>
+          <a:chExt cx="0" cy="0"/>
+        </a:xfrm>
+      </p:grpSpPr>
+      <p:sp>
+        <p:nvSpPr>
+          <p:cNvPr id="2" name="Title 1">
+            <a:extLst>
+              <a:ext uri="{FF2B5EF4-FFF2-40B4-BE49-F238E27FC236}">
                 <a16:creationId xmlns:a16="http://schemas.microsoft.com/office/drawing/2014/main" id="{70843433-E35D-4D83-F5C8-E8B73062DB80}"/>
               </a:ext>
             </a:extLst>
@@ -4004,7 +5540,7 @@
 </p:sld>
 </file>
 
-<file path=ppt/slides/slide11.xml><?xml version="1.0" encoding="utf-8"?>
+<file path=ppt/slides/slide16.xml><?xml version="1.0" encoding="utf-8"?>
 <p:sld xmlns:a="http://schemas.openxmlformats.org/drawingml/2006/main" xmlns:r="http://schemas.openxmlformats.org/officeDocument/2006/relationships" xmlns:p="http://schemas.openxmlformats.org/presentationml/2006/main">
   <p:cSld>
     <p:spTree>
@@ -4136,6 +5672,18 @@
           <a:lstStyle/>
           <a:p>
             <a:r>
+              <a:rPr lang="en-US" dirty="0" err="1"/>
+              <a:t>一</a:t>
+            </a:r>
+            <a:r>
+              <a:rPr lang="en-US" altLang="zh-CN" dirty="0"/>
+              <a:t>.</a:t>
+            </a:r>
+            <a:r>
+              <a:rPr lang="zh-CN" altLang="en-US" dirty="0"/>
+              <a:t> </a:t>
+            </a:r>
+            <a:r>
               <a:rPr lang="en-US" dirty="0"/>
               <a:t>L</a:t>
             </a:r>
@@ -4147,11 +5695,35 @@
           <a:p>
             <a:r>
               <a:rPr lang="en-US" dirty="0" err="1"/>
+              <a:t>二</a:t>
+            </a:r>
+            <a:r>
+              <a:rPr lang="en-US" altLang="zh-CN" dirty="0"/>
+              <a:t>.</a:t>
+            </a:r>
+            <a:r>
+              <a:rPr lang="zh-CN" altLang="en-US" dirty="0"/>
+              <a:t> </a:t>
+            </a:r>
+            <a:r>
+              <a:rPr lang="en-US" dirty="0" err="1"/>
               <a:t>背景知识</a:t>
             </a:r>
             <a:endParaRPr lang="en-CN" dirty="0"/>
           </a:p>
           <a:p>
+            <a:r>
+              <a:rPr lang="en-US" dirty="0" err="1"/>
+              <a:t>三</a:t>
+            </a:r>
+            <a:r>
+              <a:rPr lang="en-US" altLang="zh-CN" dirty="0"/>
+              <a:t>.</a:t>
+            </a:r>
+            <a:r>
+              <a:rPr lang="zh-CN" altLang="en-US" dirty="0"/>
+              <a:t> </a:t>
+            </a:r>
             <a:r>
               <a:rPr lang="en-US" dirty="0" err="1"/>
               <a:t>索引流程</a:t>
@@ -4165,23 +5737,75 @@
           <a:p>
             <a:r>
               <a:rPr lang="en-US" dirty="0" err="1"/>
+              <a:t>四</a:t>
+            </a:r>
+            <a:r>
+              <a:rPr lang="en-US" altLang="zh-CN" dirty="0"/>
+              <a:t>.</a:t>
+            </a:r>
+            <a:r>
+              <a:rPr lang="zh-CN" altLang="en-US" dirty="0"/>
+              <a:t> </a:t>
+            </a:r>
+            <a:r>
+              <a:rPr lang="en-US" dirty="0" err="1"/>
               <a:t>文档的增删改</a:t>
             </a:r>
             <a:endParaRPr lang="en-US" dirty="0"/>
           </a:p>
           <a:p>
             <a:r>
+              <a:rPr lang="en-US" dirty="0" err="1"/>
+              <a:t>五</a:t>
+            </a:r>
+            <a:r>
+              <a:rPr lang="en-US" altLang="zh-CN" dirty="0"/>
+              <a:t>.</a:t>
+            </a:r>
+            <a:r>
+              <a:rPr lang="zh-CN" altLang="en-US" dirty="0"/>
+              <a:t> </a:t>
+            </a:r>
+            <a:r>
+              <a:rPr lang="en-US" altLang="zh-CN" dirty="0"/>
+              <a:t>F</a:t>
+            </a:r>
+            <a:r>
               <a:rPr lang="en-US" dirty="0"/>
-              <a:t>Flush</a:t>
-            </a:r>
-          </a:p>
-          <a:p>
+              <a:t>lush</a:t>
+            </a:r>
+          </a:p>
+          <a:p>
+            <a:r>
+              <a:rPr lang="en-US" dirty="0" err="1"/>
+              <a:t>六</a:t>
+            </a:r>
+            <a:r>
+              <a:rPr lang="en-US" altLang="zh-CN" dirty="0"/>
+              <a:t>.</a:t>
+            </a:r>
+            <a:r>
+              <a:rPr lang="zh-CN" altLang="en-US" dirty="0"/>
+              <a:t> </a:t>
+            </a:r>
             <a:r>
               <a:rPr lang="en-US" dirty="0"/>
               <a:t>Commit</a:t>
             </a:r>
           </a:p>
           <a:p>
+            <a:r>
+              <a:rPr lang="en-US" dirty="0" err="1"/>
+              <a:t>七</a:t>
+            </a:r>
+            <a:r>
+              <a:rPr lang="en-US" altLang="zh-CN" dirty="0"/>
+              <a:t>.</a:t>
+            </a:r>
+            <a:r>
+              <a:rPr lang="zh-CN" altLang="en-US" dirty="0"/>
+              <a:t> </a:t>
+            </a:r>
             <a:r>
               <a:rPr lang="en-US" dirty="0"/>
               <a:t>Merge</a:t>
@@ -4252,6 +5876,18 @@
           <a:lstStyle/>
           <a:p>
             <a:r>
+              <a:rPr lang="en-US" dirty="0" err="1"/>
+              <a:t>一</a:t>
+            </a:r>
+            <a:r>
+              <a:rPr lang="en-US" altLang="zh-CN" dirty="0"/>
+              <a:t>.</a:t>
+            </a:r>
+            <a:r>
+              <a:rPr lang="zh-CN" altLang="en-US" dirty="0"/>
+              <a:t> </a:t>
+            </a:r>
+            <a:r>
               <a:rPr lang="en-CN" dirty="0"/>
               <a:t>Lucene和Elasticsearch</a:t>
             </a:r>
@@ -4354,6 +5990,18 @@
           <a:lstStyle/>
           <a:p>
             <a:r>
+              <a:rPr lang="en-US" dirty="0" err="1"/>
+              <a:t>二</a:t>
+            </a:r>
+            <a:r>
+              <a:rPr lang="en-US" altLang="zh-CN" dirty="0"/>
+              <a:t>.</a:t>
+            </a:r>
+            <a:r>
+              <a:rPr lang="zh-CN" altLang="en-US" dirty="0"/>
+              <a:t> </a:t>
+            </a:r>
+            <a:r>
               <a:rPr lang="en-CN" dirty="0"/>
               <a:t>背景知识</a:t>
             </a:r>
@@ -4462,63 +6110,72 @@
               <a:rPr lang="en-US" altLang="zh-CN" dirty="0" err="1"/>
               <a:t>docValue</a:t>
             </a:r>
+            <a:endParaRPr lang="en-US" altLang="zh-CN" dirty="0"/>
+          </a:p>
+          <a:p>
+            <a:r>
+              <a:rPr lang="en-US" altLang="zh-CN" dirty="0"/>
+              <a:t>Roaring</a:t>
+            </a:r>
+            <a:r>
+              <a:rPr lang="zh-CN" altLang="en-US" dirty="0"/>
+              <a:t> </a:t>
+            </a:r>
+            <a:r>
+              <a:rPr lang="en-US" altLang="zh-CN" dirty="0"/>
+              <a:t>Bitmap</a:t>
+            </a:r>
             <a:r>
               <a:rPr lang="zh-CN" altLang="en-US" dirty="0"/>
               <a:t>，</a:t>
             </a:r>
             <a:r>
+              <a:rPr lang="en-CN" dirty="0"/>
+              <a:t>差值存储</a:t>
+            </a:r>
+            <a:r>
+              <a:rPr lang="zh-CN" altLang="en-US" dirty="0"/>
+              <a:t>，</a:t>
+            </a:r>
+            <a:r>
+              <a:rPr lang="en-CN" dirty="0"/>
+              <a:t>跳表</a:t>
+            </a:r>
+            <a:r>
+              <a:rPr lang="zh-CN" altLang="en-US" dirty="0"/>
+              <a:t>，</a:t>
+            </a:r>
+            <a:r>
               <a:rPr lang="en-US" altLang="zh-CN" dirty="0"/>
-              <a:t>point</a:t>
-            </a:r>
-          </a:p>
-          <a:p>
+              <a:t>FST</a:t>
+            </a:r>
+            <a:r>
+              <a:rPr lang="zh-CN" altLang="en-US" dirty="0"/>
+              <a:t>，</a:t>
+            </a:r>
+            <a:r>
+              <a:rPr lang="en-US" altLang="zh-CN" dirty="0" err="1"/>
+              <a:t>ByteRefHash</a:t>
+            </a:r>
             <a:r>
               <a:rPr lang="en-US" altLang="zh-CN" dirty="0"/>
-              <a:t>Roaring</a:t>
+              <a:t>,</a:t>
             </a:r>
             <a:r>
               <a:rPr lang="zh-CN" altLang="en-US" dirty="0"/>
               <a:t> </a:t>
             </a:r>
             <a:r>
-              <a:rPr lang="en-US" altLang="zh-CN" dirty="0"/>
-              <a:t>Bitmap</a:t>
+              <a:rPr lang="en-US" altLang="zh-CN" dirty="0" err="1"/>
+              <a:t>ByteBlockPool</a:t>
             </a:r>
             <a:r>
               <a:rPr lang="zh-CN" altLang="en-US" dirty="0"/>
               <a:t>，</a:t>
             </a:r>
             <a:r>
-              <a:rPr lang="en-CN" dirty="0"/>
-              <a:t>差值存储</a:t>
-            </a:r>
-            <a:r>
-              <a:rPr lang="zh-CN" altLang="en-US" dirty="0"/>
-              <a:t>，</a:t>
-            </a:r>
-            <a:r>
-              <a:rPr lang="en-CN" dirty="0"/>
-              <a:t>跳表</a:t>
-            </a:r>
-            <a:r>
-              <a:rPr lang="zh-CN" altLang="en-US" dirty="0"/>
-              <a:t>，</a:t>
-            </a:r>
-            <a:r>
               <a:rPr lang="en-US" altLang="zh-CN" dirty="0"/>
-              <a:t>FST</a:t>
-            </a:r>
-            <a:r>
-              <a:rPr lang="zh-CN" altLang="en-US" dirty="0"/>
-              <a:t>，</a:t>
-            </a:r>
-            <a:r>
-              <a:rPr lang="en-US" altLang="zh-CN" dirty="0" err="1"/>
-              <a:t>ByteRefHash</a:t>
-            </a:r>
-            <a:r>
-              <a:rPr lang="en-US" altLang="zh-CN" dirty="0"/>
-              <a:t>,</a:t>
+              <a:t>Directory,</a:t>
             </a:r>
             <a:r>
               <a:rPr lang="zh-CN" altLang="en-US" dirty="0"/>
@@ -4526,61 +6183,35 @@
             </a:r>
             <a:r>
               <a:rPr lang="en-US" altLang="zh-CN" dirty="0" err="1"/>
-              <a:t>ByteBlockPool</a:t>
-            </a:r>
-            <a:r>
-              <a:rPr lang="zh-CN" altLang="en-US" dirty="0"/>
-              <a:t>，</a:t>
+              <a:t>RamUsageEstimator</a:t>
             </a:r>
             <a:r>
               <a:rPr lang="en-US" altLang="zh-CN" dirty="0"/>
-              <a:t>Directory,</a:t>
+              <a:t>, </a:t>
+            </a:r>
+            <a:r>
+              <a:rPr lang="en-US" altLang="zh-CN" dirty="0" err="1"/>
+              <a:t>IndexedDISI</a:t>
+            </a:r>
+            <a:endParaRPr lang="en-US" altLang="zh-CN" dirty="0"/>
+          </a:p>
+          <a:p>
+            <a:r>
+              <a:rPr lang="en-US" altLang="zh-CN" dirty="0"/>
+              <a:t>Page</a:t>
             </a:r>
             <a:r>
               <a:rPr lang="zh-CN" altLang="en-US" dirty="0"/>
               <a:t> </a:t>
             </a:r>
             <a:r>
-              <a:rPr lang="en-US" altLang="zh-CN" dirty="0" err="1"/>
-              <a:t>RamUsageEstimator</a:t>
-            </a:r>
-            <a:r>
               <a:rPr lang="en-US" altLang="zh-CN" dirty="0"/>
-              <a:t>, </a:t>
-            </a:r>
-            <a:r>
-              <a:rPr lang="en-US" altLang="zh-CN" dirty="0" err="1"/>
-              <a:t>IndexedDISI</a:t>
-            </a:r>
-            <a:endParaRPr lang="en-US" altLang="zh-CN" dirty="0"/>
-          </a:p>
-          <a:p>
+              <a:t>Cache/</a:t>
+            </a:r>
             <a:r>
               <a:rPr lang="en-CN" dirty="0"/>
               <a:t>缓冲区高速缓存</a:t>
             </a:r>
-            <a:r>
-              <a:rPr lang="en-US" altLang="zh-CN" dirty="0"/>
-              <a:t>/</a:t>
-            </a:r>
-            <a:r>
-              <a:rPr lang="en-CN" dirty="0"/>
-              <a:t>内核缓冲</a:t>
-            </a:r>
-            <a:r>
-              <a:rPr lang="en-US" altLang="zh-CN" dirty="0"/>
-              <a:t>/Page</a:t>
-            </a:r>
-            <a:r>
-              <a:rPr lang="zh-CN" altLang="en-US" dirty="0"/>
-              <a:t> </a:t>
-            </a:r>
-            <a:r>
-              <a:rPr lang="en-US" altLang="zh-CN" dirty="0"/>
-              <a:t>Cache</a:t>
-            </a:r>
-          </a:p>
-          <a:p>
             <a:endParaRPr lang="en-US" altLang="zh-CN" dirty="0"/>
           </a:p>
           <a:p>
@@ -4626,7 +6257,7 @@
           <p:cNvPr id="2" name="Title 1">
             <a:extLst>
               <a:ext uri="{FF2B5EF4-FFF2-40B4-BE49-F238E27FC236}">
-                <a16:creationId xmlns:a16="http://schemas.microsoft.com/office/drawing/2014/main" id="{7AAE0CA5-A092-2D71-F551-9E2C13A30028}"/>
+                <a16:creationId xmlns:a16="http://schemas.microsoft.com/office/drawing/2014/main" id="{1034392A-874D-F74C-F339-B04A45878F2F}"/>
               </a:ext>
             </a:extLst>
           </p:cNvPr>
@@ -4644,7 +6275,7 @@
           <a:p>
             <a:r>
               <a:rPr lang="en-CN" dirty="0"/>
-              <a:t>索引流程Overall</a:t>
+              <a:t>日志结构存储与面向页存储</a:t>
             </a:r>
           </a:p>
         </p:txBody>
@@ -4654,7 +6285,7 @@
           <p:cNvPr id="3" name="Content Placeholder 2">
             <a:extLst>
               <a:ext uri="{FF2B5EF4-FFF2-40B4-BE49-F238E27FC236}">
-                <a16:creationId xmlns:a16="http://schemas.microsoft.com/office/drawing/2014/main" id="{6D554D43-AAAF-E8DB-1FDB-9D9F2C8D388C}"/>
+                <a16:creationId xmlns:a16="http://schemas.microsoft.com/office/drawing/2014/main" id="{4CDADAAE-B8CE-118A-272F-3E4EE36CAD9F}"/>
               </a:ext>
             </a:extLst>
           </p:cNvPr>
@@ -4670,39 +6301,14 @@
           <a:bodyPr/>
           <a:lstStyle/>
           <a:p>
-            <a:r>
-              <a:rPr lang="en-CN" dirty="0"/>
-              <a:t>整体索引流程</a:t>
-            </a:r>
-          </a:p>
-          <a:p>
-            <a:r>
-              <a:rPr lang="en-CN" dirty="0"/>
-              <a:t>主要类</a:t>
-            </a:r>
-            <a:r>
-              <a:rPr lang="zh-CN" altLang="en-US" dirty="0"/>
-              <a:t>，</a:t>
-            </a:r>
-            <a:r>
-              <a:rPr lang="en-CN" dirty="0"/>
-              <a:t>类图</a:t>
-            </a:r>
-            <a:r>
-              <a:rPr lang="zh-CN" altLang="en-US" dirty="0"/>
-              <a:t>，</a:t>
-            </a:r>
-            <a:r>
-              <a:rPr lang="en-CN" dirty="0"/>
-              <a:t>时序图</a:t>
-            </a:r>
+            <a:endParaRPr lang="en-CN" dirty="0"/>
           </a:p>
         </p:txBody>
       </p:sp>
     </p:spTree>
     <p:extLst>
       <p:ext uri="{BB962C8B-B14F-4D97-AF65-F5344CB8AC3E}">
-        <p14:creationId xmlns:p14="http://schemas.microsoft.com/office/powerpoint/2010/main" val="2946477913"/>
+        <p14:creationId xmlns:p14="http://schemas.microsoft.com/office/powerpoint/2010/main" val="2932797956"/>
       </p:ext>
     </p:extLst>
   </p:cSld>
@@ -4734,7 +6340,7 @@
           <p:cNvPr id="2" name="Title 1">
             <a:extLst>
               <a:ext uri="{FF2B5EF4-FFF2-40B4-BE49-F238E27FC236}">
-                <a16:creationId xmlns:a16="http://schemas.microsoft.com/office/drawing/2014/main" id="{0A5B9273-BCDE-C13B-17D3-FDF93EC1031D}"/>
+                <a16:creationId xmlns:a16="http://schemas.microsoft.com/office/drawing/2014/main" id="{2A2292A8-0240-2CA9-29F4-C039317535DE}"/>
               </a:ext>
             </a:extLst>
           </p:cNvPr>
@@ -4752,8 +6358,41 @@
           <a:p>
             <a:r>
               <a:rPr lang="en-CN" dirty="0"/>
-              <a:t>文档的增删改</a:t>
-            </a:r>
+              <a:t>索引</a:t>
+            </a:r>
+            <a:r>
+              <a:rPr lang="zh-CN" altLang="en-US" dirty="0"/>
+              <a:t>，</a:t>
+            </a:r>
+            <a:r>
+              <a:rPr lang="en-US" dirty="0" err="1"/>
+              <a:t>段</a:t>
+            </a:r>
+            <a:r>
+              <a:rPr lang="zh-CN" altLang="en-US" dirty="0"/>
+              <a:t>，</a:t>
+            </a:r>
+            <a:r>
+              <a:rPr lang="en-US" dirty="0" err="1"/>
+              <a:t>文档</a:t>
+            </a:r>
+            <a:r>
+              <a:rPr lang="zh-CN" altLang="en-US" dirty="0"/>
+              <a:t>，</a:t>
+            </a:r>
+            <a:r>
+              <a:rPr lang="en-US" dirty="0" err="1"/>
+              <a:t>域</a:t>
+            </a:r>
+            <a:r>
+              <a:rPr lang="zh-CN" altLang="en-US" dirty="0"/>
+              <a:t>，</a:t>
+            </a:r>
+            <a:r>
+              <a:rPr lang="en-US" dirty="0" err="1"/>
+              <a:t>词项</a:t>
+            </a:r>
+            <a:endParaRPr lang="en-CN" dirty="0"/>
           </a:p>
         </p:txBody>
       </p:sp>
@@ -4762,7 +6401,7 @@
           <p:cNvPr id="3" name="Content Placeholder 2">
             <a:extLst>
               <a:ext uri="{FF2B5EF4-FFF2-40B4-BE49-F238E27FC236}">
-                <a16:creationId xmlns:a16="http://schemas.microsoft.com/office/drawing/2014/main" id="{1BE4D641-4B3A-A443-0655-63E811FC1F35}"/>
+                <a16:creationId xmlns:a16="http://schemas.microsoft.com/office/drawing/2014/main" id="{D0FA681D-F0EB-3CCF-65CE-4C20F3F5A3A9}"/>
               </a:ext>
             </a:extLst>
           </p:cNvPr>
@@ -4778,41 +6417,14 @@
           <a:bodyPr/>
           <a:lstStyle/>
           <a:p>
-            <a:r>
-              <a:rPr lang="en-CN" dirty="0"/>
-              <a:t>接口</a:t>
-            </a:r>
-          </a:p>
-          <a:p>
-            <a:r>
-              <a:rPr lang="en-CN" dirty="0"/>
-              <a:t>增加</a:t>
-            </a:r>
-          </a:p>
-          <a:p>
-            <a:r>
-              <a:rPr lang="en-CN" dirty="0"/>
-              <a:t>删除</a:t>
-            </a:r>
-          </a:p>
-          <a:p>
-            <a:r>
-              <a:rPr lang="en-CN" dirty="0"/>
-              <a:t>更新</a:t>
-            </a:r>
-          </a:p>
-          <a:p>
-            <a:r>
-              <a:rPr lang="en-CN" dirty="0"/>
-              <a:t>对并发的处理</a:t>
-            </a:r>
+            <a:endParaRPr lang="en-CN" dirty="0"/>
           </a:p>
         </p:txBody>
       </p:sp>
     </p:spTree>
     <p:extLst>
       <p:ext uri="{BB962C8B-B14F-4D97-AF65-F5344CB8AC3E}">
-        <p14:creationId xmlns:p14="http://schemas.microsoft.com/office/powerpoint/2010/main" val="675062387"/>
+        <p14:creationId xmlns:p14="http://schemas.microsoft.com/office/powerpoint/2010/main" val="4144276880"/>
       </p:ext>
     </p:extLst>
   </p:cSld>
@@ -4844,7 +6456,7 @@
           <p:cNvPr id="2" name="Title 1">
             <a:extLst>
               <a:ext uri="{FF2B5EF4-FFF2-40B4-BE49-F238E27FC236}">
-                <a16:creationId xmlns:a16="http://schemas.microsoft.com/office/drawing/2014/main" id="{FF687820-FF18-3053-15FE-55BCEA685EF3}"/>
+                <a16:creationId xmlns:a16="http://schemas.microsoft.com/office/drawing/2014/main" id="{397D21D4-F693-7CA1-B82E-F14A23FC6948}"/>
               </a:ext>
             </a:extLst>
           </p:cNvPr>
@@ -4857,13 +6469,59 @@
         </p:nvSpPr>
         <p:spPr/>
         <p:txBody>
-          <a:bodyPr/>
+          <a:bodyPr>
+            <a:normAutofit fontScale="90000"/>
+          </a:bodyPr>
           <a:lstStyle/>
           <a:p>
             <a:r>
-              <a:rPr lang="en-CN" dirty="0"/>
-              <a:t>Flush</a:t>
-            </a:r>
+              <a:rPr lang="en-US" altLang="zh-CN" dirty="0"/>
+              <a:t>Postings,</a:t>
+            </a:r>
+            <a:r>
+              <a:rPr lang="zh-CN" altLang="en-US" dirty="0"/>
+              <a:t> </a:t>
+            </a:r>
+            <a:r>
+              <a:rPr lang="en-US" altLang="zh-CN" dirty="0" err="1"/>
+              <a:t>termVector</a:t>
+            </a:r>
+            <a:r>
+              <a:rPr lang="en-US" altLang="zh-CN" dirty="0"/>
+              <a:t>,</a:t>
+            </a:r>
+            <a:r>
+              <a:rPr lang="zh-CN" altLang="en-US" dirty="0"/>
+              <a:t> </a:t>
+            </a:r>
+            <a:r>
+              <a:rPr lang="en-US" altLang="zh-CN" dirty="0" err="1"/>
+              <a:t>storedField</a:t>
+            </a:r>
+            <a:r>
+              <a:rPr lang="en-US" altLang="zh-CN" dirty="0"/>
+              <a:t>,</a:t>
+            </a:r>
+            <a:r>
+              <a:rPr lang="zh-CN" altLang="en-US" dirty="0"/>
+              <a:t> </a:t>
+            </a:r>
+            <a:r>
+              <a:rPr lang="en-US" altLang="zh-CN" dirty="0"/>
+              <a:t>norm,</a:t>
+            </a:r>
+            <a:r>
+              <a:rPr lang="zh-CN" altLang="en-US" dirty="0"/>
+              <a:t> </a:t>
+            </a:r>
+            <a:r>
+              <a:rPr lang="en-US" altLang="zh-CN" dirty="0" err="1"/>
+              <a:t>docValue</a:t>
+            </a:r>
+            <a:br>
+              <a:rPr lang="en-US" altLang="zh-CN" dirty="0"/>
+            </a:br>
+            <a:endParaRPr lang="en-CN" dirty="0"/>
           </a:p>
         </p:txBody>
       </p:sp>
@@ -4872,7 +6530,7 @@
           <p:cNvPr id="3" name="Content Placeholder 2">
             <a:extLst>
               <a:ext uri="{FF2B5EF4-FFF2-40B4-BE49-F238E27FC236}">
-                <a16:creationId xmlns:a16="http://schemas.microsoft.com/office/drawing/2014/main" id="{2E946DE1-F804-E053-564C-B27D349BD112}"/>
+                <a16:creationId xmlns:a16="http://schemas.microsoft.com/office/drawing/2014/main" id="{AAB0F945-458A-EF45-842A-81A548563EBD}"/>
               </a:ext>
             </a:extLst>
           </p:cNvPr>
@@ -4888,29 +6546,14 @@
           <a:bodyPr/>
           <a:lstStyle/>
           <a:p>
-            <a:r>
-              <a:rPr lang="en-CN" dirty="0"/>
-              <a:t>目的</a:t>
-            </a:r>
-          </a:p>
-          <a:p>
-            <a:r>
-              <a:rPr lang="en-CN" dirty="0"/>
-              <a:t>自动flush</a:t>
-            </a:r>
-          </a:p>
-          <a:p>
-            <a:r>
-              <a:rPr lang="en-CN" dirty="0"/>
-              <a:t>主动flush</a:t>
-            </a:r>
+            <a:endParaRPr lang="en-CN"/>
           </a:p>
         </p:txBody>
       </p:sp>
     </p:spTree>
     <p:extLst>
       <p:ext uri="{BB962C8B-B14F-4D97-AF65-F5344CB8AC3E}">
-        <p14:creationId xmlns:p14="http://schemas.microsoft.com/office/powerpoint/2010/main" val="2905025543"/>
+        <p14:creationId xmlns:p14="http://schemas.microsoft.com/office/powerpoint/2010/main" val="362500428"/>
       </p:ext>
     </p:extLst>
   </p:cSld>
@@ -4942,7 +6585,7 @@
           <p:cNvPr id="2" name="Title 1">
             <a:extLst>
               <a:ext uri="{FF2B5EF4-FFF2-40B4-BE49-F238E27FC236}">
-                <a16:creationId xmlns:a16="http://schemas.microsoft.com/office/drawing/2014/main" id="{E030BB32-A08F-3526-113E-854A0C2F711C}"/>
+                <a16:creationId xmlns:a16="http://schemas.microsoft.com/office/drawing/2014/main" id="{15E2B881-9091-59C2-AD52-F3BB1506310D}"/>
               </a:ext>
             </a:extLst>
           </p:cNvPr>
@@ -4955,13 +6598,95 @@
         </p:nvSpPr>
         <p:spPr/>
         <p:txBody>
-          <a:bodyPr/>
+          <a:bodyPr>
+            <a:normAutofit fontScale="90000"/>
+          </a:bodyPr>
           <a:lstStyle/>
           <a:p>
             <a:r>
+              <a:rPr lang="en-US" altLang="zh-CN" dirty="0"/>
+              <a:t>Roaring</a:t>
+            </a:r>
+            <a:r>
+              <a:rPr lang="zh-CN" altLang="en-US" dirty="0"/>
+              <a:t> </a:t>
+            </a:r>
+            <a:r>
+              <a:rPr lang="en-US" altLang="zh-CN" dirty="0"/>
+              <a:t>Bitmap</a:t>
+            </a:r>
+            <a:r>
+              <a:rPr lang="zh-CN" altLang="en-US" dirty="0"/>
+              <a:t>，</a:t>
+            </a:r>
+            <a:r>
               <a:rPr lang="en-CN" dirty="0"/>
-              <a:t>Commit</a:t>
-            </a:r>
+              <a:t>差值存储</a:t>
+            </a:r>
+            <a:r>
+              <a:rPr lang="zh-CN" altLang="en-US" dirty="0"/>
+              <a:t>，</a:t>
+            </a:r>
+            <a:r>
+              <a:rPr lang="en-CN" dirty="0"/>
+              <a:t>跳表</a:t>
+            </a:r>
+            <a:r>
+              <a:rPr lang="zh-CN" altLang="en-US" dirty="0"/>
+              <a:t>，</a:t>
+            </a:r>
+            <a:r>
+              <a:rPr lang="en-US" altLang="zh-CN" dirty="0"/>
+              <a:t>FST</a:t>
+            </a:r>
+            <a:r>
+              <a:rPr lang="zh-CN" altLang="en-US" dirty="0"/>
+              <a:t>，</a:t>
+            </a:r>
+            <a:r>
+              <a:rPr lang="en-US" altLang="zh-CN" dirty="0" err="1"/>
+              <a:t>ByteRefHash</a:t>
+            </a:r>
+            <a:r>
+              <a:rPr lang="en-US" altLang="zh-CN" dirty="0"/>
+              <a:t>,</a:t>
+            </a:r>
+            <a:r>
+              <a:rPr lang="zh-CN" altLang="en-US" dirty="0"/>
+              <a:t> </a:t>
+            </a:r>
+            <a:r>
+              <a:rPr lang="en-US" altLang="zh-CN" dirty="0" err="1"/>
+              <a:t>ByteBlockPool</a:t>
+            </a:r>
+            <a:r>
+              <a:rPr lang="zh-CN" altLang="en-US" dirty="0"/>
+              <a:t>，</a:t>
+            </a:r>
+            <a:r>
+              <a:rPr lang="en-US" altLang="zh-CN" dirty="0"/>
+              <a:t>Directory,</a:t>
+            </a:r>
+            <a:r>
+              <a:rPr lang="zh-CN" altLang="en-US" dirty="0"/>
+              <a:t> </a:t>
+            </a:r>
+            <a:r>
+              <a:rPr lang="en-US" altLang="zh-CN" dirty="0" err="1"/>
+              <a:t>RamUsageEstimator</a:t>
+            </a:r>
+            <a:r>
+              <a:rPr lang="en-US" altLang="zh-CN" dirty="0"/>
+              <a:t>, </a:t>
+            </a:r>
+            <a:r>
+              <a:rPr lang="en-US" altLang="zh-CN" dirty="0" err="1"/>
+              <a:t>IndexedDISI</a:t>
+            </a:r>
+            <a:br>
+              <a:rPr lang="en-US" altLang="zh-CN" dirty="0"/>
+            </a:br>
+            <a:endParaRPr lang="en-CN" dirty="0"/>
           </a:p>
         </p:txBody>
       </p:sp>
@@ -4970,7 +6695,7 @@
           <p:cNvPr id="3" name="Content Placeholder 2">
             <a:extLst>
               <a:ext uri="{FF2B5EF4-FFF2-40B4-BE49-F238E27FC236}">
-                <a16:creationId xmlns:a16="http://schemas.microsoft.com/office/drawing/2014/main" id="{86924E64-F0C6-FA0B-AA6E-78C22E25F687}"/>
+                <a16:creationId xmlns:a16="http://schemas.microsoft.com/office/drawing/2014/main" id="{8413F419-89FB-2F38-E7CD-F5BFCE6EAC12}"/>
               </a:ext>
             </a:extLst>
           </p:cNvPr>
@@ -4986,17 +6711,14 @@
           <a:bodyPr/>
           <a:lstStyle/>
           <a:p>
-            <a:r>
-              <a:rPr lang="en-CN" dirty="0"/>
-              <a:t>目的</a:t>
-            </a:r>
+            <a:endParaRPr lang="en-CN" dirty="0"/>
           </a:p>
         </p:txBody>
       </p:sp>
     </p:spTree>
     <p:extLst>
       <p:ext uri="{BB962C8B-B14F-4D97-AF65-F5344CB8AC3E}">
-        <p14:creationId xmlns:p14="http://schemas.microsoft.com/office/powerpoint/2010/main" val="894406781"/>
+        <p14:creationId xmlns:p14="http://schemas.microsoft.com/office/powerpoint/2010/main" val="4170745785"/>
       </p:ext>
     </p:extLst>
   </p:cSld>
@@ -5028,7 +6750,7 @@
           <p:cNvPr id="2" name="Title 1">
             <a:extLst>
               <a:ext uri="{FF2B5EF4-FFF2-40B4-BE49-F238E27FC236}">
-                <a16:creationId xmlns:a16="http://schemas.microsoft.com/office/drawing/2014/main" id="{A272B085-3DD3-0715-DDB0-3C49066C2915}"/>
+                <a16:creationId xmlns:a16="http://schemas.microsoft.com/office/drawing/2014/main" id="{10C10822-D805-36F3-8D2E-6C52118321B2}"/>
               </a:ext>
             </a:extLst>
           </p:cNvPr>
@@ -5045,9 +6767,18 @@
           <a:lstStyle/>
           <a:p>
             <a:r>
-              <a:rPr lang="en-CN" dirty="0"/>
-              <a:t>Merge</a:t>
-            </a:r>
+              <a:rPr lang="en-US" altLang="zh-CN" dirty="0"/>
+              <a:t>Page</a:t>
+            </a:r>
+            <a:r>
+              <a:rPr lang="zh-CN" altLang="en-US" dirty="0"/>
+              <a:t> </a:t>
+            </a:r>
+            <a:r>
+              <a:rPr lang="en-US" altLang="zh-CN" dirty="0"/>
+              <a:t>Cache</a:t>
+            </a:r>
+            <a:endParaRPr lang="en-CN" dirty="0"/>
           </a:p>
         </p:txBody>
       </p:sp>
@@ -5056,7 +6787,7 @@
           <p:cNvPr id="3" name="Content Placeholder 2">
             <a:extLst>
               <a:ext uri="{FF2B5EF4-FFF2-40B4-BE49-F238E27FC236}">
-                <a16:creationId xmlns:a16="http://schemas.microsoft.com/office/drawing/2014/main" id="{4C8B0EEE-73C5-A948-9129-C46D33AAC3B7}"/>
+                <a16:creationId xmlns:a16="http://schemas.microsoft.com/office/drawing/2014/main" id="{3ADB8DDF-9367-F185-EA69-C86CD71BD8CA}"/>
               </a:ext>
             </a:extLst>
           </p:cNvPr>
@@ -5073,32 +6804,136 @@
           <a:lstStyle/>
           <a:p>
             <a:r>
+              <a:rPr lang="en-US" dirty="0"/>
+              <a:t>R</a:t>
+            </a:r>
+            <a:r>
               <a:rPr lang="en-CN" dirty="0"/>
-              <a:t>目的</a:t>
-            </a:r>
-          </a:p>
-          <a:p>
-            <a:r>
-              <a:rPr lang="en-CN" dirty="0"/>
-              <a:t>Merge</a:t>
+              <a:t>ead</a:t>
             </a:r>
             <a:r>
               <a:rPr lang="en-US" altLang="zh-CN" dirty="0"/>
-              <a:t>Policy</a:t>
-            </a:r>
-          </a:p>
-          <a:p>
-            <a:r>
-              <a:rPr lang="en-CN" dirty="0"/>
-              <a:t>并发处理</a:t>
-            </a:r>
-          </a:p>
-        </p:txBody>
-      </p:sp>
+              <a:t>,</a:t>
+            </a:r>
+            <a:r>
+              <a:rPr lang="zh-CN" altLang="en-US" dirty="0"/>
+              <a:t> </a:t>
+            </a:r>
+            <a:r>
+              <a:rPr lang="en-US" altLang="zh-CN" dirty="0"/>
+              <a:t>Write</a:t>
+            </a:r>
+            <a:r>
+              <a:rPr lang="en-US" dirty="0"/>
+              <a:t> </a:t>
+            </a:r>
+            <a:r>
+              <a:rPr lang="en-US" dirty="0" err="1"/>
+              <a:t>系统调用</a:t>
+            </a:r>
+            <a:endParaRPr lang="en-US" dirty="0"/>
+          </a:p>
+          <a:p>
+            <a:r>
+              <a:rPr lang="en-US" altLang="zh-CN" dirty="0"/>
+              <a:t>Page</a:t>
+            </a:r>
+            <a:r>
+              <a:rPr lang="zh-CN" altLang="en-US" dirty="0"/>
+              <a:t> </a:t>
+            </a:r>
+            <a:r>
+              <a:rPr lang="en-US" altLang="zh-CN" dirty="0"/>
+              <a:t>Cache</a:t>
+            </a:r>
+          </a:p>
+          <a:p>
+            <a:r>
+              <a:rPr lang="en-US" dirty="0"/>
+              <a:t>Direct</a:t>
+            </a:r>
+            <a:r>
+              <a:rPr lang="zh-CN" altLang="en-US" dirty="0"/>
+              <a:t> </a:t>
+            </a:r>
+            <a:r>
+              <a:rPr lang="en-US" altLang="zh-CN" dirty="0"/>
+              <a:t>IO</a:t>
+            </a:r>
+          </a:p>
+          <a:p>
+            <a:r>
+              <a:rPr lang="en-US" dirty="0" err="1"/>
+              <a:t>Mmap</a:t>
+            </a:r>
+            <a:endParaRPr lang="en-CN" dirty="0"/>
+          </a:p>
+        </p:txBody>
+      </p:sp>
+      <p:pic>
+        <p:nvPicPr>
+          <p:cNvPr id="5" name="Picture 4">
+            <a:extLst>
+              <a:ext uri="{FF2B5EF4-FFF2-40B4-BE49-F238E27FC236}">
+                <a16:creationId xmlns:a16="http://schemas.microsoft.com/office/drawing/2014/main" id="{28CBCAF6-E322-7F6E-1872-F9247DC79474}"/>
+              </a:ext>
+            </a:extLst>
+          </p:cNvPr>
+          <p:cNvPicPr>
+            <a:picLocks noChangeAspect="1"/>
+          </p:cNvPicPr>
+          <p:nvPr/>
+        </p:nvPicPr>
+        <p:blipFill>
+          <a:blip r:embed="rId3"/>
+          <a:stretch>
+            <a:fillRect/>
+          </a:stretch>
+        </p:blipFill>
+        <p:spPr>
+          <a:xfrm>
+            <a:off x="7030717" y="3383017"/>
+            <a:ext cx="3789683" cy="3376378"/>
+          </a:xfrm>
+          <a:prstGeom prst="rect">
+            <a:avLst/>
+          </a:prstGeom>
+        </p:spPr>
+      </p:pic>
+      <p:pic>
+        <p:nvPicPr>
+          <p:cNvPr id="7" name="Picture 6">
+            <a:extLst>
+              <a:ext uri="{FF2B5EF4-FFF2-40B4-BE49-F238E27FC236}">
+                <a16:creationId xmlns:a16="http://schemas.microsoft.com/office/drawing/2014/main" id="{4F99A9E1-2A22-D9B6-994E-BC5967E09E9A}"/>
+              </a:ext>
+            </a:extLst>
+          </p:cNvPr>
+          <p:cNvPicPr>
+            <a:picLocks noChangeAspect="1"/>
+          </p:cNvPicPr>
+          <p:nvPr/>
+        </p:nvPicPr>
+        <p:blipFill>
+          <a:blip r:embed="rId4"/>
+          <a:stretch>
+            <a:fillRect/>
+          </a:stretch>
+        </p:blipFill>
+        <p:spPr>
+          <a:xfrm>
+            <a:off x="6369327" y="0"/>
+            <a:ext cx="5628301" cy="3268717"/>
+          </a:xfrm>
+          <a:prstGeom prst="rect">
+            <a:avLst/>
+          </a:prstGeom>
+        </p:spPr>
+      </p:pic>
     </p:spTree>
     <p:extLst>
       <p:ext uri="{BB962C8B-B14F-4D97-AF65-F5344CB8AC3E}">
-        <p14:creationId xmlns:p14="http://schemas.microsoft.com/office/powerpoint/2010/main" val="2928418882"/>
+        <p14:creationId xmlns:p14="http://schemas.microsoft.com/office/powerpoint/2010/main" val="2311666502"/>
       </p:ext>
     </p:extLst>
   </p:cSld>
@@ -5364,4 +7199,299 @@
     </a:ext>
   </a:extLst>
 </a:theme>
+</file>
+
+<file path=ppt/theme/theme2.xml><?xml version="1.0" encoding="utf-8"?>
+<a:theme xmlns:a="http://schemas.openxmlformats.org/drawingml/2006/main" name="Office Theme">
+  <a:themeElements>
+    <a:clrScheme name="Office">
+      <a:dk1>
+        <a:sysClr val="windowText" lastClr="000000"/>
+      </a:dk1>
+      <a:lt1>
+        <a:sysClr val="window" lastClr="FFFFFF"/>
+      </a:lt1>
+      <a:dk2>
+        <a:srgbClr val="44546A"/>
+      </a:dk2>
+      <a:lt2>
+        <a:srgbClr val="E7E6E6"/>
+      </a:lt2>
+      <a:accent1>
+        <a:srgbClr val="4472C4"/>
+      </a:accent1>
+      <a:accent2>
+        <a:srgbClr val="ED7D31"/>
+      </a:accent2>
+      <a:accent3>
+        <a:srgbClr val="A5A5A5"/>
+      </a:accent3>
+      <a:accent4>
+        <a:srgbClr val="FFC000"/>
+      </a:accent4>
+      <a:accent5>
+        <a:srgbClr val="5B9BD5"/>
+      </a:accent5>
+      <a:accent6>
+        <a:srgbClr val="70AD47"/>
+      </a:accent6>
+      <a:hlink>
+        <a:srgbClr val="0563C1"/>
+      </a:hlink>
+      <a:folHlink>
+        <a:srgbClr val="954F72"/>
+      </a:folHlink>
+    </a:clrScheme>
+    <a:fontScheme name="Office">
+      <a:majorFont>
+        <a:latin typeface="Calibri Light" panose="020F0302020204030204"/>
+        <a:ea typeface=""/>
+        <a:cs typeface=""/>
+        <a:font script="Jpan" typeface="游ゴシック Light"/>
+        <a:font script="Hang" typeface="맑은 고딕"/>
+        <a:font script="Hans" typeface="等线 Light"/>
+        <a:font script="Hant" typeface="新細明體"/>
+        <a:font script="Arab" typeface="Times New Roman"/>
+        <a:font script="Hebr" typeface="Times New Roman"/>
+        <a:font script="Thai" typeface="Angsana New"/>
+        <a:font script="Ethi" typeface="Nyala"/>
+        <a:font script="Beng" typeface="Vrinda"/>
+        <a:font script="Gujr" typeface="Shruti"/>
+        <a:font script="Khmr" typeface="MoolBoran"/>
+        <a:font script="Knda" typeface="Tunga"/>
+        <a:font script="Guru" typeface="Raavi"/>
+        <a:font script="Cans" typeface="Euphemia"/>
+        <a:font script="Cher" typeface="Plantagenet Cherokee"/>
+        <a:font script="Yiii" typeface="Microsoft Yi Baiti"/>
+        <a:font script="Tibt" typeface="Microsoft Himalaya"/>
+        <a:font script="Thaa" typeface="MV Boli"/>
+        <a:font script="Deva" typeface="Mangal"/>
+        <a:font script="Telu" typeface="Gautami"/>
+        <a:font script="Taml" typeface="Latha"/>
+        <a:font script="Syrc" typeface="Estrangelo Edessa"/>
+        <a:font script="Orya" typeface="Kalinga"/>
+        <a:font script="Mlym" typeface="Kartika"/>
+        <a:font script="Laoo" typeface="DokChampa"/>
+        <a:font script="Sinh" typeface="Iskoola Pota"/>
+        <a:font script="Mong" typeface="Mongolian Baiti"/>
+        <a:font script="Viet" typeface="Times New Roman"/>
+        <a:font script="Uigh" typeface="Microsoft Uighur"/>
+        <a:font script="Geor" typeface="Sylfaen"/>
+        <a:font script="Armn" typeface="Arial"/>
+        <a:font script="Bugi" typeface="Leelawadee UI"/>
+        <a:font script="Bopo" typeface="Microsoft JhengHei"/>
+        <a:font script="Java" typeface="Javanese Text"/>
+        <a:font script="Lisu" typeface="Segoe UI"/>
+        <a:font script="Mymr" typeface="Myanmar Text"/>
+        <a:font script="Nkoo" typeface="Ebrima"/>
+        <a:font script="Olck" typeface="Nirmala UI"/>
+        <a:font script="Osma" typeface="Ebrima"/>
+        <a:font script="Phag" typeface="Phagspa"/>
+        <a:font script="Syrn" typeface="Estrangelo Edessa"/>
+        <a:font script="Syrj" typeface="Estrangelo Edessa"/>
+        <a:font script="Syre" typeface="Estrangelo Edessa"/>
+        <a:font script="Sora" typeface="Nirmala UI"/>
+        <a:font script="Tale" typeface="Microsoft Tai Le"/>
+        <a:font script="Talu" typeface="Microsoft New Tai Lue"/>
+        <a:font script="Tfng" typeface="Ebrima"/>
+      </a:majorFont>
+      <a:minorFont>
+        <a:latin typeface="Calibri" panose="020F0502020204030204"/>
+        <a:ea typeface=""/>
+        <a:cs typeface=""/>
+        <a:font script="Jpan" typeface="游ゴシック"/>
+        <a:font script="Hang" typeface="맑은 고딕"/>
+        <a:font script="Hans" typeface="等线"/>
+        <a:font script="Hant" typeface="新細明體"/>
+        <a:font script="Arab" typeface="Arial"/>
+        <a:font script="Hebr" typeface="Arial"/>
+        <a:font script="Thai" typeface="Cordia New"/>
+        <a:font script="Ethi" typeface="Nyala"/>
+        <a:font script="Beng" typeface="Vrinda"/>
+        <a:font script="Gujr" typeface="Shruti"/>
+        <a:font script="Khmr" typeface="DaunPenh"/>
+        <a:font script="Knda" typeface="Tunga"/>
+        <a:font script="Guru" typeface="Raavi"/>
+        <a:font script="Cans" typeface="Euphemia"/>
+        <a:font script="Cher" typeface="Plantagenet Cherokee"/>
+        <a:font script="Yiii" typeface="Microsoft Yi Baiti"/>
+        <a:font script="Tibt" typeface="Microsoft Himalaya"/>
+        <a:font script="Thaa" typeface="MV Boli"/>
+        <a:font script="Deva" typeface="Mangal"/>
+        <a:font script="Telu" typeface="Gautami"/>
+        <a:font script="Taml" typeface="Latha"/>
+        <a:font script="Syrc" typeface="Estrangelo Edessa"/>
+        <a:font script="Orya" typeface="Kalinga"/>
+        <a:font script="Mlym" typeface="Kartika"/>
+        <a:font script="Laoo" typeface="DokChampa"/>
+        <a:font script="Sinh" typeface="Iskoola Pota"/>
+        <a:font script="Mong" typeface="Mongolian Baiti"/>
+        <a:font script="Viet" typeface="Arial"/>
+        <a:font script="Uigh" typeface="Microsoft Uighur"/>
+        <a:font script="Geor" typeface="Sylfaen"/>
+        <a:font script="Armn" typeface="Arial"/>
+        <a:font script="Bugi" typeface="Leelawadee UI"/>
+        <a:font script="Bopo" typeface="Microsoft JhengHei"/>
+        <a:font script="Java" typeface="Javanese Text"/>
+        <a:font script="Lisu" typeface="Segoe UI"/>
+        <a:font script="Mymr" typeface="Myanmar Text"/>
+        <a:font script="Nkoo" typeface="Ebrima"/>
+        <a:font script="Olck" typeface="Nirmala UI"/>
+        <a:font script="Osma" typeface="Ebrima"/>
+        <a:font script="Phag" typeface="Phagspa"/>
+        <a:font script="Syrn" typeface="Estrangelo Edessa"/>
+        <a:font script="Syrj" typeface="Estrangelo Edessa"/>
+        <a:font script="Syre" typeface="Estrangelo Edessa"/>
+        <a:font script="Sora" typeface="Nirmala UI"/>
+        <a:font script="Tale" typeface="Microsoft Tai Le"/>
+        <a:font script="Talu" typeface="Microsoft New Tai Lue"/>
+        <a:font script="Tfng" typeface="Ebrima"/>
+      </a:minorFont>
+    </a:fontScheme>
+    <a:fmtScheme name="Office">
+      <a:fillStyleLst>
+        <a:solidFill>
+          <a:schemeClr val="phClr"/>
+        </a:solidFill>
+        <a:gradFill rotWithShape="1">
+          <a:gsLst>
+            <a:gs pos="0">
+              <a:schemeClr val="phClr">
+                <a:lumMod val="110000"/>
+                <a:satMod val="105000"/>
+                <a:tint val="67000"/>
+              </a:schemeClr>
+            </a:gs>
+            <a:gs pos="50000">
+              <a:schemeClr val="phClr">
+                <a:lumMod val="105000"/>
+                <a:satMod val="103000"/>
+                <a:tint val="73000"/>
+              </a:schemeClr>
+            </a:gs>
+            <a:gs pos="100000">
+              <a:schemeClr val="phClr">
+                <a:lumMod val="105000"/>
+                <a:satMod val="109000"/>
+                <a:tint val="81000"/>
+              </a:schemeClr>
+            </a:gs>
+          </a:gsLst>
+          <a:lin ang="5400000" scaled="0"/>
+        </a:gradFill>
+        <a:gradFill rotWithShape="1">
+          <a:gsLst>
+            <a:gs pos="0">
+              <a:schemeClr val="phClr">
+                <a:satMod val="103000"/>
+                <a:lumMod val="102000"/>
+                <a:tint val="94000"/>
+              </a:schemeClr>
+            </a:gs>
+            <a:gs pos="50000">
+              <a:schemeClr val="phClr">
+                <a:satMod val="110000"/>
+                <a:lumMod val="100000"/>
+                <a:shade val="100000"/>
+              </a:schemeClr>
+            </a:gs>
+            <a:gs pos="100000">
+              <a:schemeClr val="phClr">
+                <a:lumMod val="99000"/>
+                <a:satMod val="120000"/>
+                <a:shade val="78000"/>
+              </a:schemeClr>
+            </a:gs>
+          </a:gsLst>
+          <a:lin ang="5400000" scaled="0"/>
+        </a:gradFill>
+      </a:fillStyleLst>
+      <a:lnStyleLst>
+        <a:ln w="6350" cap="flat" cmpd="sng" algn="ctr">
+          <a:solidFill>
+            <a:schemeClr val="phClr"/>
+          </a:solidFill>
+          <a:prstDash val="solid"/>
+          <a:miter lim="800000"/>
+        </a:ln>
+        <a:ln w="12700" cap="flat" cmpd="sng" algn="ctr">
+          <a:solidFill>
+            <a:schemeClr val="phClr"/>
+          </a:solidFill>
+          <a:prstDash val="solid"/>
+          <a:miter lim="800000"/>
+        </a:ln>
+        <a:ln w="19050" cap="flat" cmpd="sng" algn="ctr">
+          <a:solidFill>
+            <a:schemeClr val="phClr"/>
+          </a:solidFill>
+          <a:prstDash val="solid"/>
+          <a:miter lim="800000"/>
+        </a:ln>
+      </a:lnStyleLst>
+      <a:effectStyleLst>
+        <a:effectStyle>
+          <a:effectLst/>
+        </a:effectStyle>
+        <a:effectStyle>
+          <a:effectLst/>
+        </a:effectStyle>
+        <a:effectStyle>
+          <a:effectLst>
+            <a:outerShdw blurRad="57150" dist="19050" dir="5400000" algn="ctr" rotWithShape="0">
+              <a:srgbClr val="000000">
+                <a:alpha val="63000"/>
+              </a:srgbClr>
+            </a:outerShdw>
+          </a:effectLst>
+        </a:effectStyle>
+      </a:effectStyleLst>
+      <a:bgFillStyleLst>
+        <a:solidFill>
+          <a:schemeClr val="phClr"/>
+        </a:solidFill>
+        <a:solidFill>
+          <a:schemeClr val="phClr">
+            <a:tint val="95000"/>
+            <a:satMod val="170000"/>
+          </a:schemeClr>
+        </a:solidFill>
+        <a:gradFill rotWithShape="1">
+          <a:gsLst>
+            <a:gs pos="0">
+              <a:schemeClr val="phClr">
+                <a:tint val="93000"/>
+                <a:satMod val="150000"/>
+                <a:shade val="98000"/>
+                <a:lumMod val="102000"/>
+              </a:schemeClr>
+            </a:gs>
+            <a:gs pos="50000">
+              <a:schemeClr val="phClr">
+                <a:tint val="98000"/>
+                <a:satMod val="130000"/>
+                <a:shade val="90000"/>
+                <a:lumMod val="103000"/>
+              </a:schemeClr>
+            </a:gs>
+            <a:gs pos="100000">
+              <a:schemeClr val="phClr">
+                <a:shade val="63000"/>
+                <a:satMod val="120000"/>
+              </a:schemeClr>
+            </a:gs>
+          </a:gsLst>
+          <a:lin ang="5400000" scaled="0"/>
+        </a:gradFill>
+      </a:bgFillStyleLst>
+    </a:fmtScheme>
+  </a:themeElements>
+  <a:objectDefaults/>
+  <a:extraClrSchemeLst/>
+  <a:extLst>
+    <a:ext uri="{05A4C25C-085E-4340-85A3-A5531E510DB2}">
+      <thm15:themeFamily xmlns:thm15="http://schemas.microsoft.com/office/thememl/2012/main" name="Office Theme" id="{62F939B6-93AF-4DB8-9C6B-D6C7DFDC589F}" vid="{4A3C46E8-61CC-4603-A589-7422A47A8E4A}"/>
+    </a:ext>
+  </a:extLst>
+</a:theme>
 </file>
--- a/uml/Lucene索引过程分享.pptx
+++ b/uml/Lucene索引过程分享.pptx
@@ -524,6 +524,185 @@
           <a:bodyPr/>
           <a:lstStyle/>
           <a:p>
+            <a:pPr marL="228600" indent="-228600">
+              <a:buAutoNum type="arabicPeriod"/>
+            </a:pPr>
+            <a:r>
+              <a:rPr lang="zh-CN" altLang="en-US" dirty="0"/>
+              <a:t>基于磁盘的存储</a:t>
+            </a:r>
+            <a:r>
+              <a:rPr lang="en-US" altLang="zh-CN" dirty="0"/>
+              <a:t>—</a:t>
+            </a:r>
+            <a:r>
+              <a:rPr lang="en-US" altLang="zh-CN" dirty="0" err="1"/>
+              <a:t>Mysql,Lucene,Hbase</a:t>
+            </a:r>
+            <a:r>
+              <a:rPr lang="zh-CN" altLang="en-US" dirty="0"/>
+              <a:t>，纯内存存储</a:t>
+            </a:r>
+            <a:r>
+              <a:rPr lang="en-US" altLang="zh-CN" dirty="0"/>
+              <a:t>—</a:t>
+            </a:r>
+            <a:r>
+              <a:rPr lang="en-US" altLang="zh-CN" dirty="0" err="1"/>
+              <a:t>Redis,Zookeeper</a:t>
+            </a:r>
+            <a:r>
+              <a:rPr lang="en-US" altLang="zh-CN" dirty="0"/>
+              <a:t>.</a:t>
+            </a:r>
+          </a:p>
+          <a:p>
+            <a:pPr marL="228600" indent="-228600">
+              <a:buAutoNum type="arabicPeriod"/>
+            </a:pPr>
+            <a:r>
+              <a:rPr lang="en-US" dirty="0" err="1"/>
+              <a:t>磁盘</a:t>
+            </a:r>
+            <a:r>
+              <a:rPr lang="zh-CN" altLang="en-US" dirty="0"/>
+              <a:t>：磁头，盘片，磁道，扇区。磁头</a:t>
+            </a:r>
+            <a:r>
+              <a:rPr lang="zh-CN" altLang="en-CN" dirty="0"/>
+              <a:t>寻道</a:t>
+            </a:r>
+            <a:r>
+              <a:rPr lang="zh-CN" altLang="en-US" dirty="0"/>
+              <a:t>时间</a:t>
+            </a:r>
+            <a:r>
+              <a:rPr lang="en-US" altLang="zh-CN" dirty="0"/>
+              <a:t>(3-15ms)-&gt;</a:t>
+            </a:r>
+            <a:r>
+              <a:rPr lang="zh-CN" altLang="en-US" dirty="0"/>
+              <a:t>盘片旋转延迟</a:t>
+            </a:r>
+            <a:r>
+              <a:rPr lang="en-US" altLang="zh-CN" dirty="0"/>
+              <a:t>(2-4ms)-&gt;</a:t>
+            </a:r>
+            <a:r>
+              <a:rPr lang="zh-CN" altLang="en-US" dirty="0"/>
+              <a:t>数据传输时间</a:t>
+            </a:r>
+            <a:r>
+              <a:rPr lang="en-US" altLang="zh-CN" dirty="0"/>
+              <a:t>(3us</a:t>
+            </a:r>
+            <a:r>
+              <a:rPr lang="zh-CN" altLang="en-US" dirty="0"/>
+              <a:t>，忽略不计</a:t>
+            </a:r>
+            <a:r>
+              <a:rPr lang="en-US" altLang="zh-CN" dirty="0"/>
+              <a:t>)</a:t>
+            </a:r>
+          </a:p>
+          <a:p>
+            <a:pPr marL="228600" indent="-228600">
+              <a:buAutoNum type="arabicPeriod"/>
+            </a:pPr>
+            <a:r>
+              <a:rPr lang="zh-CN" altLang="en-US" b="0" i="0" dirty="0">
+                <a:solidFill>
+                  <a:srgbClr val="333333"/>
+                </a:solidFill>
+                <a:effectLst/>
+                <a:latin typeface="-apple-system"/>
+              </a:rPr>
+              <a:t>磁盘顺序读写速度很快：磁盘顺序读写几乎把前两个最耗时的操作给干掉了，磁头已经移动到了对应的磁道， 也找到了对应的扇区，直接写就可以了</a:t>
+            </a:r>
+            <a:endParaRPr lang="en-CN" dirty="0"/>
+          </a:p>
+        </p:txBody>
+      </p:sp>
+      <p:sp>
+        <p:nvSpPr>
+          <p:cNvPr id="4" name="Slide Number Placeholder 3"/>
+          <p:cNvSpPr>
+            <a:spLocks noGrp="1"/>
+          </p:cNvSpPr>
+          <p:nvPr>
+            <p:ph type="sldNum" sz="quarter" idx="5"/>
+          </p:nvPr>
+        </p:nvSpPr>
+        <p:spPr/>
+        <p:txBody>
+          <a:bodyPr/>
+          <a:lstStyle/>
+          <a:p>
+            <a:fld id="{32A05868-2452-2649-BB1E-7708127F8C37}" type="slidenum">
+              <a:rPr lang="en-CN" smtClean="0"/>
+              <a:t>5</a:t>
+            </a:fld>
+            <a:endParaRPr lang="en-CN"/>
+          </a:p>
+        </p:txBody>
+      </p:sp>
+    </p:spTree>
+    <p:extLst>
+      <p:ext uri="{BB962C8B-B14F-4D97-AF65-F5344CB8AC3E}">
+        <p14:creationId xmlns:p14="http://schemas.microsoft.com/office/powerpoint/2010/main" val="848373696"/>
+      </p:ext>
+    </p:extLst>
+  </p:cSld>
+  <p:clrMapOvr>
+    <a:masterClrMapping/>
+  </p:clrMapOvr>
+</p:notes>
+</file>
+
+<file path=ppt/notesSlides/notesSlide2.xml><?xml version="1.0" encoding="utf-8"?>
+<p:notes xmlns:a="http://schemas.openxmlformats.org/drawingml/2006/main" xmlns:r="http://schemas.openxmlformats.org/officeDocument/2006/relationships" xmlns:p="http://schemas.openxmlformats.org/presentationml/2006/main">
+  <p:cSld>
+    <p:spTree>
+      <p:nvGrpSpPr>
+        <p:cNvPr id="1" name=""/>
+        <p:cNvGrpSpPr/>
+        <p:nvPr/>
+      </p:nvGrpSpPr>
+      <p:grpSpPr>
+        <a:xfrm>
+          <a:off x="0" y="0"/>
+          <a:ext cx="0" cy="0"/>
+          <a:chOff x="0" y="0"/>
+          <a:chExt cx="0" cy="0"/>
+        </a:xfrm>
+      </p:grpSpPr>
+      <p:sp>
+        <p:nvSpPr>
+          <p:cNvPr id="2" name="Slide Image Placeholder 1"/>
+          <p:cNvSpPr>
+            <a:spLocks noGrp="1" noRot="1" noChangeAspect="1"/>
+          </p:cNvSpPr>
+          <p:nvPr>
+            <p:ph type="sldImg"/>
+          </p:nvPr>
+        </p:nvSpPr>
+        <p:spPr/>
+      </p:sp>
+      <p:sp>
+        <p:nvSpPr>
+          <p:cNvPr id="3" name="Notes Placeholder 2"/>
+          <p:cNvSpPr>
+            <a:spLocks noGrp="1"/>
+          </p:cNvSpPr>
+          <p:nvPr>
+            <p:ph type="body" idx="1"/>
+          </p:nvPr>
+        </p:nvSpPr>
+        <p:spPr/>
+        <p:txBody>
+          <a:bodyPr/>
+          <a:lstStyle/>
+          <a:p>
             <a:pPr marL="228600" marR="0" lvl="0" indent="-228600" algn="l" defTabSz="914400" rtl="0" eaLnBrk="1" fontAlgn="auto" latinLnBrk="0" hangingPunct="1">
               <a:lnSpc>
                 <a:spcPct val="100000"/>
@@ -619,7 +798,7 @@
                 <a:effectLst/>
                 <a:latin typeface="Menlo" panose="020B0609030804020204" pitchFamily="49" charset="0"/>
               </a:rPr>
-              <a:t> 固态硬盘：差</a:t>
+              <a:t> 固态硬盘：每介差</a:t>
             </a:r>
             <a:r>
               <a:rPr lang="en-US" altLang="zh-CN" b="0" dirty="0">
@@ -641,7 +820,7 @@
               </a:rPr>
               <a:t>个数量级</a:t>
             </a:r>
-            <a:endParaRPr lang="en-US" b="0" dirty="0">
+            <a:endParaRPr lang="en-US" altLang="zh-CN" b="0" dirty="0">
               <a:solidFill>
                 <a:srgbClr val="D4D4D4"/>
               </a:solidFill>
@@ -668,14 +847,14 @@
               <a:defRPr/>
             </a:pPr>
             <a:r>
-              <a:rPr lang="en-US" b="0" dirty="0">
+              <a:rPr lang="en-US" altLang="zh-CN" b="0" dirty="0">
                 <a:solidFill>
                   <a:srgbClr val="D4D4D4"/>
                 </a:solidFill>
                 <a:effectLst/>
                 <a:latin typeface="Menlo" panose="020B0609030804020204" pitchFamily="49" charset="0"/>
               </a:rPr>
-              <a:t>read()</a:t>
+              <a:t>Read</a:t>
             </a:r>
             <a:r>
               <a:rPr lang="zh-CN" altLang="en-US" b="0" dirty="0">
@@ -685,17 +864,17 @@
                 <a:effectLst/>
                 <a:latin typeface="Menlo" panose="020B0609030804020204" pitchFamily="49" charset="0"/>
               </a:rPr>
-              <a:t>和 </a:t>
-            </a:r>
-            <a:r>
-              <a:rPr lang="en-US" b="0" dirty="0">
+              <a:t>系统调用从文件中读取数据；</a:t>
+            </a:r>
+            <a:r>
+              <a:rPr lang="en-US" altLang="zh-CN" b="0" dirty="0">
                 <a:solidFill>
                   <a:srgbClr val="D4D4D4"/>
                 </a:solidFill>
                 <a:effectLst/>
                 <a:latin typeface="Menlo" panose="020B0609030804020204" pitchFamily="49" charset="0"/>
               </a:rPr>
-              <a:t>write()</a:t>
+              <a:t>write</a:t>
             </a:r>
             <a:r>
               <a:rPr lang="zh-CN" altLang="en-US" b="0" dirty="0">
@@ -705,39 +884,9 @@
                 <a:effectLst/>
                 <a:latin typeface="Menlo" panose="020B0609030804020204" pitchFamily="49" charset="0"/>
               </a:rPr>
-              <a:t>系统调用在操作磁盘文件时不会直接发起磁盘访问，而是仅仅在用户空间与缓冲区与内核缓冲区高速缓存</a:t>
-            </a:r>
-            <a:r>
-              <a:rPr lang="en-US" altLang="zh-CN" b="0" dirty="0">
-                <a:solidFill>
-                  <a:srgbClr val="D4D4D4"/>
-                </a:solidFill>
-                <a:effectLst/>
-                <a:latin typeface="Menlo" panose="020B0609030804020204" pitchFamily="49" charset="0"/>
-              </a:rPr>
-              <a:t>(</a:t>
-            </a:r>
-            <a:r>
-              <a:rPr lang="en-US" b="0" dirty="0">
-                <a:solidFill>
-                  <a:srgbClr val="D4D4D4"/>
-                </a:solidFill>
-                <a:effectLst/>
-                <a:latin typeface="Menlo" panose="020B0609030804020204" pitchFamily="49" charset="0"/>
-              </a:rPr>
-              <a:t>kernel buffer cache)</a:t>
-            </a:r>
-            <a:r>
-              <a:rPr lang="zh-CN" altLang="en-US" b="0" dirty="0">
-                <a:solidFill>
-                  <a:srgbClr val="D4D4D4"/>
-                </a:solidFill>
-                <a:effectLst/>
-                <a:latin typeface="Menlo" panose="020B0609030804020204" pitchFamily="49" charset="0"/>
-              </a:rPr>
-              <a:t>之间复制数据。</a:t>
-            </a:r>
-            <a:endParaRPr lang="en-US" altLang="zh-CN" b="0" dirty="0">
+              <a:t>系统调用将数据写入文件。</a:t>
+            </a:r>
+            <a:endParaRPr lang="en-US" b="0" dirty="0">
               <a:solidFill>
                 <a:srgbClr val="D4D4D4"/>
               </a:solidFill>
@@ -764,14 +913,14 @@
               <a:defRPr/>
             </a:pPr>
             <a:r>
-              <a:rPr lang="en-US" altLang="zh-CN" b="0" dirty="0">
+              <a:rPr lang="en-US" b="0" dirty="0">
                 <a:solidFill>
                   <a:srgbClr val="D4D4D4"/>
                 </a:solidFill>
                 <a:effectLst/>
                 <a:latin typeface="Menlo" panose="020B0609030804020204" pitchFamily="49" charset="0"/>
               </a:rPr>
-              <a:t>Page</a:t>
+              <a:t>read()</a:t>
             </a:r>
             <a:r>
               <a:rPr lang="zh-CN" altLang="en-US" b="0" dirty="0">
@@ -781,17 +930,17 @@
                 <a:effectLst/>
                 <a:latin typeface="Menlo" panose="020B0609030804020204" pitchFamily="49" charset="0"/>
               </a:rPr>
-              <a:t> </a:t>
-            </a:r>
-            <a:r>
-              <a:rPr lang="en-US" altLang="zh-CN" b="0" dirty="0">
+              <a:t>和 </a:t>
+            </a:r>
+            <a:r>
+              <a:rPr lang="en-US" b="0" dirty="0">
                 <a:solidFill>
                   <a:srgbClr val="D4D4D4"/>
                 </a:solidFill>
                 <a:effectLst/>
                 <a:latin typeface="Menlo" panose="020B0609030804020204" pitchFamily="49" charset="0"/>
               </a:rPr>
-              <a:t>Cache</a:t>
+              <a:t>write()</a:t>
             </a:r>
             <a:r>
               <a:rPr lang="zh-CN" altLang="en-US" b="0" dirty="0">
@@ -801,77 +950,44 @@
                 <a:effectLst/>
                 <a:latin typeface="Menlo" panose="020B0609030804020204" pitchFamily="49" charset="0"/>
               </a:rPr>
-              <a:t>优化：</a:t>
-            </a:r>
-            <a:r>
-              <a:rPr lang="zh-CN" altLang="en-US" sz="1800" dirty="0">
+              <a:t>系统调用在操作磁盘文件时不会直接发起磁盘访问，而是仅仅在用户空间与缓冲区与内核缓冲区高速缓存</a:t>
+            </a:r>
+            <a:r>
+              <a:rPr lang="en-US" altLang="zh-CN" b="0" dirty="0">
+                <a:solidFill>
+                  <a:srgbClr val="D4D4D4"/>
+                </a:solidFill>
                 <a:effectLst/>
-                <a:latin typeface="SimSun" panose="02010600030101010101" pitchFamily="2" charset="-122"/>
-                <a:ea typeface="SimSun" panose="02010600030101010101" pitchFamily="2" charset="-122"/>
-              </a:rPr>
-              <a:t>按顺序预读取，在成簇</a:t>
-            </a:r>
-            <a:r>
-              <a:rPr lang="en-US" altLang="zh-CN" sz="1800" dirty="0">
-                <a:effectLst/>
-                <a:latin typeface="SimSun" panose="02010600030101010101" pitchFamily="2" charset="-122"/>
-                <a:ea typeface="SimSun" panose="02010600030101010101" pitchFamily="2" charset="-122"/>
+                <a:latin typeface="Menlo" panose="020B0609030804020204" pitchFamily="49" charset="0"/>
               </a:rPr>
               <a:t>(</a:t>
             </a:r>
             <a:r>
-              <a:rPr lang="en-US" sz="1800" dirty="0">
+              <a:rPr lang="en-US" b="0" dirty="0">
+                <a:solidFill>
+                  <a:srgbClr val="D4D4D4"/>
+                </a:solidFill>
                 <a:effectLst/>
-                <a:latin typeface="TimesNewRomanPSMT"/>
+                <a:latin typeface="Menlo" panose="020B0609030804020204" pitchFamily="49" charset="0"/>
               </a:rPr>
-              <a:t>clusters</a:t>
-            </a:r>
-            <a:r>
-              <a:rPr lang="en-US" sz="1800" dirty="0">
+              <a:t>kernel buffer cache)</a:t>
+            </a:r>
+            <a:r>
+              <a:rPr lang="zh-CN" altLang="en-US" b="0" dirty="0">
+                <a:solidFill>
+                  <a:srgbClr val="D4D4D4"/>
+                </a:solidFill>
                 <a:effectLst/>
-                <a:latin typeface="SimSun" panose="02010600030101010101" pitchFamily="2" charset="-122"/>
-                <a:ea typeface="SimSun" panose="02010600030101010101" pitchFamily="2" charset="-122"/>
+                <a:latin typeface="Menlo" panose="020B0609030804020204" pitchFamily="49" charset="0"/>
               </a:rPr>
-              <a:t>)</a:t>
-            </a:r>
-            <a:r>
-              <a:rPr lang="zh-CN" altLang="en-US" sz="1800" dirty="0">
-                <a:effectLst/>
-                <a:latin typeface="SimSun" panose="02010600030101010101" pitchFamily="2" charset="-122"/>
-                <a:ea typeface="SimSun" panose="02010600030101010101" pitchFamily="2" charset="-122"/>
-              </a:rPr>
-              <a:t>磁盘块上执行 </a:t>
-            </a:r>
-            <a:r>
-              <a:rPr lang="en-US" sz="1800" dirty="0">
-                <a:effectLst/>
-                <a:latin typeface="TimesNewRomanPSMT"/>
-              </a:rPr>
-              <a:t>I/O</a:t>
-            </a:r>
-            <a:r>
-              <a:rPr lang="en-US" sz="1800" dirty="0">
-                <a:effectLst/>
-                <a:latin typeface="SimSun" panose="02010600030101010101" pitchFamily="2" charset="-122"/>
-                <a:ea typeface="SimSun" panose="02010600030101010101" pitchFamily="2" charset="-122"/>
-              </a:rPr>
-              <a:t>，</a:t>
-            </a:r>
-            <a:r>
-              <a:rPr lang="zh-CN" altLang="en-US" sz="1800" dirty="0">
-                <a:effectLst/>
-                <a:latin typeface="SimSun" panose="02010600030101010101" pitchFamily="2" charset="-122"/>
-                <a:ea typeface="SimSun" panose="02010600030101010101" pitchFamily="2" charset="-122"/>
-              </a:rPr>
-              <a:t>允许访问同一文件的多个进程共享高速缓存的缓冲区 </a:t>
-            </a:r>
-            <a:endParaRPr lang="en-US" altLang="zh-CN" sz="1800" b="0" dirty="0">
+              <a:t>之间复制数据。</a:t>
+            </a:r>
+            <a:endParaRPr lang="en-US" altLang="zh-CN" b="0" dirty="0">
               <a:solidFill>
-                <a:schemeClr val="tx1"/>
+                <a:srgbClr val="D4D4D4"/>
               </a:solidFill>
               <a:effectLst/>
-              <a:latin typeface="SimSun" panose="02010600030101010101" pitchFamily="2" charset="-122"/>
-              <a:ea typeface="SimSun" panose="02010600030101010101" pitchFamily="2" charset="-122"/>
+              <a:latin typeface="Menlo" panose="020B0609030804020204" pitchFamily="49" charset="0"/>
             </a:endParaRPr>
           </a:p>
           <a:p>
@@ -893,48 +1009,44 @@
               <a:defRPr/>
             </a:pPr>
             <a:r>
-              <a:rPr lang="en-US" altLang="zh-CN" sz="1800" b="0" dirty="0">
+              <a:rPr lang="en-US" altLang="zh-CN" b="0" dirty="0">
                 <a:solidFill>
                   <a:srgbClr val="D4D4D4"/>
                 </a:solidFill>
                 <a:effectLst/>
-                <a:latin typeface="SimSun" panose="02010600030101010101" pitchFamily="2" charset="-122"/>
-                <a:ea typeface="SimSun" panose="02010600030101010101" pitchFamily="2" charset="-122"/>
+                <a:latin typeface="Menlo" panose="020B0609030804020204" pitchFamily="49" charset="0"/>
               </a:rPr>
-              <a:t>Direct</a:t>
-            </a:r>
-            <a:r>
-              <a:rPr lang="zh-CN" altLang="en-US" sz="1800" b="0" dirty="0">
+              <a:t>Page</a:t>
+            </a:r>
+            <a:r>
+              <a:rPr lang="zh-CN" altLang="en-US" b="0" dirty="0">
                 <a:solidFill>
                   <a:srgbClr val="D4D4D4"/>
                 </a:solidFill>
                 <a:effectLst/>
-                <a:latin typeface="SimSun" panose="02010600030101010101" pitchFamily="2" charset="-122"/>
-                <a:ea typeface="SimSun" panose="02010600030101010101" pitchFamily="2" charset="-122"/>
+                <a:latin typeface="Menlo" panose="020B0609030804020204" pitchFamily="49" charset="0"/>
               </a:rPr>
               <a:t> </a:t>
             </a:r>
             <a:r>
-              <a:rPr lang="en-US" altLang="zh-CN" sz="1800" b="0" dirty="0">
+              <a:rPr lang="en-US" altLang="zh-CN" b="0" dirty="0">
                 <a:solidFill>
                   <a:srgbClr val="D4D4D4"/>
                 </a:solidFill>
                 <a:effectLst/>
-                <a:latin typeface="SimSun" panose="02010600030101010101" pitchFamily="2" charset="-122"/>
-                <a:ea typeface="SimSun" panose="02010600030101010101" pitchFamily="2" charset="-122"/>
+                <a:latin typeface="Menlo" panose="020B0609030804020204" pitchFamily="49" charset="0"/>
               </a:rPr>
-              <a:t>IO</a:t>
-            </a:r>
-            <a:r>
-              <a:rPr lang="zh-CN" altLang="en-US" sz="1800" b="0" dirty="0">
+              <a:t>Cache</a:t>
+            </a:r>
+            <a:r>
+              <a:rPr lang="zh-CN" altLang="en-US" b="0" dirty="0">
                 <a:solidFill>
                   <a:srgbClr val="D4D4D4"/>
                 </a:solidFill>
                 <a:effectLst/>
-                <a:latin typeface="SimSun" panose="02010600030101010101" pitchFamily="2" charset="-122"/>
-                <a:ea typeface="SimSun" panose="02010600030101010101" pitchFamily="2" charset="-122"/>
+                <a:latin typeface="Menlo" panose="020B0609030804020204" pitchFamily="49" charset="0"/>
               </a:rPr>
-              <a:t>：</a:t>
+              <a:t>优化：</a:t>
             </a:r>
             <a:r>
               <a:rPr lang="zh-CN" altLang="en-US" sz="1800" dirty="0">
@@ -942,74 +1054,11 @@
                 <a:latin typeface="SimSun" panose="02010600030101010101" pitchFamily="2" charset="-122"/>
                 <a:ea typeface="SimSun" panose="02010600030101010101" pitchFamily="2" charset="-122"/>
               </a:rPr>
-              <a:t>在执行磁盘 </a:t>
-            </a:r>
-            <a:r>
-              <a:rPr lang="en-US" sz="1800" dirty="0">
-                <a:effectLst/>
-                <a:latin typeface="TimesNewRomanPSMT"/>
-              </a:rPr>
-              <a:t>I/O </a:t>
-            </a:r>
-            <a:r>
-              <a:rPr lang="zh-CN" altLang="en-US" sz="1800" dirty="0">
-                <a:effectLst/>
-                <a:latin typeface="SimSun" panose="02010600030101010101" pitchFamily="2" charset="-122"/>
-                <a:ea typeface="SimSun" panose="02010600030101010101" pitchFamily="2" charset="-122"/>
-              </a:rPr>
-              <a:t>时绕过</a:t>
-            </a:r>
-            <a:r>
-              <a:rPr lang="en-US" altLang="zh-CN" sz="1800" dirty="0">
-                <a:effectLst/>
-                <a:latin typeface="SimSun" panose="02010600030101010101" pitchFamily="2" charset="-122"/>
-                <a:ea typeface="SimSun" panose="02010600030101010101" pitchFamily="2" charset="-122"/>
-              </a:rPr>
-              <a:t>page</a:t>
-            </a:r>
-            <a:r>
-              <a:rPr lang="zh-CN" altLang="en-US" sz="1800" dirty="0">
-                <a:effectLst/>
-                <a:latin typeface="SimSun" panose="02010600030101010101" pitchFamily="2" charset="-122"/>
-                <a:ea typeface="SimSun" panose="02010600030101010101" pitchFamily="2" charset="-122"/>
-              </a:rPr>
-              <a:t> </a:t>
-            </a:r>
-            <a:r>
-              <a:rPr lang="en-US" altLang="zh-CN" sz="1800" dirty="0">
-                <a:effectLst/>
-                <a:latin typeface="SimSun" panose="02010600030101010101" pitchFamily="2" charset="-122"/>
-                <a:ea typeface="SimSun" panose="02010600030101010101" pitchFamily="2" charset="-122"/>
-              </a:rPr>
-              <a:t>cache</a:t>
-            </a:r>
-            <a:r>
-              <a:rPr lang="zh-CN" altLang="en-US" sz="1800" dirty="0">
-                <a:effectLst/>
-                <a:latin typeface="SimSun" panose="02010600030101010101" pitchFamily="2" charset="-122"/>
-                <a:ea typeface="SimSun" panose="02010600030101010101" pitchFamily="2" charset="-122"/>
-              </a:rPr>
-              <a:t>，从用户空间直接将数据传递到文件或磁盘设备。 一般数据库系统使用，比如</a:t>
-            </a:r>
-            <a:r>
-              <a:rPr lang="en-US" altLang="zh-CN" sz="1800" dirty="0" err="1">
-                <a:effectLst/>
-                <a:latin typeface="SimSun" panose="02010600030101010101" pitchFamily="2" charset="-122"/>
-                <a:ea typeface="SimSun" panose="02010600030101010101" pitchFamily="2" charset="-122"/>
-              </a:rPr>
-              <a:t>innodb</a:t>
-            </a:r>
-            <a:r>
-              <a:rPr lang="zh-CN" altLang="en-US" sz="1800" dirty="0">
-                <a:effectLst/>
-                <a:latin typeface="SimSun" panose="02010600030101010101" pitchFamily="2" charset="-122"/>
-                <a:ea typeface="SimSun" panose="02010600030101010101" pitchFamily="2" charset="-122"/>
-              </a:rPr>
-              <a:t>存储引擎实现了自己的缓冲池，且有专门的线程刷新脏页，所以在刷新脏页时可以配置直接写磁盘文件。</a:t>
+              <a:t>按顺序预读取，允许访问同一文件的多个进程共享高速缓存的缓冲区 </a:t>
             </a:r>
             <a:endParaRPr lang="en-US" altLang="zh-CN" sz="1800" b="0" dirty="0">
               <a:solidFill>
-                <a:srgbClr val="D4D4D4"/>
+                <a:schemeClr val="tx1"/>
               </a:solidFill>
               <a:effectLst/>
               <a:latin typeface="SimSun" panose="02010600030101010101" pitchFamily="2" charset="-122"/>
@@ -1035,6 +1084,148 @@
               <a:defRPr/>
             </a:pPr>
             <a:r>
+              <a:rPr lang="en-US" altLang="zh-CN" sz="1800" b="0" dirty="0">
+                <a:solidFill>
+                  <a:srgbClr val="D4D4D4"/>
+                </a:solidFill>
+                <a:effectLst/>
+                <a:latin typeface="SimSun" panose="02010600030101010101" pitchFamily="2" charset="-122"/>
+                <a:ea typeface="SimSun" panose="02010600030101010101" pitchFamily="2" charset="-122"/>
+              </a:rPr>
+              <a:t>Direct</a:t>
+            </a:r>
+            <a:r>
+              <a:rPr lang="zh-CN" altLang="en-US" sz="1800" b="0" dirty="0">
+                <a:solidFill>
+                  <a:srgbClr val="D4D4D4"/>
+                </a:solidFill>
+                <a:effectLst/>
+                <a:latin typeface="SimSun" panose="02010600030101010101" pitchFamily="2" charset="-122"/>
+                <a:ea typeface="SimSun" panose="02010600030101010101" pitchFamily="2" charset="-122"/>
+              </a:rPr>
+              <a:t> </a:t>
+            </a:r>
+            <a:r>
+              <a:rPr lang="en-US" altLang="zh-CN" sz="1800" b="0" dirty="0">
+                <a:solidFill>
+                  <a:srgbClr val="D4D4D4"/>
+                </a:solidFill>
+                <a:effectLst/>
+                <a:latin typeface="SimSun" panose="02010600030101010101" pitchFamily="2" charset="-122"/>
+                <a:ea typeface="SimSun" panose="02010600030101010101" pitchFamily="2" charset="-122"/>
+              </a:rPr>
+              <a:t>IO</a:t>
+            </a:r>
+            <a:r>
+              <a:rPr lang="zh-CN" altLang="en-US" sz="1800" b="0" dirty="0">
+                <a:solidFill>
+                  <a:srgbClr val="D4D4D4"/>
+                </a:solidFill>
+                <a:effectLst/>
+                <a:latin typeface="SimSun" panose="02010600030101010101" pitchFamily="2" charset="-122"/>
+                <a:ea typeface="SimSun" panose="02010600030101010101" pitchFamily="2" charset="-122"/>
+              </a:rPr>
+              <a:t>：</a:t>
+            </a:r>
+            <a:r>
+              <a:rPr lang="zh-CN" altLang="en-US" sz="1800" dirty="0">
+                <a:effectLst/>
+                <a:latin typeface="SimSun" panose="02010600030101010101" pitchFamily="2" charset="-122"/>
+                <a:ea typeface="SimSun" panose="02010600030101010101" pitchFamily="2" charset="-122"/>
+              </a:rPr>
+              <a:t>在执行磁盘 </a:t>
+            </a:r>
+            <a:r>
+              <a:rPr lang="en-US" sz="1800" dirty="0">
+                <a:effectLst/>
+                <a:latin typeface="TimesNewRomanPSMT"/>
+              </a:rPr>
+              <a:t>I/O </a:t>
+            </a:r>
+            <a:r>
+              <a:rPr lang="zh-CN" altLang="en-US" sz="1800" dirty="0">
+                <a:effectLst/>
+                <a:latin typeface="SimSun" panose="02010600030101010101" pitchFamily="2" charset="-122"/>
+                <a:ea typeface="SimSun" panose="02010600030101010101" pitchFamily="2" charset="-122"/>
+              </a:rPr>
+              <a:t>时绕过</a:t>
+            </a:r>
+            <a:r>
+              <a:rPr lang="en-US" altLang="zh-CN" sz="1800" dirty="0">
+                <a:effectLst/>
+                <a:latin typeface="SimSun" panose="02010600030101010101" pitchFamily="2" charset="-122"/>
+                <a:ea typeface="SimSun" panose="02010600030101010101" pitchFamily="2" charset="-122"/>
+              </a:rPr>
+              <a:t>page</a:t>
+            </a:r>
+            <a:r>
+              <a:rPr lang="zh-CN" altLang="en-US" sz="1800" dirty="0">
+                <a:effectLst/>
+                <a:latin typeface="SimSun" panose="02010600030101010101" pitchFamily="2" charset="-122"/>
+                <a:ea typeface="SimSun" panose="02010600030101010101" pitchFamily="2" charset="-122"/>
+              </a:rPr>
+              <a:t> </a:t>
+            </a:r>
+            <a:r>
+              <a:rPr lang="en-US" altLang="zh-CN" sz="1800" dirty="0">
+                <a:effectLst/>
+                <a:latin typeface="SimSun" panose="02010600030101010101" pitchFamily="2" charset="-122"/>
+                <a:ea typeface="SimSun" panose="02010600030101010101" pitchFamily="2" charset="-122"/>
+              </a:rPr>
+              <a:t>cache</a:t>
+            </a:r>
+            <a:r>
+              <a:rPr lang="zh-CN" altLang="en-US" sz="1800" dirty="0">
+                <a:effectLst/>
+                <a:latin typeface="SimSun" panose="02010600030101010101" pitchFamily="2" charset="-122"/>
+                <a:ea typeface="SimSun" panose="02010600030101010101" pitchFamily="2" charset="-122"/>
+              </a:rPr>
+              <a:t>，从用户空间直接将数据传递到文件或磁盘设备。 一般数据库系统使用，比如</a:t>
+            </a:r>
+            <a:r>
+              <a:rPr lang="en-US" altLang="zh-CN" sz="1800" dirty="0" err="1">
+                <a:effectLst/>
+                <a:latin typeface="SimSun" panose="02010600030101010101" pitchFamily="2" charset="-122"/>
+                <a:ea typeface="SimSun" panose="02010600030101010101" pitchFamily="2" charset="-122"/>
+              </a:rPr>
+              <a:t>innodb</a:t>
+            </a:r>
+            <a:r>
+              <a:rPr lang="zh-CN" altLang="en-US" sz="1800" dirty="0">
+                <a:effectLst/>
+                <a:latin typeface="SimSun" panose="02010600030101010101" pitchFamily="2" charset="-122"/>
+                <a:ea typeface="SimSun" panose="02010600030101010101" pitchFamily="2" charset="-122"/>
+              </a:rPr>
+              <a:t>存储引擎实现了自己的缓冲池，且有专门的线程刷新脏页，所以在刷新脏页时可以配置直接写磁盘文件。</a:t>
+            </a:r>
+            <a:endParaRPr lang="en-US" altLang="zh-CN" sz="1800" b="0" dirty="0">
+              <a:solidFill>
+                <a:srgbClr val="D4D4D4"/>
+              </a:solidFill>
+              <a:effectLst/>
+              <a:latin typeface="SimSun" panose="02010600030101010101" pitchFamily="2" charset="-122"/>
+              <a:ea typeface="SimSun" panose="02010600030101010101" pitchFamily="2" charset="-122"/>
+            </a:endParaRPr>
+          </a:p>
+          <a:p>
+            <a:pPr marL="228600" marR="0" lvl="0" indent="-228600" algn="l" defTabSz="914400" rtl="0" eaLnBrk="1" fontAlgn="auto" latinLnBrk="0" hangingPunct="1">
+              <a:lnSpc>
+                <a:spcPct val="100000"/>
+              </a:lnSpc>
+              <a:spcBef>
+                <a:spcPts val="0"/>
+              </a:spcBef>
+              <a:spcAft>
+                <a:spcPts val="0"/>
+              </a:spcAft>
+              <a:buClrTx/>
+              <a:buSzTx/>
+              <a:buFontTx/>
+              <a:buAutoNum type="arabicPeriod"/>
+              <a:tabLst/>
+              <a:defRPr/>
+            </a:pPr>
+            <a:r>
               <a:rPr lang="en-US" altLang="zh-CN" sz="1800" b="0" dirty="0" err="1">
                 <a:solidFill>
                   <a:srgbClr val="D4D4D4"/>
@@ -1044,6 +1235,147 @@
                 <a:ea typeface="SimSun" panose="02010600030101010101" pitchFamily="2" charset="-122"/>
               </a:rPr>
               <a:t>Mmap</a:t>
+            </a:r>
+            <a:r>
+              <a:rPr lang="en-US" altLang="zh-CN" sz="1800" b="0" dirty="0">
+                <a:solidFill>
+                  <a:srgbClr val="D4D4D4"/>
+                </a:solidFill>
+                <a:effectLst/>
+                <a:latin typeface="SimSun" panose="02010600030101010101" pitchFamily="2" charset="-122"/>
+                <a:ea typeface="SimSun" panose="02010600030101010101" pitchFamily="2" charset="-122"/>
+              </a:rPr>
+              <a:t>:</a:t>
+            </a:r>
+            <a:r>
+              <a:rPr lang="zh-CN" altLang="en-US" sz="1800" b="0" dirty="0">
+                <a:solidFill>
+                  <a:srgbClr val="D4D4D4"/>
+                </a:solidFill>
+                <a:effectLst/>
+                <a:latin typeface="SimSun" panose="02010600030101010101" pitchFamily="2" charset="-122"/>
+                <a:ea typeface="SimSun" panose="02010600030101010101" pitchFamily="2" charset="-122"/>
+              </a:rPr>
+              <a:t> </a:t>
+            </a:r>
+            <a:r>
+              <a:rPr lang="zh-CN" altLang="en-US" sz="1800" dirty="0">
+                <a:effectLst/>
+                <a:latin typeface="SimSun" panose="02010600030101010101" pitchFamily="2" charset="-122"/>
+                <a:ea typeface="SimSun" panose="02010600030101010101" pitchFamily="2" charset="-122"/>
+              </a:rPr>
+              <a:t>文件映射将一个文件的一部分直接映射到调用进程的虚拟内存中。一旦一 个文件被映射之后就可以通过在相应的内存区域中操作字节来访问文件内容了。映射 的分页会在需要的时候从文件中</a:t>
+            </a:r>
+            <a:r>
+              <a:rPr lang="en-US" altLang="zh-CN" sz="1800" dirty="0">
+                <a:effectLst/>
+                <a:latin typeface="SimSun" panose="02010600030101010101" pitchFamily="2" charset="-122"/>
+                <a:ea typeface="SimSun" panose="02010600030101010101" pitchFamily="2" charset="-122"/>
+              </a:rPr>
+              <a:t>(</a:t>
+            </a:r>
+            <a:r>
+              <a:rPr lang="zh-CN" altLang="en-US" sz="1800" dirty="0">
+                <a:effectLst/>
+                <a:latin typeface="SimSun" panose="02010600030101010101" pitchFamily="2" charset="-122"/>
+                <a:ea typeface="SimSun" panose="02010600030101010101" pitchFamily="2" charset="-122"/>
+              </a:rPr>
+              <a:t>自动</a:t>
+            </a:r>
+            <a:r>
+              <a:rPr lang="en-US" altLang="zh-CN" sz="1800" dirty="0">
+                <a:effectLst/>
+                <a:latin typeface="SimSun" panose="02010600030101010101" pitchFamily="2" charset="-122"/>
+                <a:ea typeface="SimSun" panose="02010600030101010101" pitchFamily="2" charset="-122"/>
+              </a:rPr>
+              <a:t>)</a:t>
+            </a:r>
+            <a:r>
+              <a:rPr lang="zh-CN" altLang="en-US" sz="1800" dirty="0">
+                <a:effectLst/>
+                <a:latin typeface="SimSun" panose="02010600030101010101" pitchFamily="2" charset="-122"/>
+                <a:ea typeface="SimSun" panose="02010600030101010101" pitchFamily="2" charset="-122"/>
+              </a:rPr>
+              <a:t>加载。这种映射也被称为基于文件的映射或内存映射文件。 </a:t>
+            </a:r>
+            <a:endParaRPr lang="en-US" altLang="zh-CN" sz="1800" dirty="0">
+              <a:effectLst/>
+              <a:latin typeface="SimSun" panose="02010600030101010101" pitchFamily="2" charset="-122"/>
+              <a:ea typeface="SimSun" panose="02010600030101010101" pitchFamily="2" charset="-122"/>
+            </a:endParaRPr>
+          </a:p>
+          <a:p>
+            <a:pPr marL="228600" marR="0" lvl="0" indent="-228600" algn="l" defTabSz="914400" rtl="0" eaLnBrk="1" fontAlgn="auto" latinLnBrk="0" hangingPunct="1">
+              <a:lnSpc>
+                <a:spcPct val="100000"/>
+              </a:lnSpc>
+              <a:spcBef>
+                <a:spcPts val="0"/>
+              </a:spcBef>
+              <a:spcAft>
+                <a:spcPts val="0"/>
+              </a:spcAft>
+              <a:buClrTx/>
+              <a:buSzTx/>
+              <a:buFontTx/>
+              <a:buAutoNum type="arabicPeriod"/>
+              <a:tabLst/>
+              <a:defRPr/>
+            </a:pPr>
+            <a:r>
+              <a:rPr lang="zh-CN" altLang="en-US" sz="1800" b="0" dirty="0">
+                <a:solidFill>
+                  <a:srgbClr val="D4D4D4"/>
+                </a:solidFill>
+                <a:effectLst/>
+                <a:latin typeface="SimSun" panose="02010600030101010101" pitchFamily="2" charset="-122"/>
+                <a:ea typeface="SimSun" panose="02010600030101010101" pitchFamily="2" charset="-122"/>
+              </a:rPr>
+              <a:t>缓冲区高速缓存：缓冲</a:t>
+            </a:r>
+            <a:r>
+              <a:rPr lang="en-US" altLang="zh-CN" sz="1800" b="0" dirty="0">
+                <a:solidFill>
+                  <a:srgbClr val="D4D4D4"/>
+                </a:solidFill>
+                <a:effectLst/>
+                <a:latin typeface="SimSun" panose="02010600030101010101" pitchFamily="2" charset="-122"/>
+                <a:ea typeface="SimSun" panose="02010600030101010101" pitchFamily="2" charset="-122"/>
+              </a:rPr>
+              <a:t>-buffer</a:t>
+            </a:r>
+            <a:r>
+              <a:rPr lang="zh-CN" altLang="en-US" sz="1800" b="0" dirty="0">
+                <a:solidFill>
+                  <a:srgbClr val="D4D4D4"/>
+                </a:solidFill>
+                <a:effectLst/>
+                <a:latin typeface="SimSun" panose="02010600030101010101" pitchFamily="2" charset="-122"/>
+                <a:ea typeface="SimSun" panose="02010600030101010101" pitchFamily="2" charset="-122"/>
+              </a:rPr>
+              <a:t>，一个缓冲表示磁盘中的一个块在内存中的表示；缓存</a:t>
+            </a:r>
+            <a:r>
+              <a:rPr lang="en-US" altLang="zh-CN" sz="1800" b="0" dirty="0">
+                <a:solidFill>
+                  <a:srgbClr val="D4D4D4"/>
+                </a:solidFill>
+                <a:effectLst/>
+                <a:latin typeface="SimSun" panose="02010600030101010101" pitchFamily="2" charset="-122"/>
+                <a:ea typeface="SimSun" panose="02010600030101010101" pitchFamily="2" charset="-122"/>
+              </a:rPr>
+              <a:t>-cache</a:t>
+            </a:r>
+            <a:r>
+              <a:rPr lang="zh-CN" altLang="en-US" sz="1800" b="0" dirty="0">
+                <a:solidFill>
+                  <a:srgbClr val="D4D4D4"/>
+                </a:solidFill>
+                <a:effectLst/>
+                <a:latin typeface="SimSun" panose="02010600030101010101" pitchFamily="2" charset="-122"/>
+                <a:ea typeface="SimSun" panose="02010600030101010101" pitchFamily="2" charset="-122"/>
+              </a:rPr>
+              <a:t>，通过局部性原理将数据保存在快速访问的介质中，加速随后的访问。缓冲区高速缓存就是缓存磁盘文件中块数据的缓存。</a:t>
             </a:r>
             <a:endParaRPr lang="zh-CN" altLang="en-US" b="0" dirty="0">
               <a:solidFill>
@@ -6268,7 +6600,12 @@
             <p:ph type="title"/>
           </p:nvPr>
         </p:nvSpPr>
-        <p:spPr/>
+        <p:spPr>
+          <a:xfrm>
+            <a:off x="1371600" y="685800"/>
+            <a:ext cx="9601200" cy="992875"/>
+          </a:xfrm>
+        </p:spPr>
         <p:txBody>
           <a:bodyPr/>
           <a:lstStyle/>
@@ -6296,11 +6633,110 @@
             <p:ph idx="1"/>
           </p:nvPr>
         </p:nvSpPr>
-        <p:spPr/>
+        <p:spPr>
+          <a:xfrm>
+            <a:off x="1371600" y="1678675"/>
+            <a:ext cx="9601200" cy="3581400"/>
+          </a:xfrm>
+        </p:spPr>
         <p:txBody>
           <a:bodyPr/>
           <a:lstStyle/>
           <a:p>
+            <a:r>
+              <a:rPr lang="en-CN" dirty="0"/>
+              <a:t>日志结构存储</a:t>
+            </a:r>
+            <a:r>
+              <a:rPr lang="en-US" altLang="zh-CN" dirty="0"/>
+              <a:t>:</a:t>
+            </a:r>
+            <a:r>
+              <a:rPr lang="zh-CN" altLang="en-US" dirty="0"/>
+              <a:t>将磁盘上随机访问写入转为顺序写入，</a:t>
+            </a:r>
+            <a:r>
+              <a:rPr lang="en-US" altLang="zh-CN" dirty="0"/>
+              <a:t>LSM-Tree</a:t>
+            </a:r>
+            <a:r>
+              <a:rPr lang="zh-CN" altLang="en-US" dirty="0"/>
+              <a:t>。比如</a:t>
+            </a:r>
+            <a:r>
+              <a:rPr lang="en-US" altLang="zh-CN" dirty="0"/>
+              <a:t>Lucene</a:t>
+            </a:r>
+            <a:r>
+              <a:rPr lang="zh-CN" altLang="en-US" dirty="0"/>
+              <a:t>，</a:t>
+            </a:r>
+            <a:r>
+              <a:rPr lang="en-US" altLang="zh-CN" dirty="0"/>
+              <a:t>Kafka</a:t>
+            </a:r>
+          </a:p>
+          <a:p>
+            <a:pPr lvl="1"/>
+            <a:r>
+              <a:rPr lang="en-US" dirty="0" err="1"/>
+              <a:t>写放大</a:t>
+            </a:r>
+            <a:endParaRPr lang="en-CN" dirty="0"/>
+          </a:p>
+          <a:p>
+            <a:r>
+              <a:rPr lang="en-CN" dirty="0"/>
+              <a:t>面向页存储</a:t>
+            </a:r>
+            <a:r>
+              <a:rPr lang="en-US" altLang="zh-CN" dirty="0"/>
+              <a:t>:</a:t>
+            </a:r>
+            <a:r>
+              <a:rPr lang="zh-CN" altLang="en-US" dirty="0"/>
+              <a:t>将磁盘视为可以覆盖的一组固定大小的页，</a:t>
+            </a:r>
+            <a:r>
+              <a:rPr lang="en-US" altLang="zh-CN" dirty="0"/>
+              <a:t>B+</a:t>
+            </a:r>
+            <a:r>
+              <a:rPr lang="zh-CN" altLang="en-US" dirty="0"/>
+              <a:t>树。比如</a:t>
+            </a:r>
+            <a:r>
+              <a:rPr lang="en-US" altLang="zh-CN" dirty="0" err="1"/>
+              <a:t>Mysql</a:t>
+            </a:r>
+            <a:endParaRPr lang="en-US" altLang="zh-CN" dirty="0"/>
+          </a:p>
+          <a:p>
+            <a:pPr lvl="1"/>
+            <a:r>
+              <a:rPr lang="en-US" dirty="0" err="1"/>
+              <a:t>MySql数据页</a:t>
+            </a:r>
+            <a:r>
+              <a:rPr lang="zh-CN" altLang="en-US" dirty="0"/>
+              <a:t>，索引页</a:t>
+            </a:r>
+            <a:endParaRPr lang="en-US" dirty="0"/>
+          </a:p>
+          <a:p>
+            <a:pPr lvl="1"/>
+            <a:r>
+              <a:rPr lang="en-US" dirty="0" err="1"/>
+              <a:t>WAL事务日志</a:t>
+            </a:r>
+            <a:endParaRPr lang="en-US" dirty="0"/>
+          </a:p>
+          <a:p>
+            <a:pPr lvl="1"/>
+            <a:r>
+              <a:rPr lang="en-US" dirty="0" err="1"/>
+              <a:t>DoubleWrite</a:t>
+            </a:r>
             <a:endParaRPr lang="en-CN" dirty="0"/>
           </a:p>
         </p:txBody>
@@ -6596,16 +7032,25 @@
             <p:ph type="title"/>
           </p:nvPr>
         </p:nvSpPr>
-        <p:spPr/>
+        <p:spPr>
+          <a:xfrm>
+            <a:off x="1371600" y="685800"/>
+            <a:ext cx="9601200" cy="951931"/>
+          </a:xfrm>
+        </p:spPr>
         <p:txBody>
           <a:bodyPr>
-            <a:normAutofit fontScale="90000"/>
+            <a:normAutofit/>
           </a:bodyPr>
           <a:lstStyle/>
           <a:p>
             <a:r>
+              <a:rPr lang="zh-CN" altLang="en-CN" dirty="0"/>
+              <a:t>技巧</a:t>
+            </a:r>
+            <a:r>
               <a:rPr lang="en-US" altLang="zh-CN" dirty="0"/>
-              <a:t>Roaring</a:t>
+              <a:t>-Roaring</a:t>
             </a:r>
             <a:r>
               <a:rPr lang="zh-CN" altLang="en-US" dirty="0"/>
@@ -6615,77 +7060,6 @@
               <a:rPr lang="en-US" altLang="zh-CN" dirty="0"/>
               <a:t>Bitmap</a:t>
             </a:r>
-            <a:r>
-              <a:rPr lang="zh-CN" altLang="en-US" dirty="0"/>
-              <a:t>，</a:t>
-            </a:r>
-            <a:r>
-              <a:rPr lang="en-CN" dirty="0"/>
-              <a:t>差值存储</a:t>
-            </a:r>
-            <a:r>
-              <a:rPr lang="zh-CN" altLang="en-US" dirty="0"/>
-              <a:t>，</a:t>
-            </a:r>
-            <a:r>
-              <a:rPr lang="en-CN" dirty="0"/>
-              <a:t>跳表</a:t>
-            </a:r>
-            <a:r>
-              <a:rPr lang="zh-CN" altLang="en-US" dirty="0"/>
-              <a:t>，</a:t>
-            </a:r>
-            <a:r>
-              <a:rPr lang="en-US" altLang="zh-CN" dirty="0"/>
-              <a:t>FST</a:t>
-            </a:r>
-            <a:r>
-              <a:rPr lang="zh-CN" altLang="en-US" dirty="0"/>
-              <a:t>，</a:t>
-            </a:r>
-            <a:r>
-              <a:rPr lang="en-US" altLang="zh-CN" dirty="0" err="1"/>
-              <a:t>ByteRefHash</a:t>
-            </a:r>
-            <a:r>
-              <a:rPr lang="en-US" altLang="zh-CN" dirty="0"/>
-              <a:t>,</a:t>
-            </a:r>
-            <a:r>
-              <a:rPr lang="zh-CN" altLang="en-US" dirty="0"/>
-              <a:t> </a:t>
-            </a:r>
-            <a:r>
-              <a:rPr lang="en-US" altLang="zh-CN" dirty="0" err="1"/>
-              <a:t>ByteBlockPool</a:t>
-            </a:r>
-            <a:r>
-              <a:rPr lang="zh-CN" altLang="en-US" dirty="0"/>
-              <a:t>，</a:t>
-            </a:r>
-            <a:r>
-              <a:rPr lang="en-US" altLang="zh-CN" dirty="0"/>
-              <a:t>Directory,</a:t>
-            </a:r>
-            <a:r>
-              <a:rPr lang="zh-CN" altLang="en-US" dirty="0"/>
-              <a:t> </a:t>
-            </a:r>
-            <a:r>
-              <a:rPr lang="en-US" altLang="zh-CN" dirty="0" err="1"/>
-              <a:t>RamUsageEstimator</a:t>
-            </a:r>
-            <a:r>
-              <a:rPr lang="en-US" altLang="zh-CN" dirty="0"/>
-              <a:t>, </a:t>
-            </a:r>
-            <a:r>
-              <a:rPr lang="en-US" altLang="zh-CN" dirty="0" err="1"/>
-              <a:t>IndexedDISI</a:t>
-            </a:r>
-            <a:br>
-              <a:rPr lang="en-US" altLang="zh-CN" dirty="0"/>
-            </a:br>
             <a:endParaRPr lang="en-CN" dirty="0"/>
           </a:p>
         </p:txBody>
@@ -6706,9 +7080,73 @@
             <p:ph idx="1"/>
           </p:nvPr>
         </p:nvSpPr>
-        <p:spPr/>
+        <p:spPr>
+          <a:xfrm>
+            <a:off x="1371600" y="1856096"/>
+            <a:ext cx="9601200" cy="4011304"/>
+          </a:xfrm>
+        </p:spPr>
         <p:txBody>
           <a:bodyPr/>
+          <a:lstStyle/>
+          <a:p>
+            <a:r>
+              <a:rPr lang="en-CN" dirty="0"/>
+              <a:t>Bitmap</a:t>
+            </a:r>
+            <a:r>
+              <a:rPr lang="en-US" altLang="zh-CN" dirty="0"/>
+              <a:t>/</a:t>
+            </a:r>
+            <a:r>
+              <a:rPr lang="en-US" altLang="zh-CN" dirty="0" err="1"/>
+              <a:t>Bitset</a:t>
+            </a:r>
+            <a:endParaRPr lang="en-CN" dirty="0"/>
+          </a:p>
+          <a:p>
+            <a:r>
+              <a:rPr lang="en-CN" dirty="0"/>
+              <a:t>Roaring</a:t>
+            </a:r>
+            <a:r>
+              <a:rPr lang="zh-CN" altLang="en-US" dirty="0"/>
+              <a:t> </a:t>
+            </a:r>
+            <a:r>
+              <a:rPr lang="en-US" altLang="zh-CN" dirty="0"/>
+              <a:t>Bitmap</a:t>
+            </a:r>
+            <a:endParaRPr lang="en-CN" dirty="0"/>
+          </a:p>
+        </p:txBody>
+      </p:sp>
+      <p:sp>
+        <p:nvSpPr>
+          <p:cNvPr id="4" name="TextBox 3">
+            <a:extLst>
+              <a:ext uri="{FF2B5EF4-FFF2-40B4-BE49-F238E27FC236}">
+                <a16:creationId xmlns:a16="http://schemas.microsoft.com/office/drawing/2014/main" id="{B5035DE5-B944-CCF1-11C2-E95FCDF8F0C6}"/>
+              </a:ext>
+            </a:extLst>
+          </p:cNvPr>
+          <p:cNvSpPr txBox="1"/>
+          <p:nvPr/>
+        </p:nvSpPr>
+        <p:spPr>
+          <a:xfrm>
+            <a:off x="3807725" y="1009934"/>
+            <a:ext cx="184731" cy="369332"/>
+          </a:xfrm>
+          <a:prstGeom prst="rect">
+            <a:avLst/>
+          </a:prstGeom>
+          <a:noFill/>
+        </p:spPr>
+        <p:txBody>
+          <a:bodyPr wrap="none" rtlCol="0">
+            <a:spAutoFit/>
+          </a:bodyPr>
           <a:lstStyle/>
           <a:p>
             <a:endParaRPr lang="en-CN" dirty="0"/>
@@ -6761,7 +7199,12 @@
             <p:ph type="title"/>
           </p:nvPr>
         </p:nvSpPr>
-        <p:spPr/>
+        <p:spPr>
+          <a:xfrm>
+            <a:off x="1371600" y="685800"/>
+            <a:ext cx="9601200" cy="925530"/>
+          </a:xfrm>
+        </p:spPr>
         <p:txBody>
           <a:bodyPr/>
           <a:lstStyle/>
@@ -6798,7 +7241,12 @@
             <p:ph idx="1"/>
           </p:nvPr>
         </p:nvSpPr>
-        <p:spPr/>
+        <p:spPr>
+          <a:xfrm>
+            <a:off x="1371600" y="1809642"/>
+            <a:ext cx="9601200" cy="3581400"/>
+          </a:xfrm>
+        </p:spPr>
         <p:txBody>
           <a:bodyPr/>
           <a:lstStyle/>
@@ -6924,6 +7372,36 @@
           <a:xfrm>
             <a:off x="6369327" y="0"/>
             <a:ext cx="5628301" cy="3268717"/>
+          </a:xfrm>
+          <a:prstGeom prst="rect">
+            <a:avLst/>
+          </a:prstGeom>
+        </p:spPr>
+      </p:pic>
+      <p:pic>
+        <p:nvPicPr>
+          <p:cNvPr id="6" name="Picture 5">
+            <a:extLst>
+              <a:ext uri="{FF2B5EF4-FFF2-40B4-BE49-F238E27FC236}">
+                <a16:creationId xmlns:a16="http://schemas.microsoft.com/office/drawing/2014/main" id="{36B87007-7886-3EBD-1BC1-DF7182B4B15C}"/>
+              </a:ext>
+            </a:extLst>
+          </p:cNvPr>
+          <p:cNvPicPr>
+            <a:picLocks noChangeAspect="1"/>
+          </p:cNvPicPr>
+          <p:nvPr/>
+        </p:nvPicPr>
+        <p:blipFill>
+          <a:blip r:embed="rId5"/>
+          <a:stretch>
+            <a:fillRect/>
+          </a:stretch>
+        </p:blipFill>
+        <p:spPr>
+          <a:xfrm>
+            <a:off x="2802617" y="3600342"/>
+            <a:ext cx="3566710" cy="2941728"/>
           </a:xfrm>
           <a:prstGeom prst="rect">
             <a:avLst/>
